--- a/presentazione/RA/presentazioneRA.pptx
+++ b/presentazione/RA/presentazioneRA.pptx
@@ -2,25 +2,26 @@
 <file path=ppt/presentation.xml><?xml version="1.0" encoding="utf-8"?>
 <p:presentation xmlns:a="http://schemas.openxmlformats.org/drawingml/2006/main" xmlns:r="http://schemas.openxmlformats.org/officeDocument/2006/relationships" xmlns:p="http://schemas.openxmlformats.org/presentationml/2006/main" firstSlideNum="0" showSpecialPlsOnTitleSld="0" saveSubsetFonts="1">
   <p:sldMasterIdLst>
-    <p:sldMasterId id="2147484062" r:id="rId1"/>
-    <p:sldMasterId id="2147484074" r:id="rId2"/>
+    <p:sldMasterId id="2147484100" r:id="rId1"/>
   </p:sldMasterIdLst>
   <p:notesMasterIdLst>
-    <p:notesMasterId r:id="rId15"/>
+    <p:notesMasterId r:id="rId16"/>
   </p:notesMasterIdLst>
   <p:sldIdLst>
-    <p:sldId id="256" r:id="rId3"/>
-    <p:sldId id="257" r:id="rId4"/>
-    <p:sldId id="259" r:id="rId5"/>
-    <p:sldId id="268" r:id="rId6"/>
-    <p:sldId id="272" r:id="rId7"/>
-    <p:sldId id="270" r:id="rId8"/>
+    <p:sldId id="256" r:id="rId2"/>
+    <p:sldId id="257" r:id="rId3"/>
+    <p:sldId id="259" r:id="rId4"/>
+    <p:sldId id="268" r:id="rId5"/>
+    <p:sldId id="272" r:id="rId6"/>
+    <p:sldId id="270" r:id="rId7"/>
+    <p:sldId id="275" r:id="rId8"/>
     <p:sldId id="273" r:id="rId9"/>
     <p:sldId id="261" r:id="rId10"/>
     <p:sldId id="271" r:id="rId11"/>
     <p:sldId id="265" r:id="rId12"/>
     <p:sldId id="266" r:id="rId13"/>
-    <p:sldId id="267" r:id="rId14"/>
+    <p:sldId id="274" r:id="rId14"/>
+    <p:sldId id="267" r:id="rId15"/>
   </p:sldIdLst>
   <p:sldSz cx="12192000" cy="6858000"/>
   <p:notesSz cx="6858000" cy="9144000"/>
@@ -212,7 +213,7 @@
           <a:p>
             <a:fld id="{20219A16-77D6-44C0-952D-76FB549DD0BF}" type="datetimeFigureOut">
               <a:rPr lang="en-GB" smtClean="0"/>
-              <a:t>22/08/2016</a:t>
+              <a:t>23/08/2016</a:t>
             </a:fld>
             <a:endParaRPr lang="en-GB"/>
           </a:p>
@@ -797,7 +798,91 @@
           <a:p>
             <a:fld id="{4D96EA73-DC51-439D-9A15-5D875FE7050A}" type="slidenum">
               <a:rPr lang="en-GB" smtClean="0"/>
-              <a:t>9</a:t>
+              <a:t>6</a:t>
+            </a:fld>
+            <a:endParaRPr lang="en-GB"/>
+          </a:p>
+        </p:txBody>
+      </p:sp>
+    </p:spTree>
+    <p:extLst>
+      <p:ext uri="{BB962C8B-B14F-4D97-AF65-F5344CB8AC3E}">
+        <p14:creationId xmlns:p14="http://schemas.microsoft.com/office/powerpoint/2010/main" val="376511763"/>
+      </p:ext>
+    </p:extLst>
+  </p:cSld>
+  <p:clrMapOvr>
+    <a:masterClrMapping/>
+  </p:clrMapOvr>
+</p:notes>
+</file>
+
+<file path=ppt/notesSlides/notesSlide5.xml><?xml version="1.0" encoding="utf-8"?>
+<p:notes xmlns:a="http://schemas.openxmlformats.org/drawingml/2006/main" xmlns:r="http://schemas.openxmlformats.org/officeDocument/2006/relationships" xmlns:p="http://schemas.openxmlformats.org/presentationml/2006/main">
+  <p:cSld>
+    <p:spTree>
+      <p:nvGrpSpPr>
+        <p:cNvPr id="1" name=""/>
+        <p:cNvGrpSpPr/>
+        <p:nvPr/>
+      </p:nvGrpSpPr>
+      <p:grpSpPr>
+        <a:xfrm>
+          <a:off x="0" y="0"/>
+          <a:ext cx="0" cy="0"/>
+          <a:chOff x="0" y="0"/>
+          <a:chExt cx="0" cy="0"/>
+        </a:xfrm>
+      </p:grpSpPr>
+      <p:sp>
+        <p:nvSpPr>
+          <p:cNvPr id="2" name="Segnaposto immagine diapositiva 1"/>
+          <p:cNvSpPr>
+            <a:spLocks noGrp="1" noRot="1" noChangeAspect="1"/>
+          </p:cNvSpPr>
+          <p:nvPr>
+            <p:ph type="sldImg"/>
+          </p:nvPr>
+        </p:nvSpPr>
+        <p:spPr/>
+      </p:sp>
+      <p:sp>
+        <p:nvSpPr>
+          <p:cNvPr id="3" name="Segnaposto note 2"/>
+          <p:cNvSpPr>
+            <a:spLocks noGrp="1"/>
+          </p:cNvSpPr>
+          <p:nvPr>
+            <p:ph type="body" idx="1"/>
+          </p:nvPr>
+        </p:nvSpPr>
+        <p:spPr/>
+        <p:txBody>
+          <a:bodyPr/>
+          <a:lstStyle/>
+          <a:p>
+            <a:endParaRPr lang="it-IT"/>
+          </a:p>
+        </p:txBody>
+      </p:sp>
+      <p:sp>
+        <p:nvSpPr>
+          <p:cNvPr id="4" name="Segnaposto numero diapositiva 3"/>
+          <p:cNvSpPr>
+            <a:spLocks noGrp="1"/>
+          </p:cNvSpPr>
+          <p:nvPr>
+            <p:ph type="sldNum" sz="quarter" idx="10"/>
+          </p:nvPr>
+        </p:nvSpPr>
+        <p:spPr/>
+        <p:txBody>
+          <a:bodyPr/>
+          <a:lstStyle/>
+          <a:p>
+            <a:fld id="{4D96EA73-DC51-439D-9A15-5D875FE7050A}" type="slidenum">
+              <a:rPr lang="en-GB" smtClean="0"/>
+              <a:t>10</a:t>
             </a:fld>
             <a:endParaRPr lang="en-GB"/>
           </a:p>
@@ -819,14 +904,6 @@
 <file path=ppt/slideLayouts/slideLayout1.xml><?xml version="1.0" encoding="utf-8"?>
 <p:sldLayout xmlns:a="http://schemas.openxmlformats.org/drawingml/2006/main" xmlns:r="http://schemas.openxmlformats.org/officeDocument/2006/relationships" xmlns:p="http://schemas.openxmlformats.org/presentationml/2006/main" showMasterSp="0" type="title" preserve="1">
   <p:cSld name="Diapositiva titolo">
-    <p:bg>
-      <p:bgPr>
-        <a:solidFill>
-          <a:schemeClr val="accent1"/>
-        </a:solidFill>
-        <a:effectLst/>
-      </p:bgPr>
-    </p:bg>
     <p:spTree>
       <p:nvGrpSpPr>
         <p:cNvPr id="1" name=""/>
@@ -911,11 +988,7 @@
                 <a:spcPts val="0"/>
               </a:spcAft>
               <a:buNone/>
-              <a:defRPr sz="2300">
-                <a:solidFill>
-                  <a:schemeClr val="bg2"/>
-                </a:solidFill>
-              </a:defRPr>
+              <a:defRPr sz="2300"/>
             </a:lvl1pPr>
             <a:lvl2pPr marL="457200" indent="0" algn="ctr">
               <a:buNone/>
@@ -987,9 +1060,9 @@
             </a:lvl1pPr>
           </a:lstStyle>
           <a:p>
-            <a:fld id="{EB1BCCE8-8850-DF4B-BBA5-D101242539B2}" type="datetime1">
+            <a:fld id="{C39A6A36-267C-7540-9D5C-7411F74ECC32}" type="datetime1">
               <a:rPr lang="it-IT" smtClean="0"/>
-              <a:t>22/08/16</a:t>
+              <a:t>23/08/16</a:t>
             </a:fld>
             <a:endParaRPr lang="en-GB"/>
           </a:p>
@@ -1065,7 +1138,7 @@
       </p:sp>
       <p:grpSp>
         <p:nvGrpSpPr>
-          <p:cNvPr id="9" name="Group 8"/>
+          <p:cNvPr id="7" name="Group 6"/>
           <p:cNvGrpSpPr/>
           <p:nvPr/>
         </p:nvGrpSpPr>
@@ -1195,7 +1268,7 @@
     </p:spTree>
     <p:extLst>
       <p:ext uri="{BB962C8B-B14F-4D97-AF65-F5344CB8AC3E}">
-        <p14:creationId xmlns:p14="http://schemas.microsoft.com/office/powerpoint/2010/main" val="81254695"/>
+        <p14:creationId xmlns:p14="http://schemas.microsoft.com/office/powerpoint/2010/main" val="1255622560"/>
       </p:ext>
     </p:extLst>
   </p:cSld>
@@ -1327,9 +1400,9 @@
           <a:bodyPr/>
           <a:lstStyle/>
           <a:p>
-            <a:fld id="{3ACA1F71-079C-444E-BD67-CBE6E7D4CED2}" type="datetime1">
+            <a:fld id="{675E2BF5-BBB7-3548-956F-1D1C69C9BE41}" type="datetime1">
               <a:rPr lang="it-IT" smtClean="0"/>
-              <a:t>22/08/16</a:t>
+              <a:t>23/08/16</a:t>
             </a:fld>
             <a:endParaRPr lang="en-GB"/>
           </a:p>
@@ -1380,7 +1453,7 @@
     </p:spTree>
     <p:extLst>
       <p:ext uri="{BB962C8B-B14F-4D97-AF65-F5344CB8AC3E}">
-        <p14:creationId xmlns:p14="http://schemas.microsoft.com/office/powerpoint/2010/main" val="581646251"/>
+        <p14:creationId xmlns:p14="http://schemas.microsoft.com/office/powerpoint/2010/main" val="204796756"/>
       </p:ext>
     </p:extLst>
   </p:cSld>
@@ -1517,9 +1590,9 @@
           <a:bodyPr/>
           <a:lstStyle/>
           <a:p>
-            <a:fld id="{5ECE07DC-967D-6440-8C77-9DAD2621F33F}" type="datetime1">
+            <a:fld id="{6B440F57-CA15-684A-973F-2D173A389232}" type="datetime1">
               <a:rPr lang="it-IT" smtClean="0"/>
-              <a:t>22/08/16</a:t>
+              <a:t>23/08/16</a:t>
             </a:fld>
             <a:endParaRPr lang="en-GB"/>
           </a:p>
@@ -1570,7 +1643,7 @@
     </p:spTree>
     <p:extLst>
       <p:ext uri="{BB962C8B-B14F-4D97-AF65-F5344CB8AC3E}">
-        <p14:creationId xmlns:p14="http://schemas.microsoft.com/office/powerpoint/2010/main" val="382979413"/>
+        <p14:creationId xmlns:p14="http://schemas.microsoft.com/office/powerpoint/2010/main" val="1750275598"/>
       </p:ext>
     </p:extLst>
   </p:cSld>
@@ -1588,16 +1661,8 @@
 </file>
 
 <file path=ppt/slideLayouts/slideLayout12.xml><?xml version="1.0" encoding="utf-8"?>
-<p:sldLayout xmlns:a="http://schemas.openxmlformats.org/drawingml/2006/main" xmlns:r="http://schemas.openxmlformats.org/officeDocument/2006/relationships" xmlns:p="http://schemas.openxmlformats.org/presentationml/2006/main" showMasterSp="0" type="title" preserve="1">
-  <p:cSld name="Diapositiva titolo">
-    <p:bg>
-      <p:bgPr>
-        <a:solidFill>
-          <a:schemeClr val="bg2"/>
-        </a:solidFill>
-        <a:effectLst/>
-      </p:bgPr>
-    </p:bg>
+<p:sldLayout xmlns:a="http://schemas.openxmlformats.org/drawingml/2006/main" xmlns:r="http://schemas.openxmlformats.org/officeDocument/2006/relationships" xmlns:p="http://schemas.openxmlformats.org/presentationml/2006/main" showMasterSp="0">
+  <p:cSld name="Scheda nome">
     <p:spTree>
       <p:nvGrpSpPr>
         <p:cNvPr id="1" name=""/>
@@ -1619,110 +1684,145 @@
             <a:spLocks noGrp="1"/>
           </p:cNvSpPr>
           <p:nvPr>
-            <p:ph type="ctrTitle"/>
+            <p:ph type="title"/>
           </p:nvPr>
         </p:nvSpPr>
         <p:spPr>
           <a:xfrm>
-            <a:off x="1915128" y="1788454"/>
-            <a:ext cx="8361229" cy="2098226"/>
-          </a:xfrm>
-        </p:spPr>
-        <p:txBody>
-          <a:bodyPr anchor="b">
-            <a:noAutofit/>
-          </a:bodyPr>
+            <a:off x="1154955" y="2404477"/>
+            <a:ext cx="8825659" cy="1788704"/>
+          </a:xfrm>
+        </p:spPr>
+        <p:txBody>
+          <a:bodyPr anchor="b"/>
           <a:lstStyle>
-            <a:lvl1pPr algn="ctr">
-              <a:defRPr sz="7200" cap="all" baseline="0">
+            <a:lvl1pPr algn="l">
+              <a:defRPr sz="4000" b="0" cap="none"/>
+            </a:lvl1pPr>
+          </a:lstStyle>
+          <a:p>
+            <a:r>
+              <a:rPr lang="it-IT" smtClean="0"/>
+              <a:t>Fare clic per modificare stile</a:t>
+            </a:r>
+            <a:endParaRPr lang="en-US" dirty="0"/>
+          </a:p>
+        </p:txBody>
+      </p:sp>
+      <p:sp>
+        <p:nvSpPr>
+          <p:cNvPr id="3" name="Text Placeholder 2"/>
+          <p:cNvSpPr>
+            <a:spLocks noGrp="1"/>
+          </p:cNvSpPr>
+          <p:nvPr>
+            <p:ph type="body" idx="1"/>
+          </p:nvPr>
+        </p:nvSpPr>
+        <p:spPr>
+          <a:xfrm>
+            <a:off x="1138587" y="5024967"/>
+            <a:ext cx="8825658" cy="860400"/>
+          </a:xfrm>
+        </p:spPr>
+        <p:txBody>
+          <a:bodyPr anchor="t"/>
+          <a:lstStyle>
+            <a:lvl1pPr marL="0" indent="0" algn="l">
+              <a:buNone/>
+              <a:defRPr sz="2000" cap="none">
                 <a:solidFill>
-                  <a:schemeClr val="tx2"/>
+                  <a:schemeClr val="accent1"/>
                 </a:solidFill>
               </a:defRPr>
             </a:lvl1pPr>
-          </a:lstStyle>
-          <a:p>
-            <a:r>
-              <a:rPr lang="it-IT" smtClean="0"/>
-              <a:t>Fare clic per modificare stile</a:t>
-            </a:r>
-            <a:endParaRPr lang="en-US" dirty="0"/>
-          </a:p>
-        </p:txBody>
-      </p:sp>
-      <p:sp>
-        <p:nvSpPr>
-          <p:cNvPr id="3" name="Subtitle 2"/>
-          <p:cNvSpPr>
-            <a:spLocks noGrp="1"/>
-          </p:cNvSpPr>
-          <p:nvPr>
-            <p:ph type="subTitle" idx="1"/>
-          </p:nvPr>
-        </p:nvSpPr>
-        <p:spPr>
-          <a:xfrm>
-            <a:off x="2679906" y="3956279"/>
-            <a:ext cx="6831673" cy="1086237"/>
-          </a:xfrm>
-        </p:spPr>
-        <p:txBody>
-          <a:bodyPr>
-            <a:normAutofit/>
-          </a:bodyPr>
-          <a:lstStyle>
-            <a:lvl1pPr marL="0" indent="0" algn="ctr">
-              <a:lnSpc>
-                <a:spcPct val="112000"/>
-              </a:lnSpc>
-              <a:spcBef>
-                <a:spcPts val="0"/>
-              </a:spcBef>
-              <a:spcAft>
-                <a:spcPts val="0"/>
-              </a:spcAft>
+            <a:lvl2pPr marL="457200" indent="0">
               <a:buNone/>
-              <a:defRPr sz="2300"/>
-            </a:lvl1pPr>
-            <a:lvl2pPr marL="457200" indent="0" algn="ctr">
+              <a:defRPr sz="1800">
+                <a:solidFill>
+                  <a:schemeClr val="tx1">
+                    <a:tint val="75000"/>
+                  </a:schemeClr>
+                </a:solidFill>
+              </a:defRPr>
+            </a:lvl2pPr>
+            <a:lvl3pPr marL="914400" indent="0">
               <a:buNone/>
-              <a:defRPr sz="2000"/>
-            </a:lvl2pPr>
-            <a:lvl3pPr marL="914400" indent="0" algn="ctr">
+              <a:defRPr sz="1600">
+                <a:solidFill>
+                  <a:schemeClr val="tx1">
+                    <a:tint val="75000"/>
+                  </a:schemeClr>
+                </a:solidFill>
+              </a:defRPr>
+            </a:lvl3pPr>
+            <a:lvl4pPr marL="1371600" indent="0">
               <a:buNone/>
-              <a:defRPr sz="1800"/>
-            </a:lvl3pPr>
-            <a:lvl4pPr marL="1371600" indent="0" algn="ctr">
+              <a:defRPr sz="1400">
+                <a:solidFill>
+                  <a:schemeClr val="tx1">
+                    <a:tint val="75000"/>
+                  </a:schemeClr>
+                </a:solidFill>
+              </a:defRPr>
+            </a:lvl4pPr>
+            <a:lvl5pPr marL="1828800" indent="0">
               <a:buNone/>
-              <a:defRPr sz="1600"/>
-            </a:lvl4pPr>
-            <a:lvl5pPr marL="1828800" indent="0" algn="ctr">
+              <a:defRPr sz="1400">
+                <a:solidFill>
+                  <a:schemeClr val="tx1">
+                    <a:tint val="75000"/>
+                  </a:schemeClr>
+                </a:solidFill>
+              </a:defRPr>
+            </a:lvl5pPr>
+            <a:lvl6pPr marL="2286000" indent="0">
               <a:buNone/>
-              <a:defRPr sz="1600"/>
-            </a:lvl5pPr>
-            <a:lvl6pPr marL="2286000" indent="0" algn="ctr">
+              <a:defRPr sz="1400">
+                <a:solidFill>
+                  <a:schemeClr val="tx1">
+                    <a:tint val="75000"/>
+                  </a:schemeClr>
+                </a:solidFill>
+              </a:defRPr>
+            </a:lvl6pPr>
+            <a:lvl7pPr marL="2743200" indent="0">
               <a:buNone/>
-              <a:defRPr sz="1600"/>
-            </a:lvl6pPr>
-            <a:lvl7pPr marL="2743200" indent="0" algn="ctr">
+              <a:defRPr sz="1400">
+                <a:solidFill>
+                  <a:schemeClr val="tx1">
+                    <a:tint val="75000"/>
+                  </a:schemeClr>
+                </a:solidFill>
+              </a:defRPr>
+            </a:lvl7pPr>
+            <a:lvl8pPr marL="3200400" indent="0">
               <a:buNone/>
-              <a:defRPr sz="1600"/>
-            </a:lvl7pPr>
-            <a:lvl8pPr marL="3200400" indent="0" algn="ctr">
+              <a:defRPr sz="1400">
+                <a:solidFill>
+                  <a:schemeClr val="tx1">
+                    <a:tint val="75000"/>
+                  </a:schemeClr>
+                </a:solidFill>
+              </a:defRPr>
+            </a:lvl8pPr>
+            <a:lvl9pPr marL="3657600" indent="0">
               <a:buNone/>
-              <a:defRPr sz="1600"/>
-            </a:lvl8pPr>
-            <a:lvl9pPr marL="3657600" indent="0" algn="ctr">
-              <a:buNone/>
-              <a:defRPr sz="1600"/>
+              <a:defRPr sz="1400">
+                <a:solidFill>
+                  <a:schemeClr val="tx1">
+                    <a:tint val="75000"/>
+                  </a:schemeClr>
+                </a:solidFill>
+              </a:defRPr>
             </a:lvl9pPr>
           </a:lstStyle>
           <a:p>
+            <a:pPr lvl="0"/>
             <a:r>
               <a:rPr lang="it-IT" smtClean="0"/>
-              <a:t>Fare clic per modificare lo stile del sottotitolo dello schema</a:t>
-            </a:r>
-            <a:endParaRPr lang="en-US" dirty="0"/>
+              <a:t>Fare clic per modificare gli stili del testo dello schema</a:t>
+            </a:r>
           </a:p>
         </p:txBody>
       </p:sp>
@@ -1736,27 +1836,14 @@
             <p:ph type="dt" sz="half" idx="10"/>
           </p:nvPr>
         </p:nvSpPr>
-        <p:spPr>
-          <a:xfrm>
-            <a:off x="752858" y="6453386"/>
-            <a:ext cx="1607944" cy="404614"/>
-          </a:xfrm>
-        </p:spPr>
+        <p:spPr/>
         <p:txBody>
           <a:bodyPr/>
-          <a:lstStyle>
-            <a:lvl1pPr>
-              <a:defRPr baseline="0">
-                <a:solidFill>
-                  <a:schemeClr val="tx2"/>
-                </a:solidFill>
-              </a:defRPr>
-            </a:lvl1pPr>
-          </a:lstStyle>
-          <a:p>
-            <a:fld id="{C39A6A36-267C-7540-9D5C-7411F74ECC32}" type="datetime1">
+          <a:lstStyle/>
+          <a:p>
+            <a:fld id="{ADEF6E1B-69DD-F14D-AF5B-6C46CDD3E66F}" type="datetime1">
               <a:rPr lang="it-IT" smtClean="0"/>
-              <a:t>22/08/16</a:t>
+              <a:t>23/08/16</a:t>
             </a:fld>
             <a:endParaRPr lang="en-GB"/>
           </a:p>
@@ -1772,23 +1859,10 @@
             <p:ph type="ftr" sz="quarter" idx="11"/>
           </p:nvPr>
         </p:nvSpPr>
-        <p:spPr>
-          <a:xfrm>
-            <a:off x="2584054" y="6453386"/>
-            <a:ext cx="7023377" cy="404614"/>
-          </a:xfrm>
-        </p:spPr>
+        <p:spPr/>
         <p:txBody>
           <a:bodyPr/>
-          <a:lstStyle>
-            <a:lvl1pPr algn="ctr">
-              <a:defRPr baseline="0">
-                <a:solidFill>
-                  <a:schemeClr val="tx2"/>
-                </a:solidFill>
-              </a:defRPr>
-            </a:lvl1pPr>
-          </a:lstStyle>
+          <a:lstStyle/>
           <a:p>
             <a:endParaRPr lang="en-GB"/>
           </a:p>
@@ -1804,23 +1878,10 @@
             <p:ph type="sldNum" sz="quarter" idx="12"/>
           </p:nvPr>
         </p:nvSpPr>
-        <p:spPr>
-          <a:xfrm>
-            <a:off x="9830683" y="6453386"/>
-            <a:ext cx="1596292" cy="404614"/>
-          </a:xfrm>
-        </p:spPr>
+        <p:spPr/>
         <p:txBody>
           <a:bodyPr/>
-          <a:lstStyle>
-            <a:lvl1pPr>
-              <a:defRPr baseline="0">
-                <a:solidFill>
-                  <a:schemeClr val="tx2"/>
-                </a:solidFill>
-              </a:defRPr>
-            </a:lvl1pPr>
-          </a:lstStyle>
+          <a:lstStyle/>
           <a:p>
             <a:fld id="{5480F8F5-B768-441C-AF31-6EA0CB405703}" type="slidenum">
               <a:rPr lang="en-GB" smtClean="0"/>
@@ -1830,319 +1891,10 @@
           </a:p>
         </p:txBody>
       </p:sp>
-      <p:grpSp>
-        <p:nvGrpSpPr>
-          <p:cNvPr id="7" name="Group 6"/>
-          <p:cNvGrpSpPr/>
-          <p:nvPr/>
-        </p:nvGrpSpPr>
-        <p:grpSpPr>
-          <a:xfrm>
-            <a:off x="752858" y="744469"/>
-            <a:ext cx="10674117" cy="5349671"/>
-            <a:chOff x="752858" y="744469"/>
-            <a:chExt cx="10674117" cy="5349671"/>
-          </a:xfrm>
-        </p:grpSpPr>
-        <p:sp>
-          <p:nvSpPr>
-            <p:cNvPr id="11" name="Freeform 6"/>
-            <p:cNvSpPr/>
-            <p:nvPr/>
-          </p:nvSpPr>
-          <p:spPr bwMode="auto">
-            <a:xfrm>
-              <a:off x="8151962" y="1685652"/>
-              <a:ext cx="3275013" cy="4408488"/>
-            </a:xfrm>
-            <a:custGeom>
-              <a:avLst/>
-              <a:gdLst/>
-              <a:ahLst/>
-              <a:cxnLst/>
-              <a:rect l="l" t="t" r="r" b="b"/>
-              <a:pathLst>
-                <a:path w="10000" h="10000">
-                  <a:moveTo>
-                    <a:pt x="8761" y="0"/>
-                  </a:moveTo>
-                  <a:lnTo>
-                    <a:pt x="10000" y="0"/>
-                  </a:lnTo>
-                  <a:lnTo>
-                    <a:pt x="10000" y="10000"/>
-                  </a:lnTo>
-                  <a:lnTo>
-                    <a:pt x="0" y="10000"/>
-                  </a:lnTo>
-                  <a:lnTo>
-                    <a:pt x="0" y="9126"/>
-                  </a:lnTo>
-                  <a:lnTo>
-                    <a:pt x="8761" y="9127"/>
-                  </a:lnTo>
-                  <a:lnTo>
-                    <a:pt x="8761" y="0"/>
-                  </a:lnTo>
-                  <a:close/>
-                </a:path>
-              </a:pathLst>
-            </a:custGeom>
-            <a:solidFill>
-              <a:schemeClr val="tx2"/>
-            </a:solidFill>
-            <a:ln w="0">
-              <a:noFill/>
-              <a:prstDash val="solid"/>
-              <a:round/>
-              <a:headEnd/>
-              <a:tailEnd/>
-            </a:ln>
-          </p:spPr>
-        </p:sp>
-        <p:sp>
-          <p:nvSpPr>
-            <p:cNvPr id="14" name="Freeform 6"/>
-            <p:cNvSpPr/>
-            <p:nvPr/>
-          </p:nvSpPr>
-          <p:spPr bwMode="auto">
-            <a:xfrm flipH="1" flipV="1">
-              <a:off x="752858" y="744469"/>
-              <a:ext cx="3275668" cy="4408488"/>
-            </a:xfrm>
-            <a:custGeom>
-              <a:avLst/>
-              <a:gdLst/>
-              <a:ahLst/>
-              <a:cxnLst/>
-              <a:rect l="l" t="t" r="r" b="b"/>
-              <a:pathLst>
-                <a:path w="10002" h="10000">
-                  <a:moveTo>
-                    <a:pt x="8763" y="0"/>
-                  </a:moveTo>
-                  <a:lnTo>
-                    <a:pt x="10002" y="0"/>
-                  </a:lnTo>
-                  <a:lnTo>
-                    <a:pt x="10002" y="10000"/>
-                  </a:lnTo>
-                  <a:lnTo>
-                    <a:pt x="2" y="10000"/>
-                  </a:lnTo>
-                  <a:cubicBezTo>
-                    <a:pt x="-2" y="9698"/>
-                    <a:pt x="4" y="9427"/>
-                    <a:pt x="0" y="9125"/>
-                  </a:cubicBezTo>
-                  <a:lnTo>
-                    <a:pt x="8763" y="9128"/>
-                  </a:lnTo>
-                  <a:lnTo>
-                    <a:pt x="8763" y="0"/>
-                  </a:lnTo>
-                  <a:close/>
-                </a:path>
-              </a:pathLst>
-            </a:custGeom>
-            <a:solidFill>
-              <a:schemeClr val="tx2"/>
-            </a:solidFill>
-            <a:ln w="0">
-              <a:noFill/>
-              <a:prstDash val="solid"/>
-              <a:round/>
-              <a:headEnd/>
-              <a:tailEnd/>
-            </a:ln>
-          </p:spPr>
-        </p:sp>
-      </p:grpSp>
     </p:spTree>
     <p:extLst>
       <p:ext uri="{BB962C8B-B14F-4D97-AF65-F5344CB8AC3E}">
-        <p14:creationId xmlns:p14="http://schemas.microsoft.com/office/powerpoint/2010/main" val="636546728"/>
-      </p:ext>
-    </p:extLst>
-  </p:cSld>
-  <p:clrMapOvr>
-    <a:overrideClrMapping bg1="lt1" tx1="dk1" bg2="lt2" tx2="dk2" accent1="accent1" accent2="accent2" accent3="accent3" accent4="accent4" accent5="accent5" accent6="accent6" hlink="hlink" folHlink="folHlink"/>
-  </p:clrMapOvr>
-  <p:transition spd="slow">
-    <p:push/>
-  </p:transition>
-  <p:timing>
-    <p:tnLst>
-      <p:par>
-        <p:cTn id="1" dur="indefinite" restart="never" nodeType="tmRoot"/>
-      </p:par>
-    </p:tnLst>
-  </p:timing>
-</p:sldLayout>
-</file>
-
-<file path=ppt/slideLayouts/slideLayout13.xml><?xml version="1.0" encoding="utf-8"?>
-<p:sldLayout xmlns:a="http://schemas.openxmlformats.org/drawingml/2006/main" xmlns:r="http://schemas.openxmlformats.org/officeDocument/2006/relationships" xmlns:p="http://schemas.openxmlformats.org/presentationml/2006/main" type="obj" preserve="1">
-  <p:cSld name="Titolo e contenuto">
-    <p:spTree>
-      <p:nvGrpSpPr>
-        <p:cNvPr id="1" name=""/>
-        <p:cNvGrpSpPr/>
-        <p:nvPr/>
-      </p:nvGrpSpPr>
-      <p:grpSpPr>
-        <a:xfrm>
-          <a:off x="0" y="0"/>
-          <a:ext cx="0" cy="0"/>
-          <a:chOff x="0" y="0"/>
-          <a:chExt cx="0" cy="0"/>
-        </a:xfrm>
-      </p:grpSpPr>
-      <p:sp>
-        <p:nvSpPr>
-          <p:cNvPr id="2" name="Title 1"/>
-          <p:cNvSpPr>
-            <a:spLocks noGrp="1"/>
-          </p:cNvSpPr>
-          <p:nvPr>
-            <p:ph type="title"/>
-          </p:nvPr>
-        </p:nvSpPr>
-        <p:spPr/>
-        <p:txBody>
-          <a:bodyPr/>
-          <a:lstStyle/>
-          <a:p>
-            <a:r>
-              <a:rPr lang="it-IT" smtClean="0"/>
-              <a:t>Fare clic per modificare stile</a:t>
-            </a:r>
-            <a:endParaRPr lang="en-US" dirty="0"/>
-          </a:p>
-        </p:txBody>
-      </p:sp>
-      <p:sp>
-        <p:nvSpPr>
-          <p:cNvPr id="3" name="Content Placeholder 2"/>
-          <p:cNvSpPr>
-            <a:spLocks noGrp="1"/>
-          </p:cNvSpPr>
-          <p:nvPr>
-            <p:ph idx="1"/>
-          </p:nvPr>
-        </p:nvSpPr>
-        <p:spPr/>
-        <p:txBody>
-          <a:bodyPr/>
-          <a:lstStyle/>
-          <a:p>
-            <a:pPr lvl="0"/>
-            <a:r>
-              <a:rPr lang="it-IT" smtClean="0"/>
-              <a:t>Fare clic per modificare gli stili del testo dello schema</a:t>
-            </a:r>
-          </a:p>
-          <a:p>
-            <a:pPr lvl="1"/>
-            <a:r>
-              <a:rPr lang="it-IT" smtClean="0"/>
-              <a:t>Secondo livello</a:t>
-            </a:r>
-          </a:p>
-          <a:p>
-            <a:pPr lvl="2"/>
-            <a:r>
-              <a:rPr lang="it-IT" smtClean="0"/>
-              <a:t>Terzo livello</a:t>
-            </a:r>
-          </a:p>
-          <a:p>
-            <a:pPr lvl="3"/>
-            <a:r>
-              <a:rPr lang="it-IT" smtClean="0"/>
-              <a:t>Quarto livello</a:t>
-            </a:r>
-          </a:p>
-          <a:p>
-            <a:pPr lvl="4"/>
-            <a:r>
-              <a:rPr lang="it-IT" smtClean="0"/>
-              <a:t>Quinto livello</a:t>
-            </a:r>
-            <a:endParaRPr lang="en-US" dirty="0"/>
-          </a:p>
-        </p:txBody>
-      </p:sp>
-      <p:sp>
-        <p:nvSpPr>
-          <p:cNvPr id="4" name="Date Placeholder 3"/>
-          <p:cNvSpPr>
-            <a:spLocks noGrp="1"/>
-          </p:cNvSpPr>
-          <p:nvPr>
-            <p:ph type="dt" sz="half" idx="10"/>
-          </p:nvPr>
-        </p:nvSpPr>
-        <p:spPr/>
-        <p:txBody>
-          <a:bodyPr/>
-          <a:lstStyle/>
-          <a:p>
-            <a:fld id="{2A8C8C96-573D-674E-A47C-99EA25788C82}" type="datetime1">
-              <a:rPr lang="it-IT" smtClean="0"/>
-              <a:t>22/08/16</a:t>
-            </a:fld>
-            <a:endParaRPr lang="en-GB"/>
-          </a:p>
-        </p:txBody>
-      </p:sp>
-      <p:sp>
-        <p:nvSpPr>
-          <p:cNvPr id="5" name="Footer Placeholder 4"/>
-          <p:cNvSpPr>
-            <a:spLocks noGrp="1"/>
-          </p:cNvSpPr>
-          <p:nvPr>
-            <p:ph type="ftr" sz="quarter" idx="11"/>
-          </p:nvPr>
-        </p:nvSpPr>
-        <p:spPr/>
-        <p:txBody>
-          <a:bodyPr/>
-          <a:lstStyle/>
-          <a:p>
-            <a:endParaRPr lang="en-GB"/>
-          </a:p>
-        </p:txBody>
-      </p:sp>
-      <p:sp>
-        <p:nvSpPr>
-          <p:cNvPr id="6" name="Slide Number Placeholder 5"/>
-          <p:cNvSpPr>
-            <a:spLocks noGrp="1"/>
-          </p:cNvSpPr>
-          <p:nvPr>
-            <p:ph type="sldNum" sz="quarter" idx="12"/>
-          </p:nvPr>
-        </p:nvSpPr>
-        <p:spPr/>
-        <p:txBody>
-          <a:bodyPr/>
-          <a:lstStyle/>
-          <a:p>
-            <a:fld id="{5480F8F5-B768-441C-AF31-6EA0CB405703}" type="slidenum">
-              <a:rPr lang="en-GB" smtClean="0"/>
-              <a:t>‹n.›</a:t>
-            </a:fld>
-            <a:endParaRPr lang="en-GB"/>
-          </a:p>
-        </p:txBody>
-      </p:sp>
-    </p:spTree>
-    <p:extLst>
-      <p:ext uri="{BB962C8B-B14F-4D97-AF65-F5344CB8AC3E}">
-        <p14:creationId xmlns:p14="http://schemas.microsoft.com/office/powerpoint/2010/main" val="1824811789"/>
+        <p14:creationId xmlns:p14="http://schemas.microsoft.com/office/powerpoint/2010/main" val="650978980"/>
       </p:ext>
     </p:extLst>
   </p:cSld>
@@ -2162,14 +1914,189 @@
 </p:sldLayout>
 </file>
 
-<file path=ppt/slideLayouts/slideLayout14.xml><?xml version="1.0" encoding="utf-8"?>
+<file path=ppt/slideLayouts/slideLayout2.xml><?xml version="1.0" encoding="utf-8"?>
+<p:sldLayout xmlns:a="http://schemas.openxmlformats.org/drawingml/2006/main" xmlns:r="http://schemas.openxmlformats.org/officeDocument/2006/relationships" xmlns:p="http://schemas.openxmlformats.org/presentationml/2006/main" type="obj" preserve="1">
+  <p:cSld name="Titolo e contenuto">
+    <p:spTree>
+      <p:nvGrpSpPr>
+        <p:cNvPr id="1" name=""/>
+        <p:cNvGrpSpPr/>
+        <p:nvPr/>
+      </p:nvGrpSpPr>
+      <p:grpSpPr>
+        <a:xfrm>
+          <a:off x="0" y="0"/>
+          <a:ext cx="0" cy="0"/>
+          <a:chOff x="0" y="0"/>
+          <a:chExt cx="0" cy="0"/>
+        </a:xfrm>
+      </p:grpSpPr>
+      <p:sp>
+        <p:nvSpPr>
+          <p:cNvPr id="2" name="Title 1"/>
+          <p:cNvSpPr>
+            <a:spLocks noGrp="1"/>
+          </p:cNvSpPr>
+          <p:nvPr>
+            <p:ph type="title"/>
+          </p:nvPr>
+        </p:nvSpPr>
+        <p:spPr/>
+        <p:txBody>
+          <a:bodyPr/>
+          <a:lstStyle/>
+          <a:p>
+            <a:r>
+              <a:rPr lang="it-IT" smtClean="0"/>
+              <a:t>Fare clic per modificare stile</a:t>
+            </a:r>
+            <a:endParaRPr lang="en-US" dirty="0"/>
+          </a:p>
+        </p:txBody>
+      </p:sp>
+      <p:sp>
+        <p:nvSpPr>
+          <p:cNvPr id="3" name="Content Placeholder 2"/>
+          <p:cNvSpPr>
+            <a:spLocks noGrp="1"/>
+          </p:cNvSpPr>
+          <p:nvPr>
+            <p:ph idx="1"/>
+          </p:nvPr>
+        </p:nvSpPr>
+        <p:spPr/>
+        <p:txBody>
+          <a:bodyPr/>
+          <a:lstStyle/>
+          <a:p>
+            <a:pPr lvl="0"/>
+            <a:r>
+              <a:rPr lang="it-IT" smtClean="0"/>
+              <a:t>Fare clic per modificare gli stili del testo dello schema</a:t>
+            </a:r>
+          </a:p>
+          <a:p>
+            <a:pPr lvl="1"/>
+            <a:r>
+              <a:rPr lang="it-IT" smtClean="0"/>
+              <a:t>Secondo livello</a:t>
+            </a:r>
+          </a:p>
+          <a:p>
+            <a:pPr lvl="2"/>
+            <a:r>
+              <a:rPr lang="it-IT" smtClean="0"/>
+              <a:t>Terzo livello</a:t>
+            </a:r>
+          </a:p>
+          <a:p>
+            <a:pPr lvl="3"/>
+            <a:r>
+              <a:rPr lang="it-IT" smtClean="0"/>
+              <a:t>Quarto livello</a:t>
+            </a:r>
+          </a:p>
+          <a:p>
+            <a:pPr lvl="4"/>
+            <a:r>
+              <a:rPr lang="it-IT" smtClean="0"/>
+              <a:t>Quinto livello</a:t>
+            </a:r>
+            <a:endParaRPr lang="en-US" dirty="0"/>
+          </a:p>
+        </p:txBody>
+      </p:sp>
+      <p:sp>
+        <p:nvSpPr>
+          <p:cNvPr id="4" name="Date Placeholder 3"/>
+          <p:cNvSpPr>
+            <a:spLocks noGrp="1"/>
+          </p:cNvSpPr>
+          <p:nvPr>
+            <p:ph type="dt" sz="half" idx="10"/>
+          </p:nvPr>
+        </p:nvSpPr>
+        <p:spPr/>
+        <p:txBody>
+          <a:bodyPr/>
+          <a:lstStyle/>
+          <a:p>
+            <a:fld id="{2A8C8C96-573D-674E-A47C-99EA25788C82}" type="datetime1">
+              <a:rPr lang="it-IT" smtClean="0"/>
+              <a:t>23/08/16</a:t>
+            </a:fld>
+            <a:endParaRPr lang="en-GB"/>
+          </a:p>
+        </p:txBody>
+      </p:sp>
+      <p:sp>
+        <p:nvSpPr>
+          <p:cNvPr id="5" name="Footer Placeholder 4"/>
+          <p:cNvSpPr>
+            <a:spLocks noGrp="1"/>
+          </p:cNvSpPr>
+          <p:nvPr>
+            <p:ph type="ftr" sz="quarter" idx="11"/>
+          </p:nvPr>
+        </p:nvSpPr>
+        <p:spPr/>
+        <p:txBody>
+          <a:bodyPr/>
+          <a:lstStyle/>
+          <a:p>
+            <a:endParaRPr lang="en-GB"/>
+          </a:p>
+        </p:txBody>
+      </p:sp>
+      <p:sp>
+        <p:nvSpPr>
+          <p:cNvPr id="6" name="Slide Number Placeholder 5"/>
+          <p:cNvSpPr>
+            <a:spLocks noGrp="1"/>
+          </p:cNvSpPr>
+          <p:nvPr>
+            <p:ph type="sldNum" sz="quarter" idx="12"/>
+          </p:nvPr>
+        </p:nvSpPr>
+        <p:spPr/>
+        <p:txBody>
+          <a:bodyPr/>
+          <a:lstStyle/>
+          <a:p>
+            <a:fld id="{5480F8F5-B768-441C-AF31-6EA0CB405703}" type="slidenum">
+              <a:rPr lang="en-GB" smtClean="0"/>
+              <a:t>‹n.›</a:t>
+            </a:fld>
+            <a:endParaRPr lang="en-GB"/>
+          </a:p>
+        </p:txBody>
+      </p:sp>
+    </p:spTree>
+    <p:extLst>
+      <p:ext uri="{BB962C8B-B14F-4D97-AF65-F5344CB8AC3E}">
+        <p14:creationId xmlns:p14="http://schemas.microsoft.com/office/powerpoint/2010/main" val="2074050498"/>
+      </p:ext>
+    </p:extLst>
+  </p:cSld>
+  <p:clrMapOvr>
+    <a:masterClrMapping/>
+  </p:clrMapOvr>
+  <p:transition spd="slow">
+    <p:push/>
+  </p:transition>
+  <p:timing>
+    <p:tnLst>
+      <p:par>
+        <p:cTn id="1" dur="indefinite" restart="never" nodeType="tmRoot"/>
+      </p:par>
+    </p:tnLst>
+  </p:timing>
+</p:sldLayout>
+</file>
+
+<file path=ppt/slideLayouts/slideLayout3.xml><?xml version="1.0" encoding="utf-8"?>
 <p:sldLayout xmlns:a="http://schemas.openxmlformats.org/drawingml/2006/main" xmlns:r="http://schemas.openxmlformats.org/officeDocument/2006/relationships" xmlns:p="http://schemas.openxmlformats.org/presentationml/2006/main" showMasterSp="0" type="secHead" preserve="1">
   <p:cSld name="Intestazione sezione">
-    <p:bg>
-      <p:bgRef idx="1001">
-        <a:schemeClr val="bg2"/>
-      </p:bgRef>
-    </p:bg>
     <p:spTree>
       <p:nvGrpSpPr>
         <p:cNvPr id="1" name=""/>
@@ -2378,7 +2305,7 @@
           <a:p>
             <a:fld id="{C2C7502D-B39A-7F4B-8D6C-CF6689EF0911}" type="datetime1">
               <a:rPr lang="it-IT" smtClean="0"/>
-              <a:t>22/08/16</a:t>
+              <a:t>23/08/16</a:t>
             </a:fld>
             <a:endParaRPr lang="en-GB"/>
           </a:p>
@@ -2511,12 +2438,12 @@
     </p:spTree>
     <p:extLst>
       <p:ext uri="{BB962C8B-B14F-4D97-AF65-F5344CB8AC3E}">
-        <p14:creationId xmlns:p14="http://schemas.microsoft.com/office/powerpoint/2010/main" val="1397774916"/>
+        <p14:creationId xmlns:p14="http://schemas.microsoft.com/office/powerpoint/2010/main" val="612161782"/>
       </p:ext>
     </p:extLst>
   </p:cSld>
   <p:clrMapOvr>
-    <a:overrideClrMapping bg1="dk1" tx1="lt1" bg2="dk2" tx2="lt2" accent1="accent1" accent2="accent2" accent3="accent3" accent4="accent4" accent5="accent5" accent6="accent6" hlink="hlink" folHlink="folHlink"/>
+    <a:masterClrMapping/>
   </p:clrMapOvr>
   <p:transition spd="slow">
     <p:push/>
@@ -2531,7 +2458,7 @@
 </p:sldLayout>
 </file>
 
-<file path=ppt/slideLayouts/slideLayout15.xml><?xml version="1.0" encoding="utf-8"?>
+<file path=ppt/slideLayouts/slideLayout4.xml><?xml version="1.0" encoding="utf-8"?>
 <p:sldLayout xmlns:a="http://schemas.openxmlformats.org/drawingml/2006/main" xmlns:r="http://schemas.openxmlformats.org/officeDocument/2006/relationships" xmlns:p="http://schemas.openxmlformats.org/presentationml/2006/main" type="twoObj" preserve="1">
   <p:cSld name="Contenuto 2">
     <p:spTree>
@@ -2782,7 +2709,7 @@
           <a:p>
             <a:fld id="{C7B1E097-6A32-E341-B544-7F2B9C3D5002}" type="datetime1">
               <a:rPr lang="it-IT" smtClean="0"/>
-              <a:t>22/08/16</a:t>
+              <a:t>23/08/16</a:t>
             </a:fld>
             <a:endParaRPr lang="en-GB"/>
           </a:p>
@@ -2833,7 +2760,7 @@
     </p:spTree>
     <p:extLst>
       <p:ext uri="{BB962C8B-B14F-4D97-AF65-F5344CB8AC3E}">
-        <p14:creationId xmlns:p14="http://schemas.microsoft.com/office/powerpoint/2010/main" val="1079398679"/>
+        <p14:creationId xmlns:p14="http://schemas.microsoft.com/office/powerpoint/2010/main" val="8917297"/>
       </p:ext>
     </p:extLst>
   </p:cSld>
@@ -2855,7 +2782,7 @@
 </p:sldLayout>
 </file>
 
-<file path=ppt/slideLayouts/slideLayout16.xml><?xml version="1.0" encoding="utf-8"?>
+<file path=ppt/slideLayouts/slideLayout5.xml><?xml version="1.0" encoding="utf-8"?>
 <p:sldLayout xmlns:a="http://schemas.openxmlformats.org/drawingml/2006/main" xmlns:r="http://schemas.openxmlformats.org/officeDocument/2006/relationships" xmlns:p="http://schemas.openxmlformats.org/presentationml/2006/main" type="twoTxTwoObj" preserve="1">
   <p:cSld name="Confronto">
     <p:spTree>
@@ -3271,7 +3198,7 @@
           <a:p>
             <a:fld id="{628E9243-BCC2-9C44-8719-AB7C87CFBBC4}" type="datetime1">
               <a:rPr lang="it-IT" smtClean="0"/>
-              <a:t>22/08/16</a:t>
+              <a:t>23/08/16</a:t>
             </a:fld>
             <a:endParaRPr lang="en-GB"/>
           </a:p>
@@ -3322,7 +3249,7 @@
     </p:spTree>
     <p:extLst>
       <p:ext uri="{BB962C8B-B14F-4D97-AF65-F5344CB8AC3E}">
-        <p14:creationId xmlns:p14="http://schemas.microsoft.com/office/powerpoint/2010/main" val="1659231744"/>
+        <p14:creationId xmlns:p14="http://schemas.microsoft.com/office/powerpoint/2010/main" val="1696639036"/>
       </p:ext>
     </p:extLst>
   </p:cSld>
@@ -3347,7 +3274,7 @@
 </p:sldLayout>
 </file>
 
-<file path=ppt/slideLayouts/slideLayout17.xml><?xml version="1.0" encoding="utf-8"?>
+<file path=ppt/slideLayouts/slideLayout6.xml><?xml version="1.0" encoding="utf-8"?>
 <p:sldLayout xmlns:a="http://schemas.openxmlformats.org/drawingml/2006/main" xmlns:r="http://schemas.openxmlformats.org/officeDocument/2006/relationships" xmlns:p="http://schemas.openxmlformats.org/presentationml/2006/main" type="titleOnly" preserve="1">
   <p:cSld name="Solo titolo">
     <p:spTree>
@@ -3404,7 +3331,7 @@
           <a:p>
             <a:fld id="{A82C2610-87C5-3445-8773-FBF452D38F92}" type="datetime1">
               <a:rPr lang="it-IT" smtClean="0"/>
-              <a:t>22/08/16</a:t>
+              <a:t>23/08/16</a:t>
             </a:fld>
             <a:endParaRPr lang="en-GB"/>
           </a:p>
@@ -3455,7 +3382,7 @@
     </p:spTree>
     <p:extLst>
       <p:ext uri="{BB962C8B-B14F-4D97-AF65-F5344CB8AC3E}">
-        <p14:creationId xmlns:p14="http://schemas.microsoft.com/office/powerpoint/2010/main" val="1632765113"/>
+        <p14:creationId xmlns:p14="http://schemas.microsoft.com/office/powerpoint/2010/main" val="1124413186"/>
       </p:ext>
     </p:extLst>
   </p:cSld>
@@ -3475,7 +3402,7 @@
 </p:sldLayout>
 </file>
 
-<file path=ppt/slideLayouts/slideLayout18.xml><?xml version="1.0" encoding="utf-8"?>
+<file path=ppt/slideLayouts/slideLayout7.xml><?xml version="1.0" encoding="utf-8"?>
 <p:sldLayout xmlns:a="http://schemas.openxmlformats.org/drawingml/2006/main" xmlns:r="http://schemas.openxmlformats.org/officeDocument/2006/relationships" xmlns:p="http://schemas.openxmlformats.org/presentationml/2006/main" type="blank" preserve="1">
   <p:cSld name="Vuoto">
     <p:spTree>
@@ -3509,7 +3436,7 @@
           <a:p>
             <a:fld id="{2025BD17-671F-674A-AC53-6A12459C4467}" type="datetime1">
               <a:rPr lang="it-IT" smtClean="0"/>
-              <a:t>22/08/16</a:t>
+              <a:t>23/08/16</a:t>
             </a:fld>
             <a:endParaRPr lang="en-GB"/>
           </a:p>
@@ -3560,7 +3487,7 @@
     </p:spTree>
     <p:extLst>
       <p:ext uri="{BB962C8B-B14F-4D97-AF65-F5344CB8AC3E}">
-        <p14:creationId xmlns:p14="http://schemas.microsoft.com/office/powerpoint/2010/main" val="1337212825"/>
+        <p14:creationId xmlns:p14="http://schemas.microsoft.com/office/powerpoint/2010/main" val="156323502"/>
       </p:ext>
     </p:extLst>
   </p:cSld>
@@ -3577,7 +3504,7 @@
 </p:sldLayout>
 </file>
 
-<file path=ppt/slideLayouts/slideLayout19.xml><?xml version="1.0" encoding="utf-8"?>
+<file path=ppt/slideLayouts/slideLayout8.xml><?xml version="1.0" encoding="utf-8"?>
 <p:sldLayout xmlns:a="http://schemas.openxmlformats.org/drawingml/2006/main" xmlns:r="http://schemas.openxmlformats.org/officeDocument/2006/relationships" xmlns:p="http://schemas.openxmlformats.org/presentationml/2006/main" showMasterSp="0" type="objTx" preserve="1">
   <p:cSld name="Contenuto con didascalia">
     <p:spTree>
@@ -3862,7 +3789,7 @@
           <a:p>
             <a:fld id="{A7823865-EE0F-5041-B5DA-4DE8ECE60274}" type="datetime1">
               <a:rPr lang="it-IT" smtClean="0"/>
-              <a:t>22/08/16</a:t>
+              <a:t>23/08/16</a:t>
             </a:fld>
             <a:endParaRPr lang="en-GB"/>
           </a:p>
@@ -3977,7 +3904,7 @@
     </p:spTree>
     <p:extLst>
       <p:ext uri="{BB962C8B-B14F-4D97-AF65-F5344CB8AC3E}">
-        <p14:creationId xmlns:p14="http://schemas.microsoft.com/office/powerpoint/2010/main" val="1119583920"/>
+        <p14:creationId xmlns:p14="http://schemas.microsoft.com/office/powerpoint/2010/main" val="956597833"/>
       </p:ext>
     </p:extLst>
   </p:cSld>
@@ -4002,187 +3929,7 @@
 </p:sldLayout>
 </file>
 
-<file path=ppt/slideLayouts/slideLayout2.xml><?xml version="1.0" encoding="utf-8"?>
-<p:sldLayout xmlns:a="http://schemas.openxmlformats.org/drawingml/2006/main" xmlns:r="http://schemas.openxmlformats.org/officeDocument/2006/relationships" xmlns:p="http://schemas.openxmlformats.org/presentationml/2006/main" type="obj" preserve="1">
-  <p:cSld name="Titolo e contenuto">
-    <p:spTree>
-      <p:nvGrpSpPr>
-        <p:cNvPr id="1" name=""/>
-        <p:cNvGrpSpPr/>
-        <p:nvPr/>
-      </p:nvGrpSpPr>
-      <p:grpSpPr>
-        <a:xfrm>
-          <a:off x="0" y="0"/>
-          <a:ext cx="0" cy="0"/>
-          <a:chOff x="0" y="0"/>
-          <a:chExt cx="0" cy="0"/>
-        </a:xfrm>
-      </p:grpSpPr>
-      <p:sp>
-        <p:nvSpPr>
-          <p:cNvPr id="2" name="Title 1"/>
-          <p:cNvSpPr>
-            <a:spLocks noGrp="1"/>
-          </p:cNvSpPr>
-          <p:nvPr>
-            <p:ph type="title"/>
-          </p:nvPr>
-        </p:nvSpPr>
-        <p:spPr/>
-        <p:txBody>
-          <a:bodyPr/>
-          <a:lstStyle/>
-          <a:p>
-            <a:r>
-              <a:rPr lang="it-IT" smtClean="0"/>
-              <a:t>Fare clic per modificare stile</a:t>
-            </a:r>
-            <a:endParaRPr lang="en-US" dirty="0"/>
-          </a:p>
-        </p:txBody>
-      </p:sp>
-      <p:sp>
-        <p:nvSpPr>
-          <p:cNvPr id="3" name="Content Placeholder 2"/>
-          <p:cNvSpPr>
-            <a:spLocks noGrp="1"/>
-          </p:cNvSpPr>
-          <p:nvPr>
-            <p:ph idx="1"/>
-          </p:nvPr>
-        </p:nvSpPr>
-        <p:spPr/>
-        <p:txBody>
-          <a:bodyPr/>
-          <a:lstStyle/>
-          <a:p>
-            <a:pPr lvl="0"/>
-            <a:r>
-              <a:rPr lang="it-IT" smtClean="0"/>
-              <a:t>Fare clic per modificare gli stili del testo dello schema</a:t>
-            </a:r>
-          </a:p>
-          <a:p>
-            <a:pPr lvl="1"/>
-            <a:r>
-              <a:rPr lang="it-IT" smtClean="0"/>
-              <a:t>Secondo livello</a:t>
-            </a:r>
-          </a:p>
-          <a:p>
-            <a:pPr lvl="2"/>
-            <a:r>
-              <a:rPr lang="it-IT" smtClean="0"/>
-              <a:t>Terzo livello</a:t>
-            </a:r>
-          </a:p>
-          <a:p>
-            <a:pPr lvl="3"/>
-            <a:r>
-              <a:rPr lang="it-IT" smtClean="0"/>
-              <a:t>Quarto livello</a:t>
-            </a:r>
-          </a:p>
-          <a:p>
-            <a:pPr lvl="4"/>
-            <a:r>
-              <a:rPr lang="it-IT" smtClean="0"/>
-              <a:t>Quinto livello</a:t>
-            </a:r>
-            <a:endParaRPr lang="en-US" dirty="0"/>
-          </a:p>
-        </p:txBody>
-      </p:sp>
-      <p:sp>
-        <p:nvSpPr>
-          <p:cNvPr id="4" name="Date Placeholder 3"/>
-          <p:cNvSpPr>
-            <a:spLocks noGrp="1"/>
-          </p:cNvSpPr>
-          <p:nvPr>
-            <p:ph type="dt" sz="half" idx="10"/>
-          </p:nvPr>
-        </p:nvSpPr>
-        <p:spPr/>
-        <p:txBody>
-          <a:bodyPr/>
-          <a:lstStyle/>
-          <a:p>
-            <a:fld id="{429F31A5-FC7A-E249-A409-960016919CEC}" type="datetime1">
-              <a:rPr lang="it-IT" smtClean="0"/>
-              <a:t>22/08/16</a:t>
-            </a:fld>
-            <a:endParaRPr lang="en-GB"/>
-          </a:p>
-        </p:txBody>
-      </p:sp>
-      <p:sp>
-        <p:nvSpPr>
-          <p:cNvPr id="5" name="Footer Placeholder 4"/>
-          <p:cNvSpPr>
-            <a:spLocks noGrp="1"/>
-          </p:cNvSpPr>
-          <p:nvPr>
-            <p:ph type="ftr" sz="quarter" idx="11"/>
-          </p:nvPr>
-        </p:nvSpPr>
-        <p:spPr/>
-        <p:txBody>
-          <a:bodyPr/>
-          <a:lstStyle/>
-          <a:p>
-            <a:endParaRPr lang="en-GB"/>
-          </a:p>
-        </p:txBody>
-      </p:sp>
-      <p:sp>
-        <p:nvSpPr>
-          <p:cNvPr id="6" name="Slide Number Placeholder 5"/>
-          <p:cNvSpPr>
-            <a:spLocks noGrp="1"/>
-          </p:cNvSpPr>
-          <p:nvPr>
-            <p:ph type="sldNum" sz="quarter" idx="12"/>
-          </p:nvPr>
-        </p:nvSpPr>
-        <p:spPr/>
-        <p:txBody>
-          <a:bodyPr/>
-          <a:lstStyle/>
-          <a:p>
-            <a:fld id="{5480F8F5-B768-441C-AF31-6EA0CB405703}" type="slidenum">
-              <a:rPr lang="en-GB" smtClean="0"/>
-              <a:t>‹n.›</a:t>
-            </a:fld>
-            <a:endParaRPr lang="en-GB"/>
-          </a:p>
-        </p:txBody>
-      </p:sp>
-    </p:spTree>
-    <p:extLst>
-      <p:ext uri="{BB962C8B-B14F-4D97-AF65-F5344CB8AC3E}">
-        <p14:creationId xmlns:p14="http://schemas.microsoft.com/office/powerpoint/2010/main" val="1995543020"/>
-      </p:ext>
-    </p:extLst>
-  </p:cSld>
-  <p:clrMapOvr>
-    <a:masterClrMapping/>
-  </p:clrMapOvr>
-  <p:transition spd="slow">
-    <p:push/>
-  </p:transition>
-  <p:timing>
-    <p:tnLst>
-      <p:par>
-        <p:cTn id="1" dur="indefinite" restart="never" nodeType="tmRoot"/>
-      </p:par>
-    </p:tnLst>
-  </p:timing>
-</p:sldLayout>
-</file>
-
-<file path=ppt/slideLayouts/slideLayout20.xml><?xml version="1.0" encoding="utf-8"?>
+<file path=ppt/slideLayouts/slideLayout9.xml><?xml version="1.0" encoding="utf-8"?>
 <p:sldLayout xmlns:a="http://schemas.openxmlformats.org/drawingml/2006/main" xmlns:r="http://schemas.openxmlformats.org/officeDocument/2006/relationships" xmlns:p="http://schemas.openxmlformats.org/presentationml/2006/main" showMasterSp="0" type="picTx" preserve="1">
   <p:cSld name="Immagine con didascalia">
     <p:spTree>
@@ -4445,7 +4192,7 @@
           <a:p>
             <a:fld id="{8836053B-5256-964A-803A-478AAB1A608F}" type="datetime1">
               <a:rPr lang="it-IT" smtClean="0"/>
-              <a:t>22/08/16</a:t>
+              <a:t>23/08/16</a:t>
             </a:fld>
             <a:endParaRPr lang="en-GB"/>
           </a:p>
@@ -4560,2871 +4307,7 @@
     </p:spTree>
     <p:extLst>
       <p:ext uri="{BB962C8B-B14F-4D97-AF65-F5344CB8AC3E}">
-        <p14:creationId xmlns:p14="http://schemas.microsoft.com/office/powerpoint/2010/main" val="595228426"/>
-      </p:ext>
-    </p:extLst>
-  </p:cSld>
-  <p:clrMapOvr>
-    <a:masterClrMapping/>
-  </p:clrMapOvr>
-  <p:transition spd="slow">
-    <p:push/>
-  </p:transition>
-  <p:timing>
-    <p:tnLst>
-      <p:par>
-        <p:cTn id="1" dur="indefinite" restart="never" nodeType="tmRoot"/>
-      </p:par>
-    </p:tnLst>
-  </p:timing>
-</p:sldLayout>
-</file>
-
-<file path=ppt/slideLayouts/slideLayout21.xml><?xml version="1.0" encoding="utf-8"?>
-<p:sldLayout xmlns:a="http://schemas.openxmlformats.org/drawingml/2006/main" xmlns:r="http://schemas.openxmlformats.org/officeDocument/2006/relationships" xmlns:p="http://schemas.openxmlformats.org/presentationml/2006/main" type="vertTx" preserve="1">
-  <p:cSld name="Titolo e testo verticale">
-    <p:spTree>
-      <p:nvGrpSpPr>
-        <p:cNvPr id="1" name=""/>
-        <p:cNvGrpSpPr/>
-        <p:nvPr/>
-      </p:nvGrpSpPr>
-      <p:grpSpPr>
-        <a:xfrm>
-          <a:off x="0" y="0"/>
-          <a:ext cx="0" cy="0"/>
-          <a:chOff x="0" y="0"/>
-          <a:chExt cx="0" cy="0"/>
-        </a:xfrm>
-      </p:grpSpPr>
-      <p:sp>
-        <p:nvSpPr>
-          <p:cNvPr id="2" name="Title 1"/>
-          <p:cNvSpPr>
-            <a:spLocks noGrp="1"/>
-          </p:cNvSpPr>
-          <p:nvPr>
-            <p:ph type="title"/>
-          </p:nvPr>
-        </p:nvSpPr>
-        <p:spPr/>
-        <p:txBody>
-          <a:bodyPr/>
-          <a:lstStyle/>
-          <a:p>
-            <a:r>
-              <a:rPr lang="it-IT" smtClean="0"/>
-              <a:t>Fare clic per modificare stile</a:t>
-            </a:r>
-            <a:endParaRPr lang="en-US" dirty="0"/>
-          </a:p>
-        </p:txBody>
-      </p:sp>
-      <p:sp>
-        <p:nvSpPr>
-          <p:cNvPr id="3" name="Vertical Text Placeholder 2"/>
-          <p:cNvSpPr>
-            <a:spLocks noGrp="1"/>
-          </p:cNvSpPr>
-          <p:nvPr>
-            <p:ph type="body" orient="vert" idx="1"/>
-          </p:nvPr>
-        </p:nvSpPr>
-        <p:spPr>
-          <a:xfrm>
-            <a:off x="1371600" y="2295525"/>
-            <a:ext cx="9601200" cy="3571875"/>
-          </a:xfrm>
-        </p:spPr>
-        <p:txBody>
-          <a:bodyPr vert="eaVert"/>
-          <a:lstStyle/>
-          <a:p>
-            <a:pPr lvl="0"/>
-            <a:r>
-              <a:rPr lang="it-IT" smtClean="0"/>
-              <a:t>Fare clic per modificare gli stili del testo dello schema</a:t>
-            </a:r>
-          </a:p>
-          <a:p>
-            <a:pPr lvl="1"/>
-            <a:r>
-              <a:rPr lang="it-IT" smtClean="0"/>
-              <a:t>Secondo livello</a:t>
-            </a:r>
-          </a:p>
-          <a:p>
-            <a:pPr lvl="2"/>
-            <a:r>
-              <a:rPr lang="it-IT" smtClean="0"/>
-              <a:t>Terzo livello</a:t>
-            </a:r>
-          </a:p>
-          <a:p>
-            <a:pPr lvl="3"/>
-            <a:r>
-              <a:rPr lang="it-IT" smtClean="0"/>
-              <a:t>Quarto livello</a:t>
-            </a:r>
-          </a:p>
-          <a:p>
-            <a:pPr lvl="4"/>
-            <a:r>
-              <a:rPr lang="it-IT" smtClean="0"/>
-              <a:t>Quinto livello</a:t>
-            </a:r>
-            <a:endParaRPr lang="en-US" dirty="0"/>
-          </a:p>
-        </p:txBody>
-      </p:sp>
-      <p:sp>
-        <p:nvSpPr>
-          <p:cNvPr id="4" name="Date Placeholder 3"/>
-          <p:cNvSpPr>
-            <a:spLocks noGrp="1"/>
-          </p:cNvSpPr>
-          <p:nvPr>
-            <p:ph type="dt" sz="half" idx="10"/>
-          </p:nvPr>
-        </p:nvSpPr>
-        <p:spPr/>
-        <p:txBody>
-          <a:bodyPr/>
-          <a:lstStyle/>
-          <a:p>
-            <a:fld id="{675E2BF5-BBB7-3548-956F-1D1C69C9BE41}" type="datetime1">
-              <a:rPr lang="it-IT" smtClean="0"/>
-              <a:t>22/08/16</a:t>
-            </a:fld>
-            <a:endParaRPr lang="en-GB"/>
-          </a:p>
-        </p:txBody>
-      </p:sp>
-      <p:sp>
-        <p:nvSpPr>
-          <p:cNvPr id="5" name="Footer Placeholder 4"/>
-          <p:cNvSpPr>
-            <a:spLocks noGrp="1"/>
-          </p:cNvSpPr>
-          <p:nvPr>
-            <p:ph type="ftr" sz="quarter" idx="11"/>
-          </p:nvPr>
-        </p:nvSpPr>
-        <p:spPr/>
-        <p:txBody>
-          <a:bodyPr/>
-          <a:lstStyle/>
-          <a:p>
-            <a:endParaRPr lang="en-GB"/>
-          </a:p>
-        </p:txBody>
-      </p:sp>
-      <p:sp>
-        <p:nvSpPr>
-          <p:cNvPr id="6" name="Slide Number Placeholder 5"/>
-          <p:cNvSpPr>
-            <a:spLocks noGrp="1"/>
-          </p:cNvSpPr>
-          <p:nvPr>
-            <p:ph type="sldNum" sz="quarter" idx="12"/>
-          </p:nvPr>
-        </p:nvSpPr>
-        <p:spPr/>
-        <p:txBody>
-          <a:bodyPr/>
-          <a:lstStyle/>
-          <a:p>
-            <a:fld id="{5480F8F5-B768-441C-AF31-6EA0CB405703}" type="slidenum">
-              <a:rPr lang="en-GB" smtClean="0"/>
-              <a:t>‹n.›</a:t>
-            </a:fld>
-            <a:endParaRPr lang="en-GB"/>
-          </a:p>
-        </p:txBody>
-      </p:sp>
-    </p:spTree>
-    <p:extLst>
-      <p:ext uri="{BB962C8B-B14F-4D97-AF65-F5344CB8AC3E}">
-        <p14:creationId xmlns:p14="http://schemas.microsoft.com/office/powerpoint/2010/main" val="1025328056"/>
-      </p:ext>
-    </p:extLst>
-  </p:cSld>
-  <p:clrMapOvr>
-    <a:masterClrMapping/>
-  </p:clrMapOvr>
-  <p:transition spd="slow">
-    <p:push/>
-  </p:transition>
-  <p:timing>
-    <p:tnLst>
-      <p:par>
-        <p:cTn id="1" dur="indefinite" restart="never" nodeType="tmRoot"/>
-      </p:par>
-    </p:tnLst>
-  </p:timing>
-</p:sldLayout>
-</file>
-
-<file path=ppt/slideLayouts/slideLayout22.xml><?xml version="1.0" encoding="utf-8"?>
-<p:sldLayout xmlns:a="http://schemas.openxmlformats.org/drawingml/2006/main" xmlns:r="http://schemas.openxmlformats.org/officeDocument/2006/relationships" xmlns:p="http://schemas.openxmlformats.org/presentationml/2006/main" type="vertTitleAndTx" preserve="1">
-  <p:cSld name="Titolo verticale e testo">
-    <p:spTree>
-      <p:nvGrpSpPr>
-        <p:cNvPr id="1" name=""/>
-        <p:cNvGrpSpPr/>
-        <p:nvPr/>
-      </p:nvGrpSpPr>
-      <p:grpSpPr>
-        <a:xfrm>
-          <a:off x="0" y="0"/>
-          <a:ext cx="0" cy="0"/>
-          <a:chOff x="0" y="0"/>
-          <a:chExt cx="0" cy="0"/>
-        </a:xfrm>
-      </p:grpSpPr>
-      <p:sp>
-        <p:nvSpPr>
-          <p:cNvPr id="2" name="Vertical Title 1"/>
-          <p:cNvSpPr>
-            <a:spLocks noGrp="1"/>
-          </p:cNvSpPr>
-          <p:nvPr>
-            <p:ph type="title" orient="vert"/>
-          </p:nvPr>
-        </p:nvSpPr>
-        <p:spPr>
-          <a:xfrm>
-            <a:off x="9596561" y="624156"/>
-            <a:ext cx="1565766" cy="5243244"/>
-          </a:xfrm>
-        </p:spPr>
-        <p:txBody>
-          <a:bodyPr vert="eaVert"/>
-          <a:lstStyle/>
-          <a:p>
-            <a:r>
-              <a:rPr lang="it-IT" smtClean="0"/>
-              <a:t>Fare clic per modificare stile</a:t>
-            </a:r>
-            <a:endParaRPr lang="en-US" dirty="0"/>
-          </a:p>
-        </p:txBody>
-      </p:sp>
-      <p:sp>
-        <p:nvSpPr>
-          <p:cNvPr id="3" name="Vertical Text Placeholder 2"/>
-          <p:cNvSpPr>
-            <a:spLocks noGrp="1"/>
-          </p:cNvSpPr>
-          <p:nvPr>
-            <p:ph type="body" orient="vert" idx="1"/>
-          </p:nvPr>
-        </p:nvSpPr>
-        <p:spPr>
-          <a:xfrm>
-            <a:off x="1371600" y="624156"/>
-            <a:ext cx="8179641" cy="5243244"/>
-          </a:xfrm>
-        </p:spPr>
-        <p:txBody>
-          <a:bodyPr vert="eaVert"/>
-          <a:lstStyle/>
-          <a:p>
-            <a:pPr lvl="0"/>
-            <a:r>
-              <a:rPr lang="it-IT" smtClean="0"/>
-              <a:t>Fare clic per modificare gli stili del testo dello schema</a:t>
-            </a:r>
-          </a:p>
-          <a:p>
-            <a:pPr lvl="1"/>
-            <a:r>
-              <a:rPr lang="it-IT" smtClean="0"/>
-              <a:t>Secondo livello</a:t>
-            </a:r>
-          </a:p>
-          <a:p>
-            <a:pPr lvl="2"/>
-            <a:r>
-              <a:rPr lang="it-IT" smtClean="0"/>
-              <a:t>Terzo livello</a:t>
-            </a:r>
-          </a:p>
-          <a:p>
-            <a:pPr lvl="3"/>
-            <a:r>
-              <a:rPr lang="it-IT" smtClean="0"/>
-              <a:t>Quarto livello</a:t>
-            </a:r>
-          </a:p>
-          <a:p>
-            <a:pPr lvl="4"/>
-            <a:r>
-              <a:rPr lang="it-IT" smtClean="0"/>
-              <a:t>Quinto livello</a:t>
-            </a:r>
-            <a:endParaRPr lang="en-US" dirty="0"/>
-          </a:p>
-        </p:txBody>
-      </p:sp>
-      <p:sp>
-        <p:nvSpPr>
-          <p:cNvPr id="4" name="Date Placeholder 3"/>
-          <p:cNvSpPr>
-            <a:spLocks noGrp="1"/>
-          </p:cNvSpPr>
-          <p:nvPr>
-            <p:ph type="dt" sz="half" idx="10"/>
-          </p:nvPr>
-        </p:nvSpPr>
-        <p:spPr/>
-        <p:txBody>
-          <a:bodyPr/>
-          <a:lstStyle/>
-          <a:p>
-            <a:fld id="{6B440F57-CA15-684A-973F-2D173A389232}" type="datetime1">
-              <a:rPr lang="it-IT" smtClean="0"/>
-              <a:t>22/08/16</a:t>
-            </a:fld>
-            <a:endParaRPr lang="en-GB"/>
-          </a:p>
-        </p:txBody>
-      </p:sp>
-      <p:sp>
-        <p:nvSpPr>
-          <p:cNvPr id="5" name="Footer Placeholder 4"/>
-          <p:cNvSpPr>
-            <a:spLocks noGrp="1"/>
-          </p:cNvSpPr>
-          <p:nvPr>
-            <p:ph type="ftr" sz="quarter" idx="11"/>
-          </p:nvPr>
-        </p:nvSpPr>
-        <p:spPr/>
-        <p:txBody>
-          <a:bodyPr/>
-          <a:lstStyle/>
-          <a:p>
-            <a:endParaRPr lang="en-GB"/>
-          </a:p>
-        </p:txBody>
-      </p:sp>
-      <p:sp>
-        <p:nvSpPr>
-          <p:cNvPr id="6" name="Slide Number Placeholder 5"/>
-          <p:cNvSpPr>
-            <a:spLocks noGrp="1"/>
-          </p:cNvSpPr>
-          <p:nvPr>
-            <p:ph type="sldNum" sz="quarter" idx="12"/>
-          </p:nvPr>
-        </p:nvSpPr>
-        <p:spPr/>
-        <p:txBody>
-          <a:bodyPr/>
-          <a:lstStyle/>
-          <a:p>
-            <a:fld id="{5480F8F5-B768-441C-AF31-6EA0CB405703}" type="slidenum">
-              <a:rPr lang="en-GB" smtClean="0"/>
-              <a:t>‹n.›</a:t>
-            </a:fld>
-            <a:endParaRPr lang="en-GB"/>
-          </a:p>
-        </p:txBody>
-      </p:sp>
-    </p:spTree>
-    <p:extLst>
-      <p:ext uri="{BB962C8B-B14F-4D97-AF65-F5344CB8AC3E}">
-        <p14:creationId xmlns:p14="http://schemas.microsoft.com/office/powerpoint/2010/main" val="1279853664"/>
-      </p:ext>
-    </p:extLst>
-  </p:cSld>
-  <p:clrMapOvr>
-    <a:masterClrMapping/>
-  </p:clrMapOvr>
-  <p:timing>
-    <p:tnLst>
-      <p:par>
-        <p:cTn id="1" dur="indefinite" restart="never" nodeType="tmRoot"/>
-      </p:par>
-    </p:tnLst>
-  </p:timing>
-</p:sldLayout>
-</file>
-
-<file path=ppt/slideLayouts/slideLayout23.xml><?xml version="1.0" encoding="utf-8"?>
-<p:sldLayout xmlns:a="http://schemas.openxmlformats.org/drawingml/2006/main" xmlns:r="http://schemas.openxmlformats.org/officeDocument/2006/relationships" xmlns:p="http://schemas.openxmlformats.org/presentationml/2006/main" showMasterSp="0">
-  <p:cSld name="Scheda nome">
-    <p:spTree>
-      <p:nvGrpSpPr>
-        <p:cNvPr id="1" name=""/>
-        <p:cNvGrpSpPr/>
-        <p:nvPr/>
-      </p:nvGrpSpPr>
-      <p:grpSpPr>
-        <a:xfrm>
-          <a:off x="0" y="0"/>
-          <a:ext cx="0" cy="0"/>
-          <a:chOff x="0" y="0"/>
-          <a:chExt cx="0" cy="0"/>
-        </a:xfrm>
-      </p:grpSpPr>
-      <p:sp>
-        <p:nvSpPr>
-          <p:cNvPr id="2" name="Title 1"/>
-          <p:cNvSpPr>
-            <a:spLocks noGrp="1"/>
-          </p:cNvSpPr>
-          <p:nvPr>
-            <p:ph type="title"/>
-          </p:nvPr>
-        </p:nvSpPr>
-        <p:spPr>
-          <a:xfrm>
-            <a:off x="1154955" y="2404477"/>
-            <a:ext cx="8825659" cy="1788704"/>
-          </a:xfrm>
-        </p:spPr>
-        <p:txBody>
-          <a:bodyPr anchor="b"/>
-          <a:lstStyle>
-            <a:lvl1pPr algn="l">
-              <a:defRPr sz="4000" b="0" cap="none"/>
-            </a:lvl1pPr>
-          </a:lstStyle>
-          <a:p>
-            <a:r>
-              <a:rPr lang="it-IT" smtClean="0"/>
-              <a:t>Fare clic per modificare stile</a:t>
-            </a:r>
-            <a:endParaRPr lang="en-US" dirty="0"/>
-          </a:p>
-        </p:txBody>
-      </p:sp>
-      <p:sp>
-        <p:nvSpPr>
-          <p:cNvPr id="3" name="Text Placeholder 2"/>
-          <p:cNvSpPr>
-            <a:spLocks noGrp="1"/>
-          </p:cNvSpPr>
-          <p:nvPr>
-            <p:ph type="body" idx="1"/>
-          </p:nvPr>
-        </p:nvSpPr>
-        <p:spPr>
-          <a:xfrm>
-            <a:off x="1138587" y="5024967"/>
-            <a:ext cx="8825658" cy="860400"/>
-          </a:xfrm>
-        </p:spPr>
-        <p:txBody>
-          <a:bodyPr anchor="t"/>
-          <a:lstStyle>
-            <a:lvl1pPr marL="0" indent="0" algn="l">
-              <a:buNone/>
-              <a:defRPr sz="2000" cap="none">
-                <a:solidFill>
-                  <a:schemeClr val="accent1"/>
-                </a:solidFill>
-              </a:defRPr>
-            </a:lvl1pPr>
-            <a:lvl2pPr marL="457200" indent="0">
-              <a:buNone/>
-              <a:defRPr sz="1800">
-                <a:solidFill>
-                  <a:schemeClr val="tx1">
-                    <a:tint val="75000"/>
-                  </a:schemeClr>
-                </a:solidFill>
-              </a:defRPr>
-            </a:lvl2pPr>
-            <a:lvl3pPr marL="914400" indent="0">
-              <a:buNone/>
-              <a:defRPr sz="1600">
-                <a:solidFill>
-                  <a:schemeClr val="tx1">
-                    <a:tint val="75000"/>
-                  </a:schemeClr>
-                </a:solidFill>
-              </a:defRPr>
-            </a:lvl3pPr>
-            <a:lvl4pPr marL="1371600" indent="0">
-              <a:buNone/>
-              <a:defRPr sz="1400">
-                <a:solidFill>
-                  <a:schemeClr val="tx1">
-                    <a:tint val="75000"/>
-                  </a:schemeClr>
-                </a:solidFill>
-              </a:defRPr>
-            </a:lvl4pPr>
-            <a:lvl5pPr marL="1828800" indent="0">
-              <a:buNone/>
-              <a:defRPr sz="1400">
-                <a:solidFill>
-                  <a:schemeClr val="tx1">
-                    <a:tint val="75000"/>
-                  </a:schemeClr>
-                </a:solidFill>
-              </a:defRPr>
-            </a:lvl5pPr>
-            <a:lvl6pPr marL="2286000" indent="0">
-              <a:buNone/>
-              <a:defRPr sz="1400">
-                <a:solidFill>
-                  <a:schemeClr val="tx1">
-                    <a:tint val="75000"/>
-                  </a:schemeClr>
-                </a:solidFill>
-              </a:defRPr>
-            </a:lvl6pPr>
-            <a:lvl7pPr marL="2743200" indent="0">
-              <a:buNone/>
-              <a:defRPr sz="1400">
-                <a:solidFill>
-                  <a:schemeClr val="tx1">
-                    <a:tint val="75000"/>
-                  </a:schemeClr>
-                </a:solidFill>
-              </a:defRPr>
-            </a:lvl7pPr>
-            <a:lvl8pPr marL="3200400" indent="0">
-              <a:buNone/>
-              <a:defRPr sz="1400">
-                <a:solidFill>
-                  <a:schemeClr val="tx1">
-                    <a:tint val="75000"/>
-                  </a:schemeClr>
-                </a:solidFill>
-              </a:defRPr>
-            </a:lvl8pPr>
-            <a:lvl9pPr marL="3657600" indent="0">
-              <a:buNone/>
-              <a:defRPr sz="1400">
-                <a:solidFill>
-                  <a:schemeClr val="tx1">
-                    <a:tint val="75000"/>
-                  </a:schemeClr>
-                </a:solidFill>
-              </a:defRPr>
-            </a:lvl9pPr>
-          </a:lstStyle>
-          <a:p>
-            <a:pPr lvl="0"/>
-            <a:r>
-              <a:rPr lang="it-IT" smtClean="0"/>
-              <a:t>Fare clic per modificare gli stili del testo dello schema</a:t>
-            </a:r>
-          </a:p>
-        </p:txBody>
-      </p:sp>
-      <p:sp>
-        <p:nvSpPr>
-          <p:cNvPr id="4" name="Date Placeholder 3"/>
-          <p:cNvSpPr>
-            <a:spLocks noGrp="1"/>
-          </p:cNvSpPr>
-          <p:nvPr>
-            <p:ph type="dt" sz="half" idx="10"/>
-          </p:nvPr>
-        </p:nvSpPr>
-        <p:spPr/>
-        <p:txBody>
-          <a:bodyPr/>
-          <a:lstStyle/>
-          <a:p>
-            <a:fld id="{ADEF6E1B-69DD-F14D-AF5B-6C46CDD3E66F}" type="datetime1">
-              <a:rPr lang="it-IT" smtClean="0"/>
-              <a:t>22/08/16</a:t>
-            </a:fld>
-            <a:endParaRPr lang="en-GB"/>
-          </a:p>
-        </p:txBody>
-      </p:sp>
-      <p:sp>
-        <p:nvSpPr>
-          <p:cNvPr id="5" name="Footer Placeholder 4"/>
-          <p:cNvSpPr>
-            <a:spLocks noGrp="1"/>
-          </p:cNvSpPr>
-          <p:nvPr>
-            <p:ph type="ftr" sz="quarter" idx="11"/>
-          </p:nvPr>
-        </p:nvSpPr>
-        <p:spPr/>
-        <p:txBody>
-          <a:bodyPr/>
-          <a:lstStyle/>
-          <a:p>
-            <a:endParaRPr lang="en-GB"/>
-          </a:p>
-        </p:txBody>
-      </p:sp>
-      <p:sp>
-        <p:nvSpPr>
-          <p:cNvPr id="6" name="Slide Number Placeholder 5"/>
-          <p:cNvSpPr>
-            <a:spLocks noGrp="1"/>
-          </p:cNvSpPr>
-          <p:nvPr>
-            <p:ph type="sldNum" sz="quarter" idx="12"/>
-          </p:nvPr>
-        </p:nvSpPr>
-        <p:spPr/>
-        <p:txBody>
-          <a:bodyPr/>
-          <a:lstStyle/>
-          <a:p>
-            <a:fld id="{5480F8F5-B768-441C-AF31-6EA0CB405703}" type="slidenum">
-              <a:rPr lang="en-GB" smtClean="0"/>
-              <a:t>‹n.›</a:t>
-            </a:fld>
-            <a:endParaRPr lang="en-GB"/>
-          </a:p>
-        </p:txBody>
-      </p:sp>
-    </p:spTree>
-    <p:extLst>
-      <p:ext uri="{BB962C8B-B14F-4D97-AF65-F5344CB8AC3E}">
-        <p14:creationId xmlns:p14="http://schemas.microsoft.com/office/powerpoint/2010/main" val="1304322496"/>
-      </p:ext>
-    </p:extLst>
-  </p:cSld>
-  <p:clrMapOvr>
-    <a:masterClrMapping/>
-  </p:clrMapOvr>
-  <p:transition spd="slow">
-    <p:push/>
-  </p:transition>
-  <p:timing>
-    <p:tnLst>
-      <p:par>
-        <p:cTn id="1" dur="indefinite" restart="never" nodeType="tmRoot"/>
-      </p:par>
-    </p:tnLst>
-  </p:timing>
-</p:sldLayout>
-</file>
-
-<file path=ppt/slideLayouts/slideLayout3.xml><?xml version="1.0" encoding="utf-8"?>
-<p:sldLayout xmlns:a="http://schemas.openxmlformats.org/drawingml/2006/main" xmlns:r="http://schemas.openxmlformats.org/officeDocument/2006/relationships" xmlns:p="http://schemas.openxmlformats.org/presentationml/2006/main" showMasterSp="0" type="secHead" preserve="1">
-  <p:cSld name="Intestazione sezione">
-    <p:bg>
-      <p:bgRef idx="1001">
-        <a:schemeClr val="bg2"/>
-      </p:bgRef>
-    </p:bg>
-    <p:spTree>
-      <p:nvGrpSpPr>
-        <p:cNvPr id="1" name=""/>
-        <p:cNvGrpSpPr/>
-        <p:nvPr/>
-      </p:nvGrpSpPr>
-      <p:grpSpPr>
-        <a:xfrm>
-          <a:off x="0" y="0"/>
-          <a:ext cx="0" cy="0"/>
-          <a:chOff x="0" y="0"/>
-          <a:chExt cx="0" cy="0"/>
-        </a:xfrm>
-      </p:grpSpPr>
-      <p:sp>
-        <p:nvSpPr>
-          <p:cNvPr id="2" name="Title 1"/>
-          <p:cNvSpPr>
-            <a:spLocks noGrp="1"/>
-          </p:cNvSpPr>
-          <p:nvPr>
-            <p:ph type="title"/>
-          </p:nvPr>
-        </p:nvSpPr>
-        <p:spPr>
-          <a:xfrm>
-            <a:off x="765025" y="1301360"/>
-            <a:ext cx="9612971" cy="2852737"/>
-          </a:xfrm>
-        </p:spPr>
-        <p:txBody>
-          <a:bodyPr anchor="b">
-            <a:normAutofit/>
-          </a:bodyPr>
-          <a:lstStyle>
-            <a:lvl1pPr algn="r">
-              <a:defRPr sz="7200" cap="all" baseline="0">
-                <a:solidFill>
-                  <a:schemeClr val="accent1"/>
-                </a:solidFill>
-              </a:defRPr>
-            </a:lvl1pPr>
-          </a:lstStyle>
-          <a:p>
-            <a:r>
-              <a:rPr lang="it-IT" smtClean="0"/>
-              <a:t>Fare clic per modificare stile</a:t>
-            </a:r>
-            <a:endParaRPr lang="en-US" dirty="0"/>
-          </a:p>
-        </p:txBody>
-      </p:sp>
-      <p:sp>
-        <p:nvSpPr>
-          <p:cNvPr id="3" name="Text Placeholder 2"/>
-          <p:cNvSpPr>
-            <a:spLocks noGrp="1"/>
-          </p:cNvSpPr>
-          <p:nvPr>
-            <p:ph type="body" idx="1"/>
-          </p:nvPr>
-        </p:nvSpPr>
-        <p:spPr>
-          <a:xfrm>
-            <a:off x="765025" y="4216328"/>
-            <a:ext cx="9612971" cy="1143324"/>
-          </a:xfrm>
-        </p:spPr>
-        <p:txBody>
-          <a:bodyPr/>
-          <a:lstStyle>
-            <a:lvl1pPr marL="0" indent="0" algn="r">
-              <a:lnSpc>
-                <a:spcPct val="112000"/>
-              </a:lnSpc>
-              <a:spcBef>
-                <a:spcPts val="0"/>
-              </a:spcBef>
-              <a:spcAft>
-                <a:spcPts val="0"/>
-              </a:spcAft>
-              <a:buNone/>
-              <a:defRPr sz="2400">
-                <a:solidFill>
-                  <a:schemeClr val="tx2"/>
-                </a:solidFill>
-              </a:defRPr>
-            </a:lvl1pPr>
-            <a:lvl2pPr marL="457200" indent="0">
-              <a:buNone/>
-              <a:defRPr sz="2000">
-                <a:solidFill>
-                  <a:schemeClr val="tx1">
-                    <a:tint val="75000"/>
-                  </a:schemeClr>
-                </a:solidFill>
-              </a:defRPr>
-            </a:lvl2pPr>
-            <a:lvl3pPr marL="914400" indent="0">
-              <a:buNone/>
-              <a:defRPr sz="1800">
-                <a:solidFill>
-                  <a:schemeClr val="tx1">
-                    <a:tint val="75000"/>
-                  </a:schemeClr>
-                </a:solidFill>
-              </a:defRPr>
-            </a:lvl3pPr>
-            <a:lvl4pPr marL="1371600" indent="0">
-              <a:buNone/>
-              <a:defRPr sz="1600">
-                <a:solidFill>
-                  <a:schemeClr val="tx1">
-                    <a:tint val="75000"/>
-                  </a:schemeClr>
-                </a:solidFill>
-              </a:defRPr>
-            </a:lvl4pPr>
-            <a:lvl5pPr marL="1828800" indent="0">
-              <a:buNone/>
-              <a:defRPr sz="1600">
-                <a:solidFill>
-                  <a:schemeClr val="tx1">
-                    <a:tint val="75000"/>
-                  </a:schemeClr>
-                </a:solidFill>
-              </a:defRPr>
-            </a:lvl5pPr>
-            <a:lvl6pPr marL="2286000" indent="0">
-              <a:buNone/>
-              <a:defRPr sz="1600">
-                <a:solidFill>
-                  <a:schemeClr val="tx1">
-                    <a:tint val="75000"/>
-                  </a:schemeClr>
-                </a:solidFill>
-              </a:defRPr>
-            </a:lvl6pPr>
-            <a:lvl7pPr marL="2743200" indent="0">
-              <a:buNone/>
-              <a:defRPr sz="1600">
-                <a:solidFill>
-                  <a:schemeClr val="tx1">
-                    <a:tint val="75000"/>
-                  </a:schemeClr>
-                </a:solidFill>
-              </a:defRPr>
-            </a:lvl7pPr>
-            <a:lvl8pPr marL="3200400" indent="0">
-              <a:buNone/>
-              <a:defRPr sz="1600">
-                <a:solidFill>
-                  <a:schemeClr val="tx1">
-                    <a:tint val="75000"/>
-                  </a:schemeClr>
-                </a:solidFill>
-              </a:defRPr>
-            </a:lvl8pPr>
-            <a:lvl9pPr marL="3657600" indent="0">
-              <a:buNone/>
-              <a:defRPr sz="1600">
-                <a:solidFill>
-                  <a:schemeClr val="tx1">
-                    <a:tint val="75000"/>
-                  </a:schemeClr>
-                </a:solidFill>
-              </a:defRPr>
-            </a:lvl9pPr>
-          </a:lstStyle>
-          <a:p>
-            <a:pPr lvl="0"/>
-            <a:r>
-              <a:rPr lang="it-IT" smtClean="0"/>
-              <a:t>Fare clic per modificare gli stili del testo dello schema</a:t>
-            </a:r>
-          </a:p>
-        </p:txBody>
-      </p:sp>
-      <p:sp>
-        <p:nvSpPr>
-          <p:cNvPr id="4" name="Date Placeholder 3"/>
-          <p:cNvSpPr>
-            <a:spLocks noGrp="1"/>
-          </p:cNvSpPr>
-          <p:nvPr>
-            <p:ph type="dt" sz="half" idx="10"/>
-          </p:nvPr>
-        </p:nvSpPr>
-        <p:spPr>
-          <a:xfrm>
-            <a:off x="738908" y="6453386"/>
-            <a:ext cx="1622409" cy="404614"/>
-          </a:xfrm>
-        </p:spPr>
-        <p:txBody>
-          <a:bodyPr/>
-          <a:lstStyle>
-            <a:lvl1pPr>
-              <a:defRPr>
-                <a:solidFill>
-                  <a:schemeClr val="tx2"/>
-                </a:solidFill>
-              </a:defRPr>
-            </a:lvl1pPr>
-          </a:lstStyle>
-          <a:p>
-            <a:fld id="{B2333883-8E3A-4141-BCFD-4D214B8F9FF7}" type="datetime1">
-              <a:rPr lang="it-IT" smtClean="0"/>
-              <a:t>22/08/16</a:t>
-            </a:fld>
-            <a:endParaRPr lang="en-GB"/>
-          </a:p>
-        </p:txBody>
-      </p:sp>
-      <p:sp>
-        <p:nvSpPr>
-          <p:cNvPr id="5" name="Footer Placeholder 4"/>
-          <p:cNvSpPr>
-            <a:spLocks noGrp="1"/>
-          </p:cNvSpPr>
-          <p:nvPr>
-            <p:ph type="ftr" sz="quarter" idx="11"/>
-          </p:nvPr>
-        </p:nvSpPr>
-        <p:spPr>
-          <a:xfrm>
-            <a:off x="2584312" y="6453386"/>
-            <a:ext cx="7023377" cy="404614"/>
-          </a:xfrm>
-        </p:spPr>
-        <p:txBody>
-          <a:bodyPr/>
-          <a:lstStyle>
-            <a:lvl1pPr algn="ctr">
-              <a:defRPr>
-                <a:solidFill>
-                  <a:schemeClr val="tx2"/>
-                </a:solidFill>
-              </a:defRPr>
-            </a:lvl1pPr>
-          </a:lstStyle>
-          <a:p>
-            <a:endParaRPr lang="en-GB"/>
-          </a:p>
-        </p:txBody>
-      </p:sp>
-      <p:sp>
-        <p:nvSpPr>
-          <p:cNvPr id="6" name="Slide Number Placeholder 5"/>
-          <p:cNvSpPr>
-            <a:spLocks noGrp="1"/>
-          </p:cNvSpPr>
-          <p:nvPr>
-            <p:ph type="sldNum" sz="quarter" idx="12"/>
-          </p:nvPr>
-        </p:nvSpPr>
-        <p:spPr>
-          <a:xfrm>
-            <a:off x="9830683" y="6453386"/>
-            <a:ext cx="1596292" cy="404614"/>
-          </a:xfrm>
-        </p:spPr>
-        <p:txBody>
-          <a:bodyPr/>
-          <a:lstStyle>
-            <a:lvl1pPr>
-              <a:defRPr>
-                <a:solidFill>
-                  <a:schemeClr val="tx2"/>
-                </a:solidFill>
-              </a:defRPr>
-            </a:lvl1pPr>
-          </a:lstStyle>
-          <a:p>
-            <a:fld id="{5480F8F5-B768-441C-AF31-6EA0CB405703}" type="slidenum">
-              <a:rPr lang="en-GB" smtClean="0"/>
-              <a:t>‹n.›</a:t>
-            </a:fld>
-            <a:endParaRPr lang="en-GB"/>
-          </a:p>
-        </p:txBody>
-      </p:sp>
-      <p:sp>
-        <p:nvSpPr>
-          <p:cNvPr id="7" name="Freeform 6" title="Crop Mark"/>
-          <p:cNvSpPr/>
-          <p:nvPr/>
-        </p:nvSpPr>
-        <p:spPr bwMode="auto">
-          <a:xfrm>
-            <a:off x="8151962" y="1685652"/>
-            <a:ext cx="3275013" cy="4408488"/>
-          </a:xfrm>
-          <a:custGeom>
-            <a:avLst/>
-            <a:gdLst/>
-            <a:ahLst/>
-            <a:cxnLst/>
-            <a:rect l="0" t="0" r="r" b="b"/>
-            <a:pathLst>
-              <a:path w="4125" h="5554">
-                <a:moveTo>
-                  <a:pt x="3614" y="0"/>
-                </a:moveTo>
-                <a:lnTo>
-                  <a:pt x="4125" y="0"/>
-                </a:lnTo>
-                <a:lnTo>
-                  <a:pt x="4125" y="5554"/>
-                </a:lnTo>
-                <a:lnTo>
-                  <a:pt x="0" y="5554"/>
-                </a:lnTo>
-                <a:lnTo>
-                  <a:pt x="0" y="5074"/>
-                </a:lnTo>
-                <a:lnTo>
-                  <a:pt x="3614" y="5074"/>
-                </a:lnTo>
-                <a:lnTo>
-                  <a:pt x="3614" y="0"/>
-                </a:lnTo>
-                <a:close/>
-              </a:path>
-            </a:pathLst>
-          </a:custGeom>
-          <a:solidFill>
-            <a:schemeClr val="accent1"/>
-          </a:solidFill>
-          <a:ln w="0">
-            <a:noFill/>
-            <a:prstDash val="solid"/>
-            <a:round/>
-            <a:headEnd/>
-            <a:tailEnd/>
-          </a:ln>
-        </p:spPr>
-      </p:sp>
-    </p:spTree>
-    <p:extLst>
-      <p:ext uri="{BB962C8B-B14F-4D97-AF65-F5344CB8AC3E}">
-        <p14:creationId xmlns:p14="http://schemas.microsoft.com/office/powerpoint/2010/main" val="1839421941"/>
-      </p:ext>
-    </p:extLst>
-  </p:cSld>
-  <p:clrMapOvr>
-    <a:overrideClrMapping bg1="dk1" tx1="lt1" bg2="dk2" tx2="lt2" accent1="accent1" accent2="accent2" accent3="accent3" accent4="accent4" accent5="accent5" accent6="accent6" hlink="hlink" folHlink="folHlink"/>
-  </p:clrMapOvr>
-  <p:transition spd="slow">
-    <p:push/>
-  </p:transition>
-  <p:timing>
-    <p:tnLst>
-      <p:par>
-        <p:cTn id="1" dur="indefinite" restart="never" nodeType="tmRoot"/>
-      </p:par>
-    </p:tnLst>
-  </p:timing>
-</p:sldLayout>
-</file>
-
-<file path=ppt/slideLayouts/slideLayout4.xml><?xml version="1.0" encoding="utf-8"?>
-<p:sldLayout xmlns:a="http://schemas.openxmlformats.org/drawingml/2006/main" xmlns:r="http://schemas.openxmlformats.org/officeDocument/2006/relationships" xmlns:p="http://schemas.openxmlformats.org/presentationml/2006/main" type="twoObj" preserve="1">
-  <p:cSld name="Contenuto 2">
-    <p:spTree>
-      <p:nvGrpSpPr>
-        <p:cNvPr id="1" name=""/>
-        <p:cNvGrpSpPr/>
-        <p:nvPr/>
-      </p:nvGrpSpPr>
-      <p:grpSpPr>
-        <a:xfrm>
-          <a:off x="0" y="0"/>
-          <a:ext cx="0" cy="0"/>
-          <a:chOff x="0" y="0"/>
-          <a:chExt cx="0" cy="0"/>
-        </a:xfrm>
-      </p:grpSpPr>
-      <p:sp>
-        <p:nvSpPr>
-          <p:cNvPr id="2" name="Title 1"/>
-          <p:cNvSpPr>
-            <a:spLocks noGrp="1"/>
-          </p:cNvSpPr>
-          <p:nvPr>
-            <p:ph type="title"/>
-          </p:nvPr>
-        </p:nvSpPr>
-        <p:spPr/>
-        <p:txBody>
-          <a:bodyPr/>
-          <a:lstStyle>
-            <a:lvl1pPr>
-              <a:defRPr>
-                <a:solidFill>
-                  <a:schemeClr val="tx2"/>
-                </a:solidFill>
-              </a:defRPr>
-            </a:lvl1pPr>
-          </a:lstStyle>
-          <a:p>
-            <a:r>
-              <a:rPr lang="it-IT" smtClean="0"/>
-              <a:t>Fare clic per modificare stile</a:t>
-            </a:r>
-            <a:endParaRPr lang="en-US" dirty="0"/>
-          </a:p>
-        </p:txBody>
-      </p:sp>
-      <p:sp>
-        <p:nvSpPr>
-          <p:cNvPr id="3" name="Content Placeholder 2"/>
-          <p:cNvSpPr>
-            <a:spLocks noGrp="1"/>
-          </p:cNvSpPr>
-          <p:nvPr>
-            <p:ph sz="half" idx="1"/>
-          </p:nvPr>
-        </p:nvSpPr>
-        <p:spPr>
-          <a:xfrm>
-            <a:off x="1371600" y="2285999"/>
-            <a:ext cx="4447786" cy="3581401"/>
-          </a:xfrm>
-        </p:spPr>
-        <p:txBody>
-          <a:bodyPr/>
-          <a:lstStyle>
-            <a:lvl1pPr>
-              <a:defRPr baseline="0">
-                <a:solidFill>
-                  <a:schemeClr val="tx2"/>
-                </a:solidFill>
-              </a:defRPr>
-            </a:lvl1pPr>
-            <a:lvl2pPr>
-              <a:defRPr baseline="0">
-                <a:solidFill>
-                  <a:schemeClr val="tx2"/>
-                </a:solidFill>
-              </a:defRPr>
-            </a:lvl2pPr>
-            <a:lvl3pPr>
-              <a:defRPr baseline="0">
-                <a:solidFill>
-                  <a:schemeClr val="tx2"/>
-                </a:solidFill>
-              </a:defRPr>
-            </a:lvl3pPr>
-            <a:lvl4pPr>
-              <a:defRPr baseline="0">
-                <a:solidFill>
-                  <a:schemeClr val="tx2"/>
-                </a:solidFill>
-              </a:defRPr>
-            </a:lvl4pPr>
-            <a:lvl5pPr>
-              <a:defRPr baseline="0">
-                <a:solidFill>
-                  <a:schemeClr val="tx2"/>
-                </a:solidFill>
-              </a:defRPr>
-            </a:lvl5pPr>
-          </a:lstStyle>
-          <a:p>
-            <a:pPr lvl="0"/>
-            <a:r>
-              <a:rPr lang="it-IT" smtClean="0"/>
-              <a:t>Fare clic per modificare gli stili del testo dello schema</a:t>
-            </a:r>
-          </a:p>
-          <a:p>
-            <a:pPr lvl="1"/>
-            <a:r>
-              <a:rPr lang="it-IT" smtClean="0"/>
-              <a:t>Secondo livello</a:t>
-            </a:r>
-          </a:p>
-          <a:p>
-            <a:pPr lvl="2"/>
-            <a:r>
-              <a:rPr lang="it-IT" smtClean="0"/>
-              <a:t>Terzo livello</a:t>
-            </a:r>
-          </a:p>
-          <a:p>
-            <a:pPr lvl="3"/>
-            <a:r>
-              <a:rPr lang="it-IT" smtClean="0"/>
-              <a:t>Quarto livello</a:t>
-            </a:r>
-          </a:p>
-          <a:p>
-            <a:pPr lvl="4"/>
-            <a:r>
-              <a:rPr lang="it-IT" smtClean="0"/>
-              <a:t>Quinto livello</a:t>
-            </a:r>
-            <a:endParaRPr lang="en-US" dirty="0"/>
-          </a:p>
-        </p:txBody>
-      </p:sp>
-      <p:sp>
-        <p:nvSpPr>
-          <p:cNvPr id="4" name="Content Placeholder 3"/>
-          <p:cNvSpPr>
-            <a:spLocks noGrp="1"/>
-          </p:cNvSpPr>
-          <p:nvPr>
-            <p:ph sz="half" idx="2"/>
-          </p:nvPr>
-        </p:nvSpPr>
-        <p:spPr>
-          <a:xfrm>
-            <a:off x="6525403" y="2285999"/>
-            <a:ext cx="4447786" cy="3581401"/>
-          </a:xfrm>
-        </p:spPr>
-        <p:txBody>
-          <a:bodyPr/>
-          <a:lstStyle>
-            <a:lvl1pPr>
-              <a:defRPr>
-                <a:solidFill>
-                  <a:schemeClr val="tx2"/>
-                </a:solidFill>
-              </a:defRPr>
-            </a:lvl1pPr>
-            <a:lvl2pPr>
-              <a:defRPr>
-                <a:solidFill>
-                  <a:schemeClr val="tx2"/>
-                </a:solidFill>
-              </a:defRPr>
-            </a:lvl2pPr>
-            <a:lvl3pPr>
-              <a:defRPr>
-                <a:solidFill>
-                  <a:schemeClr val="tx2"/>
-                </a:solidFill>
-              </a:defRPr>
-            </a:lvl3pPr>
-            <a:lvl4pPr>
-              <a:defRPr>
-                <a:solidFill>
-                  <a:schemeClr val="tx2"/>
-                </a:solidFill>
-              </a:defRPr>
-            </a:lvl4pPr>
-            <a:lvl5pPr>
-              <a:defRPr>
-                <a:solidFill>
-                  <a:schemeClr val="tx2"/>
-                </a:solidFill>
-              </a:defRPr>
-            </a:lvl5pPr>
-          </a:lstStyle>
-          <a:p>
-            <a:pPr lvl="0"/>
-            <a:r>
-              <a:rPr lang="it-IT" smtClean="0"/>
-              <a:t>Fare clic per modificare gli stili del testo dello schema</a:t>
-            </a:r>
-          </a:p>
-          <a:p>
-            <a:pPr lvl="1"/>
-            <a:r>
-              <a:rPr lang="it-IT" smtClean="0"/>
-              <a:t>Secondo livello</a:t>
-            </a:r>
-          </a:p>
-          <a:p>
-            <a:pPr lvl="2"/>
-            <a:r>
-              <a:rPr lang="it-IT" smtClean="0"/>
-              <a:t>Terzo livello</a:t>
-            </a:r>
-          </a:p>
-          <a:p>
-            <a:pPr lvl="3"/>
-            <a:r>
-              <a:rPr lang="it-IT" smtClean="0"/>
-              <a:t>Quarto livello</a:t>
-            </a:r>
-          </a:p>
-          <a:p>
-            <a:pPr lvl="4"/>
-            <a:r>
-              <a:rPr lang="it-IT" smtClean="0"/>
-              <a:t>Quinto livello</a:t>
-            </a:r>
-            <a:endParaRPr lang="en-US" dirty="0"/>
-          </a:p>
-        </p:txBody>
-      </p:sp>
-      <p:sp>
-        <p:nvSpPr>
-          <p:cNvPr id="5" name="Date Placeholder 4"/>
-          <p:cNvSpPr>
-            <a:spLocks noGrp="1"/>
-          </p:cNvSpPr>
-          <p:nvPr>
-            <p:ph type="dt" sz="half" idx="10"/>
-          </p:nvPr>
-        </p:nvSpPr>
-        <p:spPr/>
-        <p:txBody>
-          <a:bodyPr/>
-          <a:lstStyle/>
-          <a:p>
-            <a:fld id="{FA2FFA95-86D2-0649-9DDD-6013B776B47B}" type="datetime1">
-              <a:rPr lang="it-IT" smtClean="0"/>
-              <a:t>22/08/16</a:t>
-            </a:fld>
-            <a:endParaRPr lang="en-GB"/>
-          </a:p>
-        </p:txBody>
-      </p:sp>
-      <p:sp>
-        <p:nvSpPr>
-          <p:cNvPr id="6" name="Footer Placeholder 5"/>
-          <p:cNvSpPr>
-            <a:spLocks noGrp="1"/>
-          </p:cNvSpPr>
-          <p:nvPr>
-            <p:ph type="ftr" sz="quarter" idx="11"/>
-          </p:nvPr>
-        </p:nvSpPr>
-        <p:spPr/>
-        <p:txBody>
-          <a:bodyPr/>
-          <a:lstStyle/>
-          <a:p>
-            <a:endParaRPr lang="en-GB"/>
-          </a:p>
-        </p:txBody>
-      </p:sp>
-      <p:sp>
-        <p:nvSpPr>
-          <p:cNvPr id="7" name="Slide Number Placeholder 6"/>
-          <p:cNvSpPr>
-            <a:spLocks noGrp="1"/>
-          </p:cNvSpPr>
-          <p:nvPr>
-            <p:ph type="sldNum" sz="quarter" idx="12"/>
-          </p:nvPr>
-        </p:nvSpPr>
-        <p:spPr/>
-        <p:txBody>
-          <a:bodyPr/>
-          <a:lstStyle/>
-          <a:p>
-            <a:fld id="{5480F8F5-B768-441C-AF31-6EA0CB405703}" type="slidenum">
-              <a:rPr lang="en-GB" smtClean="0"/>
-              <a:t>‹n.›</a:t>
-            </a:fld>
-            <a:endParaRPr lang="en-GB"/>
-          </a:p>
-        </p:txBody>
-      </p:sp>
-    </p:spTree>
-    <p:extLst>
-      <p:ext uri="{BB962C8B-B14F-4D97-AF65-F5344CB8AC3E}">
-        <p14:creationId xmlns:p14="http://schemas.microsoft.com/office/powerpoint/2010/main" val="2137463822"/>
-      </p:ext>
-    </p:extLst>
-  </p:cSld>
-  <p:clrMapOvr>
-    <a:masterClrMapping/>
-  </p:clrMapOvr>
-  <p:timing>
-    <p:tnLst>
-      <p:par>
-        <p:cTn id="1" dur="indefinite" restart="never" nodeType="tmRoot"/>
-      </p:par>
-    </p:tnLst>
-  </p:timing>
-  <p:extLst>
-    <p:ext uri="{DCECCB84-F9BA-43D5-87BE-67443E8EF086}">
-      <p15:sldGuideLst xmlns:p15="http://schemas.microsoft.com/office/powerpoint/2012/main"/>
-    </p:ext>
-  </p:extLst>
-</p:sldLayout>
-</file>
-
-<file path=ppt/slideLayouts/slideLayout5.xml><?xml version="1.0" encoding="utf-8"?>
-<p:sldLayout xmlns:a="http://schemas.openxmlformats.org/drawingml/2006/main" xmlns:r="http://schemas.openxmlformats.org/officeDocument/2006/relationships" xmlns:p="http://schemas.openxmlformats.org/presentationml/2006/main" type="twoTxTwoObj" preserve="1">
-  <p:cSld name="Confronto">
-    <p:spTree>
-      <p:nvGrpSpPr>
-        <p:cNvPr id="1" name=""/>
-        <p:cNvGrpSpPr/>
-        <p:nvPr/>
-      </p:nvGrpSpPr>
-      <p:grpSpPr>
-        <a:xfrm>
-          <a:off x="0" y="0"/>
-          <a:ext cx="0" cy="0"/>
-          <a:chOff x="0" y="0"/>
-          <a:chExt cx="0" cy="0"/>
-        </a:xfrm>
-      </p:grpSpPr>
-      <p:sp>
-        <p:nvSpPr>
-          <p:cNvPr id="2" name="Title 1"/>
-          <p:cNvSpPr>
-            <a:spLocks noGrp="1"/>
-          </p:cNvSpPr>
-          <p:nvPr>
-            <p:ph type="title"/>
-          </p:nvPr>
-        </p:nvSpPr>
-        <p:spPr>
-          <a:xfrm>
-            <a:off x="1371600" y="685800"/>
-            <a:ext cx="9601200" cy="1485900"/>
-          </a:xfrm>
-        </p:spPr>
-        <p:txBody>
-          <a:bodyPr/>
-          <a:lstStyle>
-            <a:lvl1pPr>
-              <a:defRPr>
-                <a:solidFill>
-                  <a:schemeClr val="tx2"/>
-                </a:solidFill>
-              </a:defRPr>
-            </a:lvl1pPr>
-          </a:lstStyle>
-          <a:p>
-            <a:r>
-              <a:rPr lang="it-IT" smtClean="0"/>
-              <a:t>Fare clic per modificare stile</a:t>
-            </a:r>
-            <a:endParaRPr lang="en-US" dirty="0"/>
-          </a:p>
-        </p:txBody>
-      </p:sp>
-      <p:sp>
-        <p:nvSpPr>
-          <p:cNvPr id="3" name="Text Placeholder 2"/>
-          <p:cNvSpPr>
-            <a:spLocks noGrp="1"/>
-          </p:cNvSpPr>
-          <p:nvPr>
-            <p:ph type="body" idx="1"/>
-          </p:nvPr>
-        </p:nvSpPr>
-        <p:spPr>
-          <a:xfrm>
-            <a:off x="1371600" y="2340864"/>
-            <a:ext cx="4443984" cy="823912"/>
-          </a:xfrm>
-        </p:spPr>
-        <p:txBody>
-          <a:bodyPr anchor="b">
-            <a:noAutofit/>
-          </a:bodyPr>
-          <a:lstStyle>
-            <a:lvl1pPr marL="0" indent="0">
-              <a:lnSpc>
-                <a:spcPct val="84000"/>
-              </a:lnSpc>
-              <a:spcBef>
-                <a:spcPts val="0"/>
-              </a:spcBef>
-              <a:spcAft>
-                <a:spcPts val="0"/>
-              </a:spcAft>
-              <a:buNone/>
-              <a:defRPr sz="3000" b="0" baseline="0">
-                <a:solidFill>
-                  <a:schemeClr val="tx2"/>
-                </a:solidFill>
-              </a:defRPr>
-            </a:lvl1pPr>
-            <a:lvl2pPr marL="457200" indent="0">
-              <a:buNone/>
-              <a:defRPr sz="2000" b="1"/>
-            </a:lvl2pPr>
-            <a:lvl3pPr marL="914400" indent="0">
-              <a:buNone/>
-              <a:defRPr sz="1800" b="1"/>
-            </a:lvl3pPr>
-            <a:lvl4pPr marL="1371600" indent="0">
-              <a:buNone/>
-              <a:defRPr sz="1600" b="1"/>
-            </a:lvl4pPr>
-            <a:lvl5pPr marL="1828800" indent="0">
-              <a:buNone/>
-              <a:defRPr sz="1600" b="1"/>
-            </a:lvl5pPr>
-            <a:lvl6pPr marL="2286000" indent="0">
-              <a:buNone/>
-              <a:defRPr sz="1600" b="1"/>
-            </a:lvl6pPr>
-            <a:lvl7pPr marL="2743200" indent="0">
-              <a:buNone/>
-              <a:defRPr sz="1600" b="1"/>
-            </a:lvl7pPr>
-            <a:lvl8pPr marL="3200400" indent="0">
-              <a:buNone/>
-              <a:defRPr sz="1600" b="1"/>
-            </a:lvl8pPr>
-            <a:lvl9pPr marL="3657600" indent="0">
-              <a:buNone/>
-              <a:defRPr sz="1600" b="1"/>
-            </a:lvl9pPr>
-          </a:lstStyle>
-          <a:p>
-            <a:pPr lvl="0"/>
-            <a:r>
-              <a:rPr lang="it-IT" smtClean="0"/>
-              <a:t>Fare clic per modificare gli stili del testo dello schema</a:t>
-            </a:r>
-          </a:p>
-        </p:txBody>
-      </p:sp>
-      <p:sp>
-        <p:nvSpPr>
-          <p:cNvPr id="4" name="Content Placeholder 3"/>
-          <p:cNvSpPr>
-            <a:spLocks noGrp="1"/>
-          </p:cNvSpPr>
-          <p:nvPr>
-            <p:ph sz="half" idx="2"/>
-          </p:nvPr>
-        </p:nvSpPr>
-        <p:spPr>
-          <a:xfrm>
-            <a:off x="1371600" y="3305207"/>
-            <a:ext cx="4443984" cy="2562193"/>
-          </a:xfrm>
-        </p:spPr>
-        <p:txBody>
-          <a:bodyPr/>
-          <a:lstStyle>
-            <a:lvl1pPr>
-              <a:defRPr baseline="0">
-                <a:solidFill>
-                  <a:schemeClr val="tx2"/>
-                </a:solidFill>
-              </a:defRPr>
-            </a:lvl1pPr>
-            <a:lvl2pPr>
-              <a:defRPr baseline="0">
-                <a:solidFill>
-                  <a:schemeClr val="tx2"/>
-                </a:solidFill>
-              </a:defRPr>
-            </a:lvl2pPr>
-            <a:lvl3pPr>
-              <a:defRPr baseline="0">
-                <a:solidFill>
-                  <a:schemeClr val="tx2"/>
-                </a:solidFill>
-              </a:defRPr>
-            </a:lvl3pPr>
-            <a:lvl4pPr>
-              <a:defRPr baseline="0">
-                <a:solidFill>
-                  <a:schemeClr val="tx2"/>
-                </a:solidFill>
-              </a:defRPr>
-            </a:lvl4pPr>
-            <a:lvl5pPr>
-              <a:defRPr baseline="0">
-                <a:solidFill>
-                  <a:schemeClr val="tx2"/>
-                </a:solidFill>
-              </a:defRPr>
-            </a:lvl5pPr>
-          </a:lstStyle>
-          <a:p>
-            <a:pPr lvl="0"/>
-            <a:r>
-              <a:rPr lang="it-IT" smtClean="0"/>
-              <a:t>Fare clic per modificare gli stili del testo dello schema</a:t>
-            </a:r>
-          </a:p>
-          <a:p>
-            <a:pPr lvl="1"/>
-            <a:r>
-              <a:rPr lang="it-IT" smtClean="0"/>
-              <a:t>Secondo livello</a:t>
-            </a:r>
-          </a:p>
-          <a:p>
-            <a:pPr lvl="2"/>
-            <a:r>
-              <a:rPr lang="it-IT" smtClean="0"/>
-              <a:t>Terzo livello</a:t>
-            </a:r>
-          </a:p>
-          <a:p>
-            <a:pPr lvl="3"/>
-            <a:r>
-              <a:rPr lang="it-IT" smtClean="0"/>
-              <a:t>Quarto livello</a:t>
-            </a:r>
-          </a:p>
-          <a:p>
-            <a:pPr lvl="4"/>
-            <a:r>
-              <a:rPr lang="it-IT" smtClean="0"/>
-              <a:t>Quinto livello</a:t>
-            </a:r>
-            <a:endParaRPr lang="en-US" dirty="0"/>
-          </a:p>
-        </p:txBody>
-      </p:sp>
-      <p:sp>
-        <p:nvSpPr>
-          <p:cNvPr id="5" name="Text Placeholder 4"/>
-          <p:cNvSpPr>
-            <a:spLocks noGrp="1"/>
-          </p:cNvSpPr>
-          <p:nvPr>
-            <p:ph type="body" sz="quarter" idx="3"/>
-          </p:nvPr>
-        </p:nvSpPr>
-        <p:spPr>
-          <a:xfrm>
-            <a:off x="6525014" y="2340864"/>
-            <a:ext cx="4443984" cy="823912"/>
-          </a:xfrm>
-        </p:spPr>
-        <p:txBody>
-          <a:bodyPr anchor="b">
-            <a:noAutofit/>
-          </a:bodyPr>
-          <a:lstStyle>
-            <a:lvl1pPr marL="0" indent="0">
-              <a:lnSpc>
-                <a:spcPct val="84000"/>
-              </a:lnSpc>
-              <a:spcBef>
-                <a:spcPts val="0"/>
-              </a:spcBef>
-              <a:spcAft>
-                <a:spcPts val="0"/>
-              </a:spcAft>
-              <a:buNone/>
-              <a:defRPr sz="3000" b="0" baseline="0">
-                <a:solidFill>
-                  <a:schemeClr val="tx2"/>
-                </a:solidFill>
-              </a:defRPr>
-            </a:lvl1pPr>
-            <a:lvl2pPr marL="457200" indent="0">
-              <a:buNone/>
-              <a:defRPr sz="2000" b="1"/>
-            </a:lvl2pPr>
-            <a:lvl3pPr marL="914400" indent="0">
-              <a:buNone/>
-              <a:defRPr sz="1800" b="1"/>
-            </a:lvl3pPr>
-            <a:lvl4pPr marL="1371600" indent="0">
-              <a:buNone/>
-              <a:defRPr sz="1600" b="1"/>
-            </a:lvl4pPr>
-            <a:lvl5pPr marL="1828800" indent="0">
-              <a:buNone/>
-              <a:defRPr sz="1600" b="1"/>
-            </a:lvl5pPr>
-            <a:lvl6pPr marL="2286000" indent="0">
-              <a:buNone/>
-              <a:defRPr sz="1600" b="1"/>
-            </a:lvl6pPr>
-            <a:lvl7pPr marL="2743200" indent="0">
-              <a:buNone/>
-              <a:defRPr sz="1600" b="1"/>
-            </a:lvl7pPr>
-            <a:lvl8pPr marL="3200400" indent="0">
-              <a:buNone/>
-              <a:defRPr sz="1600" b="1"/>
-            </a:lvl8pPr>
-            <a:lvl9pPr marL="3657600" indent="0">
-              <a:buNone/>
-              <a:defRPr sz="1600" b="1"/>
-            </a:lvl9pPr>
-          </a:lstStyle>
-          <a:p>
-            <a:pPr lvl="0"/>
-            <a:r>
-              <a:rPr lang="it-IT" smtClean="0"/>
-              <a:t>Fare clic per modificare gli stili del testo dello schema</a:t>
-            </a:r>
-          </a:p>
-        </p:txBody>
-      </p:sp>
-      <p:sp>
-        <p:nvSpPr>
-          <p:cNvPr id="6" name="Content Placeholder 5"/>
-          <p:cNvSpPr>
-            <a:spLocks noGrp="1"/>
-          </p:cNvSpPr>
-          <p:nvPr>
-            <p:ph sz="quarter" idx="4"/>
-          </p:nvPr>
-        </p:nvSpPr>
-        <p:spPr>
-          <a:xfrm>
-            <a:off x="6525014" y="3305207"/>
-            <a:ext cx="4443984" cy="2562193"/>
-          </a:xfrm>
-        </p:spPr>
-        <p:txBody>
-          <a:bodyPr/>
-          <a:lstStyle>
-            <a:lvl1pPr>
-              <a:defRPr baseline="0">
-                <a:solidFill>
-                  <a:schemeClr val="tx2"/>
-                </a:solidFill>
-              </a:defRPr>
-            </a:lvl1pPr>
-            <a:lvl2pPr>
-              <a:defRPr baseline="0">
-                <a:solidFill>
-                  <a:schemeClr val="tx2"/>
-                </a:solidFill>
-              </a:defRPr>
-            </a:lvl2pPr>
-            <a:lvl3pPr>
-              <a:defRPr baseline="0">
-                <a:solidFill>
-                  <a:schemeClr val="tx2"/>
-                </a:solidFill>
-              </a:defRPr>
-            </a:lvl3pPr>
-            <a:lvl4pPr>
-              <a:defRPr baseline="0">
-                <a:solidFill>
-                  <a:schemeClr val="tx2"/>
-                </a:solidFill>
-              </a:defRPr>
-            </a:lvl4pPr>
-            <a:lvl5pPr>
-              <a:defRPr baseline="0">
-                <a:solidFill>
-                  <a:schemeClr val="tx2"/>
-                </a:solidFill>
-              </a:defRPr>
-            </a:lvl5pPr>
-          </a:lstStyle>
-          <a:p>
-            <a:pPr lvl="0"/>
-            <a:r>
-              <a:rPr lang="it-IT" smtClean="0"/>
-              <a:t>Fare clic per modificare gli stili del testo dello schema</a:t>
-            </a:r>
-          </a:p>
-          <a:p>
-            <a:pPr lvl="1"/>
-            <a:r>
-              <a:rPr lang="it-IT" smtClean="0"/>
-              <a:t>Secondo livello</a:t>
-            </a:r>
-          </a:p>
-          <a:p>
-            <a:pPr lvl="2"/>
-            <a:r>
-              <a:rPr lang="it-IT" smtClean="0"/>
-              <a:t>Terzo livello</a:t>
-            </a:r>
-          </a:p>
-          <a:p>
-            <a:pPr lvl="3"/>
-            <a:r>
-              <a:rPr lang="it-IT" smtClean="0"/>
-              <a:t>Quarto livello</a:t>
-            </a:r>
-          </a:p>
-          <a:p>
-            <a:pPr lvl="4"/>
-            <a:r>
-              <a:rPr lang="it-IT" smtClean="0"/>
-              <a:t>Quinto livello</a:t>
-            </a:r>
-            <a:endParaRPr lang="en-US" dirty="0"/>
-          </a:p>
-        </p:txBody>
-      </p:sp>
-      <p:sp>
-        <p:nvSpPr>
-          <p:cNvPr id="7" name="Date Placeholder 6"/>
-          <p:cNvSpPr>
-            <a:spLocks noGrp="1"/>
-          </p:cNvSpPr>
-          <p:nvPr>
-            <p:ph type="dt" sz="half" idx="10"/>
-          </p:nvPr>
-        </p:nvSpPr>
-        <p:spPr/>
-        <p:txBody>
-          <a:bodyPr/>
-          <a:lstStyle/>
-          <a:p>
-            <a:fld id="{0C62B2F5-D82B-E342-8746-EA9A945B0AA1}" type="datetime1">
-              <a:rPr lang="it-IT" smtClean="0"/>
-              <a:t>22/08/16</a:t>
-            </a:fld>
-            <a:endParaRPr lang="en-GB"/>
-          </a:p>
-        </p:txBody>
-      </p:sp>
-      <p:sp>
-        <p:nvSpPr>
-          <p:cNvPr id="8" name="Footer Placeholder 7"/>
-          <p:cNvSpPr>
-            <a:spLocks noGrp="1"/>
-          </p:cNvSpPr>
-          <p:nvPr>
-            <p:ph type="ftr" sz="quarter" idx="11"/>
-          </p:nvPr>
-        </p:nvSpPr>
-        <p:spPr/>
-        <p:txBody>
-          <a:bodyPr/>
-          <a:lstStyle/>
-          <a:p>
-            <a:endParaRPr lang="en-GB"/>
-          </a:p>
-        </p:txBody>
-      </p:sp>
-      <p:sp>
-        <p:nvSpPr>
-          <p:cNvPr id="9" name="Slide Number Placeholder 8"/>
-          <p:cNvSpPr>
-            <a:spLocks noGrp="1"/>
-          </p:cNvSpPr>
-          <p:nvPr>
-            <p:ph type="sldNum" sz="quarter" idx="12"/>
-          </p:nvPr>
-        </p:nvSpPr>
-        <p:spPr/>
-        <p:txBody>
-          <a:bodyPr/>
-          <a:lstStyle/>
-          <a:p>
-            <a:fld id="{5480F8F5-B768-441C-AF31-6EA0CB405703}" type="slidenum">
-              <a:rPr lang="en-GB" smtClean="0"/>
-              <a:t>‹n.›</a:t>
-            </a:fld>
-            <a:endParaRPr lang="en-GB"/>
-          </a:p>
-        </p:txBody>
-      </p:sp>
-    </p:spTree>
-    <p:extLst>
-      <p:ext uri="{BB962C8B-B14F-4D97-AF65-F5344CB8AC3E}">
-        <p14:creationId xmlns:p14="http://schemas.microsoft.com/office/powerpoint/2010/main" val="1248009338"/>
-      </p:ext>
-    </p:extLst>
-  </p:cSld>
-  <p:clrMapOvr>
-    <a:masterClrMapping/>
-  </p:clrMapOvr>
-  <p:transition spd="slow">
-    <p:push/>
-  </p:transition>
-  <p:timing>
-    <p:tnLst>
-      <p:par>
-        <p:cTn id="1" dur="indefinite" restart="never" nodeType="tmRoot"/>
-      </p:par>
-    </p:tnLst>
-  </p:timing>
-  <p:extLst>
-    <p:ext uri="{DCECCB84-F9BA-43D5-87BE-67443E8EF086}">
-      <p15:sldGuideLst xmlns:p15="http://schemas.microsoft.com/office/powerpoint/2012/main"/>
-    </p:ext>
-  </p:extLst>
-</p:sldLayout>
-</file>
-
-<file path=ppt/slideLayouts/slideLayout6.xml><?xml version="1.0" encoding="utf-8"?>
-<p:sldLayout xmlns:a="http://schemas.openxmlformats.org/drawingml/2006/main" xmlns:r="http://schemas.openxmlformats.org/officeDocument/2006/relationships" xmlns:p="http://schemas.openxmlformats.org/presentationml/2006/main" type="titleOnly" preserve="1">
-  <p:cSld name="Solo titolo">
-    <p:spTree>
-      <p:nvGrpSpPr>
-        <p:cNvPr id="1" name=""/>
-        <p:cNvGrpSpPr/>
-        <p:nvPr/>
-      </p:nvGrpSpPr>
-      <p:grpSpPr>
-        <a:xfrm>
-          <a:off x="0" y="0"/>
-          <a:ext cx="0" cy="0"/>
-          <a:chOff x="0" y="0"/>
-          <a:chExt cx="0" cy="0"/>
-        </a:xfrm>
-      </p:grpSpPr>
-      <p:sp>
-        <p:nvSpPr>
-          <p:cNvPr id="2" name="Title 1"/>
-          <p:cNvSpPr>
-            <a:spLocks noGrp="1"/>
-          </p:cNvSpPr>
-          <p:nvPr>
-            <p:ph type="title"/>
-          </p:nvPr>
-        </p:nvSpPr>
-        <p:spPr/>
-        <p:txBody>
-          <a:bodyPr/>
-          <a:lstStyle/>
-          <a:p>
-            <a:r>
-              <a:rPr lang="it-IT" smtClean="0"/>
-              <a:t>Fare clic per modificare stile</a:t>
-            </a:r>
-            <a:endParaRPr lang="en-US" dirty="0"/>
-          </a:p>
-        </p:txBody>
-      </p:sp>
-      <p:sp>
-        <p:nvSpPr>
-          <p:cNvPr id="3" name="Date Placeholder 2"/>
-          <p:cNvSpPr>
-            <a:spLocks noGrp="1"/>
-          </p:cNvSpPr>
-          <p:nvPr>
-            <p:ph type="dt" sz="half" idx="10"/>
-          </p:nvPr>
-        </p:nvSpPr>
-        <p:spPr/>
-        <p:txBody>
-          <a:bodyPr/>
-          <a:lstStyle/>
-          <a:p>
-            <a:fld id="{E65E9EAC-C53D-6E4B-B7F9-CC5F568D834B}" type="datetime1">
-              <a:rPr lang="it-IT" smtClean="0"/>
-              <a:t>22/08/16</a:t>
-            </a:fld>
-            <a:endParaRPr lang="en-GB"/>
-          </a:p>
-        </p:txBody>
-      </p:sp>
-      <p:sp>
-        <p:nvSpPr>
-          <p:cNvPr id="4" name="Footer Placeholder 3"/>
-          <p:cNvSpPr>
-            <a:spLocks noGrp="1"/>
-          </p:cNvSpPr>
-          <p:nvPr>
-            <p:ph type="ftr" sz="quarter" idx="11"/>
-          </p:nvPr>
-        </p:nvSpPr>
-        <p:spPr/>
-        <p:txBody>
-          <a:bodyPr/>
-          <a:lstStyle/>
-          <a:p>
-            <a:endParaRPr lang="en-GB"/>
-          </a:p>
-        </p:txBody>
-      </p:sp>
-      <p:sp>
-        <p:nvSpPr>
-          <p:cNvPr id="5" name="Slide Number Placeholder 4"/>
-          <p:cNvSpPr>
-            <a:spLocks noGrp="1"/>
-          </p:cNvSpPr>
-          <p:nvPr>
-            <p:ph type="sldNum" sz="quarter" idx="12"/>
-          </p:nvPr>
-        </p:nvSpPr>
-        <p:spPr/>
-        <p:txBody>
-          <a:bodyPr/>
-          <a:lstStyle/>
-          <a:p>
-            <a:fld id="{5480F8F5-B768-441C-AF31-6EA0CB405703}" type="slidenum">
-              <a:rPr lang="en-GB" smtClean="0"/>
-              <a:t>‹n.›</a:t>
-            </a:fld>
-            <a:endParaRPr lang="en-GB"/>
-          </a:p>
-        </p:txBody>
-      </p:sp>
-    </p:spTree>
-    <p:extLst>
-      <p:ext uri="{BB962C8B-B14F-4D97-AF65-F5344CB8AC3E}">
-        <p14:creationId xmlns:p14="http://schemas.microsoft.com/office/powerpoint/2010/main" val="820163517"/>
-      </p:ext>
-    </p:extLst>
-  </p:cSld>
-  <p:clrMapOvr>
-    <a:masterClrMapping/>
-  </p:clrMapOvr>
-  <p:transition spd="slow">
-    <p:push/>
-  </p:transition>
-  <p:timing>
-    <p:tnLst>
-      <p:par>
-        <p:cTn id="1" dur="indefinite" restart="never" nodeType="tmRoot"/>
-      </p:par>
-    </p:tnLst>
-  </p:timing>
-</p:sldLayout>
-</file>
-
-<file path=ppt/slideLayouts/slideLayout7.xml><?xml version="1.0" encoding="utf-8"?>
-<p:sldLayout xmlns:a="http://schemas.openxmlformats.org/drawingml/2006/main" xmlns:r="http://schemas.openxmlformats.org/officeDocument/2006/relationships" xmlns:p="http://schemas.openxmlformats.org/presentationml/2006/main" type="blank" preserve="1">
-  <p:cSld name="Vuoto">
-    <p:spTree>
-      <p:nvGrpSpPr>
-        <p:cNvPr id="1" name=""/>
-        <p:cNvGrpSpPr/>
-        <p:nvPr/>
-      </p:nvGrpSpPr>
-      <p:grpSpPr>
-        <a:xfrm>
-          <a:off x="0" y="0"/>
-          <a:ext cx="0" cy="0"/>
-          <a:chOff x="0" y="0"/>
-          <a:chExt cx="0" cy="0"/>
-        </a:xfrm>
-      </p:grpSpPr>
-      <p:sp>
-        <p:nvSpPr>
-          <p:cNvPr id="2" name="Date Placeholder 1"/>
-          <p:cNvSpPr>
-            <a:spLocks noGrp="1"/>
-          </p:cNvSpPr>
-          <p:nvPr>
-            <p:ph type="dt" sz="half" idx="10"/>
-          </p:nvPr>
-        </p:nvSpPr>
-        <p:spPr/>
-        <p:txBody>
-          <a:bodyPr/>
-          <a:lstStyle/>
-          <a:p>
-            <a:fld id="{17ADF568-8F68-134A-BED7-276EE9C73D98}" type="datetime1">
-              <a:rPr lang="it-IT" smtClean="0"/>
-              <a:t>22/08/16</a:t>
-            </a:fld>
-            <a:endParaRPr lang="en-GB"/>
-          </a:p>
-        </p:txBody>
-      </p:sp>
-      <p:sp>
-        <p:nvSpPr>
-          <p:cNvPr id="3" name="Footer Placeholder 2"/>
-          <p:cNvSpPr>
-            <a:spLocks noGrp="1"/>
-          </p:cNvSpPr>
-          <p:nvPr>
-            <p:ph type="ftr" sz="quarter" idx="11"/>
-          </p:nvPr>
-        </p:nvSpPr>
-        <p:spPr/>
-        <p:txBody>
-          <a:bodyPr/>
-          <a:lstStyle/>
-          <a:p>
-            <a:endParaRPr lang="en-GB"/>
-          </a:p>
-        </p:txBody>
-      </p:sp>
-      <p:sp>
-        <p:nvSpPr>
-          <p:cNvPr id="4" name="Slide Number Placeholder 3"/>
-          <p:cNvSpPr>
-            <a:spLocks noGrp="1"/>
-          </p:cNvSpPr>
-          <p:nvPr>
-            <p:ph type="sldNum" sz="quarter" idx="12"/>
-          </p:nvPr>
-        </p:nvSpPr>
-        <p:spPr/>
-        <p:txBody>
-          <a:bodyPr/>
-          <a:lstStyle/>
-          <a:p>
-            <a:fld id="{5480F8F5-B768-441C-AF31-6EA0CB405703}" type="slidenum">
-              <a:rPr lang="en-GB" smtClean="0"/>
-              <a:t>‹n.›</a:t>
-            </a:fld>
-            <a:endParaRPr lang="en-GB"/>
-          </a:p>
-        </p:txBody>
-      </p:sp>
-    </p:spTree>
-    <p:extLst>
-      <p:ext uri="{BB962C8B-B14F-4D97-AF65-F5344CB8AC3E}">
-        <p14:creationId xmlns:p14="http://schemas.microsoft.com/office/powerpoint/2010/main" val="1938183773"/>
-      </p:ext>
-    </p:extLst>
-  </p:cSld>
-  <p:clrMapOvr>
-    <a:masterClrMapping/>
-  </p:clrMapOvr>
-  <p:timing>
-    <p:tnLst>
-      <p:par>
-        <p:cTn id="1" dur="indefinite" restart="never" nodeType="tmRoot"/>
-      </p:par>
-    </p:tnLst>
-  </p:timing>
-</p:sldLayout>
-</file>
-
-<file path=ppt/slideLayouts/slideLayout8.xml><?xml version="1.0" encoding="utf-8"?>
-<p:sldLayout xmlns:a="http://schemas.openxmlformats.org/drawingml/2006/main" xmlns:r="http://schemas.openxmlformats.org/officeDocument/2006/relationships" xmlns:p="http://schemas.openxmlformats.org/presentationml/2006/main" showMasterSp="0" type="objTx" preserve="1">
-  <p:cSld name="Contenuto con didascalia">
-    <p:spTree>
-      <p:nvGrpSpPr>
-        <p:cNvPr id="1" name=""/>
-        <p:cNvGrpSpPr/>
-        <p:nvPr/>
-      </p:nvGrpSpPr>
-      <p:grpSpPr>
-        <a:xfrm>
-          <a:off x="0" y="0"/>
-          <a:ext cx="0" cy="0"/>
-          <a:chOff x="0" y="0"/>
-          <a:chExt cx="0" cy="0"/>
-        </a:xfrm>
-      </p:grpSpPr>
-      <p:sp>
-        <p:nvSpPr>
-          <p:cNvPr id="8" name="Rectangle 7" title="Background Shape"/>
-          <p:cNvSpPr/>
-          <p:nvPr/>
-        </p:nvSpPr>
-        <p:spPr>
-          <a:xfrm>
-            <a:off x="0" y="376"/>
-            <a:ext cx="5303520" cy="6857624"/>
-          </a:xfrm>
-          <a:prstGeom prst="rect">
-            <a:avLst/>
-          </a:prstGeom>
-          <a:solidFill>
-            <a:schemeClr val="accent1"/>
-          </a:solidFill>
-          <a:ln>
-            <a:noFill/>
-          </a:ln>
-        </p:spPr>
-        <p:style>
-          <a:lnRef idx="2">
-            <a:schemeClr val="accent1">
-              <a:shade val="50000"/>
-            </a:schemeClr>
-          </a:lnRef>
-          <a:fillRef idx="1">
-            <a:schemeClr val="accent1"/>
-          </a:fillRef>
-          <a:effectRef idx="0">
-            <a:schemeClr val="accent1"/>
-          </a:effectRef>
-          <a:fontRef idx="minor">
-            <a:schemeClr val="lt1"/>
-          </a:fontRef>
-        </p:style>
-      </p:sp>
-      <p:sp>
-        <p:nvSpPr>
-          <p:cNvPr id="2" name="Title 1"/>
-          <p:cNvSpPr>
-            <a:spLocks noGrp="1"/>
-          </p:cNvSpPr>
-          <p:nvPr>
-            <p:ph type="title"/>
-          </p:nvPr>
-        </p:nvSpPr>
-        <p:spPr>
-          <a:xfrm>
-            <a:off x="723900" y="685800"/>
-            <a:ext cx="3855720" cy="2157884"/>
-          </a:xfrm>
-        </p:spPr>
-        <p:txBody>
-          <a:bodyPr anchor="t">
-            <a:noAutofit/>
-          </a:bodyPr>
-          <a:lstStyle>
-            <a:lvl1pPr>
-              <a:lnSpc>
-                <a:spcPct val="84000"/>
-              </a:lnSpc>
-              <a:defRPr sz="4800" baseline="0">
-                <a:solidFill>
-                  <a:schemeClr val="tx2"/>
-                </a:solidFill>
-              </a:defRPr>
-            </a:lvl1pPr>
-          </a:lstStyle>
-          <a:p>
-            <a:r>
-              <a:rPr lang="it-IT" smtClean="0"/>
-              <a:t>Fare clic per modificare stile</a:t>
-            </a:r>
-            <a:endParaRPr lang="en-US" dirty="0"/>
-          </a:p>
-        </p:txBody>
-      </p:sp>
-      <p:sp>
-        <p:nvSpPr>
-          <p:cNvPr id="3" name="Content Placeholder 2"/>
-          <p:cNvSpPr>
-            <a:spLocks noGrp="1"/>
-          </p:cNvSpPr>
-          <p:nvPr>
-            <p:ph idx="1"/>
-          </p:nvPr>
-        </p:nvSpPr>
-        <p:spPr>
-          <a:xfrm>
-            <a:off x="6256020" y="685801"/>
-            <a:ext cx="5212080" cy="5175250"/>
-          </a:xfrm>
-        </p:spPr>
-        <p:txBody>
-          <a:bodyPr/>
-          <a:lstStyle>
-            <a:lvl1pPr>
-              <a:defRPr sz="2000"/>
-            </a:lvl1pPr>
-            <a:lvl2pPr>
-              <a:defRPr sz="2000"/>
-            </a:lvl2pPr>
-            <a:lvl3pPr>
-              <a:defRPr sz="1800"/>
-            </a:lvl3pPr>
-            <a:lvl4pPr>
-              <a:defRPr sz="1800"/>
-            </a:lvl4pPr>
-            <a:lvl5pPr>
-              <a:defRPr sz="1600"/>
-            </a:lvl5pPr>
-            <a:lvl6pPr>
-              <a:defRPr sz="1600"/>
-            </a:lvl6pPr>
-            <a:lvl7pPr>
-              <a:defRPr sz="1600"/>
-            </a:lvl7pPr>
-            <a:lvl8pPr>
-              <a:defRPr sz="1600"/>
-            </a:lvl8pPr>
-            <a:lvl9pPr>
-              <a:defRPr sz="1600"/>
-            </a:lvl9pPr>
-          </a:lstStyle>
-          <a:p>
-            <a:pPr lvl="0"/>
-            <a:r>
-              <a:rPr lang="it-IT" smtClean="0"/>
-              <a:t>Fare clic per modificare gli stili del testo dello schema</a:t>
-            </a:r>
-          </a:p>
-          <a:p>
-            <a:pPr lvl="1"/>
-            <a:r>
-              <a:rPr lang="it-IT" smtClean="0"/>
-              <a:t>Secondo livello</a:t>
-            </a:r>
-          </a:p>
-          <a:p>
-            <a:pPr lvl="2"/>
-            <a:r>
-              <a:rPr lang="it-IT" smtClean="0"/>
-              <a:t>Terzo livello</a:t>
-            </a:r>
-          </a:p>
-          <a:p>
-            <a:pPr lvl="3"/>
-            <a:r>
-              <a:rPr lang="it-IT" smtClean="0"/>
-              <a:t>Quarto livello</a:t>
-            </a:r>
-          </a:p>
-          <a:p>
-            <a:pPr lvl="4"/>
-            <a:r>
-              <a:rPr lang="it-IT" smtClean="0"/>
-              <a:t>Quinto livello</a:t>
-            </a:r>
-            <a:endParaRPr lang="en-US" dirty="0"/>
-          </a:p>
-        </p:txBody>
-      </p:sp>
-      <p:sp>
-        <p:nvSpPr>
-          <p:cNvPr id="4" name="Text Placeholder 3"/>
-          <p:cNvSpPr>
-            <a:spLocks noGrp="1"/>
-          </p:cNvSpPr>
-          <p:nvPr>
-            <p:ph type="body" sz="half" idx="2"/>
-          </p:nvPr>
-        </p:nvSpPr>
-        <p:spPr>
-          <a:xfrm>
-            <a:off x="723900" y="2856344"/>
-            <a:ext cx="3855720" cy="3011056"/>
-          </a:xfrm>
-        </p:spPr>
-        <p:txBody>
-          <a:bodyPr/>
-          <a:lstStyle>
-            <a:lvl1pPr marL="0" indent="0">
-              <a:lnSpc>
-                <a:spcPct val="113000"/>
-              </a:lnSpc>
-              <a:spcBef>
-                <a:spcPts val="0"/>
-              </a:spcBef>
-              <a:spcAft>
-                <a:spcPts val="1500"/>
-              </a:spcAft>
-              <a:buNone/>
-              <a:defRPr sz="1600"/>
-            </a:lvl1pPr>
-            <a:lvl2pPr marL="457200" indent="0">
-              <a:buNone/>
-              <a:defRPr sz="1400"/>
-            </a:lvl2pPr>
-            <a:lvl3pPr marL="914400" indent="0">
-              <a:buNone/>
-              <a:defRPr sz="1200"/>
-            </a:lvl3pPr>
-            <a:lvl4pPr marL="1371600" indent="0">
-              <a:buNone/>
-              <a:defRPr sz="1000"/>
-            </a:lvl4pPr>
-            <a:lvl5pPr marL="1828800" indent="0">
-              <a:buNone/>
-              <a:defRPr sz="1000"/>
-            </a:lvl5pPr>
-            <a:lvl6pPr marL="2286000" indent="0">
-              <a:buNone/>
-              <a:defRPr sz="1000"/>
-            </a:lvl6pPr>
-            <a:lvl7pPr marL="2743200" indent="0">
-              <a:buNone/>
-              <a:defRPr sz="1000"/>
-            </a:lvl7pPr>
-            <a:lvl8pPr marL="3200400" indent="0">
-              <a:buNone/>
-              <a:defRPr sz="1000"/>
-            </a:lvl8pPr>
-            <a:lvl9pPr marL="3657600" indent="0">
-              <a:buNone/>
-              <a:defRPr sz="1000"/>
-            </a:lvl9pPr>
-          </a:lstStyle>
-          <a:p>
-            <a:pPr lvl="0"/>
-            <a:r>
-              <a:rPr lang="it-IT" smtClean="0"/>
-              <a:t>Fare clic per modificare gli stili del testo dello schema</a:t>
-            </a:r>
-          </a:p>
-        </p:txBody>
-      </p:sp>
-      <p:sp>
-        <p:nvSpPr>
-          <p:cNvPr id="5" name="Date Placeholder 4"/>
-          <p:cNvSpPr>
-            <a:spLocks noGrp="1"/>
-          </p:cNvSpPr>
-          <p:nvPr>
-            <p:ph type="dt" sz="half" idx="10"/>
-          </p:nvPr>
-        </p:nvSpPr>
-        <p:spPr>
-          <a:xfrm>
-            <a:off x="723900" y="6453386"/>
-            <a:ext cx="1204572" cy="404614"/>
-          </a:xfrm>
-        </p:spPr>
-        <p:txBody>
-          <a:bodyPr/>
-          <a:lstStyle>
-            <a:lvl1pPr>
-              <a:defRPr>
-                <a:solidFill>
-                  <a:schemeClr val="tx2"/>
-                </a:solidFill>
-              </a:defRPr>
-            </a:lvl1pPr>
-          </a:lstStyle>
-          <a:p>
-            <a:fld id="{5F9B7794-AA4A-264E-A35E-07D8FD190CCC}" type="datetime1">
-              <a:rPr lang="it-IT" smtClean="0"/>
-              <a:t>22/08/16</a:t>
-            </a:fld>
-            <a:endParaRPr lang="en-GB"/>
-          </a:p>
-        </p:txBody>
-      </p:sp>
-      <p:sp>
-        <p:nvSpPr>
-          <p:cNvPr id="6" name="Footer Placeholder 5"/>
-          <p:cNvSpPr>
-            <a:spLocks noGrp="1"/>
-          </p:cNvSpPr>
-          <p:nvPr>
-            <p:ph type="ftr" sz="quarter" idx="11"/>
-          </p:nvPr>
-        </p:nvSpPr>
-        <p:spPr>
-          <a:xfrm>
-            <a:off x="2205945" y="6453386"/>
-            <a:ext cx="2373675" cy="404614"/>
-          </a:xfrm>
-        </p:spPr>
-        <p:txBody>
-          <a:bodyPr/>
-          <a:lstStyle>
-            <a:lvl1pPr>
-              <a:defRPr>
-                <a:solidFill>
-                  <a:schemeClr val="tx2"/>
-                </a:solidFill>
-              </a:defRPr>
-            </a:lvl1pPr>
-          </a:lstStyle>
-          <a:p>
-            <a:endParaRPr lang="en-GB"/>
-          </a:p>
-        </p:txBody>
-      </p:sp>
-      <p:sp>
-        <p:nvSpPr>
-          <p:cNvPr id="7" name="Slide Number Placeholder 6"/>
-          <p:cNvSpPr>
-            <a:spLocks noGrp="1"/>
-          </p:cNvSpPr>
-          <p:nvPr>
-            <p:ph type="sldNum" sz="quarter" idx="12"/>
-          </p:nvPr>
-        </p:nvSpPr>
-        <p:spPr>
-          <a:xfrm>
-            <a:off x="9883140" y="6453386"/>
-            <a:ext cx="1596292" cy="404614"/>
-          </a:xfrm>
-        </p:spPr>
-        <p:txBody>
-          <a:bodyPr/>
-          <a:lstStyle>
-            <a:lvl1pPr>
-              <a:defRPr>
-                <a:solidFill>
-                  <a:schemeClr val="tx2"/>
-                </a:solidFill>
-              </a:defRPr>
-            </a:lvl1pPr>
-          </a:lstStyle>
-          <a:p>
-            <a:fld id="{5480F8F5-B768-441C-AF31-6EA0CB405703}" type="slidenum">
-              <a:rPr lang="en-GB" smtClean="0"/>
-              <a:t>‹n.›</a:t>
-            </a:fld>
-            <a:endParaRPr lang="en-GB"/>
-          </a:p>
-        </p:txBody>
-      </p:sp>
-      <p:sp>
-        <p:nvSpPr>
-          <p:cNvPr id="9" name="Rectangle 8" title="Divider Bar"/>
-          <p:cNvSpPr/>
-          <p:nvPr/>
-        </p:nvSpPr>
-        <p:spPr>
-          <a:xfrm>
-            <a:off x="5303520" y="376"/>
-            <a:ext cx="228600" cy="6858000"/>
-          </a:xfrm>
-          <a:prstGeom prst="rect">
-            <a:avLst/>
-          </a:prstGeom>
-          <a:solidFill>
-            <a:schemeClr val="tx2"/>
-          </a:solidFill>
-          <a:ln>
-            <a:noFill/>
-          </a:ln>
-        </p:spPr>
-        <p:style>
-          <a:lnRef idx="2">
-            <a:schemeClr val="accent1">
-              <a:shade val="50000"/>
-            </a:schemeClr>
-          </a:lnRef>
-          <a:fillRef idx="1">
-            <a:schemeClr val="accent1"/>
-          </a:fillRef>
-          <a:effectRef idx="0">
-            <a:schemeClr val="accent1"/>
-          </a:effectRef>
-          <a:fontRef idx="minor">
-            <a:schemeClr val="lt1"/>
-          </a:fontRef>
-        </p:style>
-      </p:sp>
-    </p:spTree>
-    <p:extLst>
-      <p:ext uri="{BB962C8B-B14F-4D97-AF65-F5344CB8AC3E}">
-        <p14:creationId xmlns:p14="http://schemas.microsoft.com/office/powerpoint/2010/main" val="2022715115"/>
-      </p:ext>
-    </p:extLst>
-  </p:cSld>
-  <p:clrMapOvr>
-    <a:masterClrMapping/>
-  </p:clrMapOvr>
-  <p:transition spd="slow">
-    <p:push/>
-  </p:transition>
-  <p:timing>
-    <p:tnLst>
-      <p:par>
-        <p:cTn id="1" dur="indefinite" restart="never" nodeType="tmRoot"/>
-      </p:par>
-    </p:tnLst>
-  </p:timing>
-  <p:extLst>
-    <p:ext uri="{DCECCB84-F9BA-43D5-87BE-67443E8EF086}">
-      <p15:sldGuideLst xmlns:p15="http://schemas.microsoft.com/office/powerpoint/2012/main"/>
-    </p:ext>
-  </p:extLst>
-</p:sldLayout>
-</file>
-
-<file path=ppt/slideLayouts/slideLayout9.xml><?xml version="1.0" encoding="utf-8"?>
-<p:sldLayout xmlns:a="http://schemas.openxmlformats.org/drawingml/2006/main" xmlns:r="http://schemas.openxmlformats.org/officeDocument/2006/relationships" xmlns:p="http://schemas.openxmlformats.org/presentationml/2006/main" showMasterSp="0" type="picTx" preserve="1">
-  <p:cSld name="Immagine con didascalia">
-    <p:spTree>
-      <p:nvGrpSpPr>
-        <p:cNvPr id="1" name=""/>
-        <p:cNvGrpSpPr/>
-        <p:nvPr/>
-      </p:nvGrpSpPr>
-      <p:grpSpPr>
-        <a:xfrm>
-          <a:off x="0" y="0"/>
-          <a:ext cx="0" cy="0"/>
-          <a:chOff x="0" y="0"/>
-          <a:chExt cx="0" cy="0"/>
-        </a:xfrm>
-      </p:grpSpPr>
-      <p:sp>
-        <p:nvSpPr>
-          <p:cNvPr id="8" name="Rectangle 7" title="Background Shape"/>
-          <p:cNvSpPr/>
-          <p:nvPr/>
-        </p:nvSpPr>
-        <p:spPr>
-          <a:xfrm>
-            <a:off x="0" y="376"/>
-            <a:ext cx="5303520" cy="6857624"/>
-          </a:xfrm>
-          <a:prstGeom prst="rect">
-            <a:avLst/>
-          </a:prstGeom>
-          <a:solidFill>
-            <a:schemeClr val="accent1"/>
-          </a:solidFill>
-          <a:ln>
-            <a:noFill/>
-          </a:ln>
-        </p:spPr>
-        <p:style>
-          <a:lnRef idx="2">
-            <a:schemeClr val="accent1">
-              <a:shade val="50000"/>
-            </a:schemeClr>
-          </a:lnRef>
-          <a:fillRef idx="1">
-            <a:schemeClr val="accent1"/>
-          </a:fillRef>
-          <a:effectRef idx="0">
-            <a:schemeClr val="accent1"/>
-          </a:effectRef>
-          <a:fontRef idx="minor">
-            <a:schemeClr val="lt1"/>
-          </a:fontRef>
-        </p:style>
-      </p:sp>
-      <p:sp>
-        <p:nvSpPr>
-          <p:cNvPr id="2" name="Title 1"/>
-          <p:cNvSpPr>
-            <a:spLocks noGrp="1"/>
-          </p:cNvSpPr>
-          <p:nvPr>
-            <p:ph type="title"/>
-          </p:nvPr>
-        </p:nvSpPr>
-        <p:spPr>
-          <a:xfrm>
-            <a:off x="723900" y="685800"/>
-            <a:ext cx="3855720" cy="2157884"/>
-          </a:xfrm>
-        </p:spPr>
-        <p:txBody>
-          <a:bodyPr anchor="t">
-            <a:normAutofit/>
-          </a:bodyPr>
-          <a:lstStyle>
-            <a:lvl1pPr>
-              <a:lnSpc>
-                <a:spcPct val="84000"/>
-              </a:lnSpc>
-              <a:defRPr sz="4800" baseline="0"/>
-            </a:lvl1pPr>
-          </a:lstStyle>
-          <a:p>
-            <a:r>
-              <a:rPr lang="it-IT" smtClean="0"/>
-              <a:t>Fare clic per modificare stile</a:t>
-            </a:r>
-            <a:endParaRPr lang="en-US" dirty="0"/>
-          </a:p>
-        </p:txBody>
-      </p:sp>
-      <p:sp>
-        <p:nvSpPr>
-          <p:cNvPr id="3" name="Picture Placeholder 2"/>
-          <p:cNvSpPr>
-            <a:spLocks noGrp="1" noChangeAspect="1"/>
-          </p:cNvSpPr>
-          <p:nvPr>
-            <p:ph type="pic" idx="1"/>
-          </p:nvPr>
-        </p:nvSpPr>
-        <p:spPr>
-          <a:xfrm>
-            <a:off x="5532120" y="0"/>
-            <a:ext cx="6659880" cy="6857999"/>
-          </a:xfrm>
-        </p:spPr>
-        <p:txBody>
-          <a:bodyPr anchor="t">
-            <a:normAutofit/>
-          </a:bodyPr>
-          <a:lstStyle>
-            <a:lvl1pPr marL="0" indent="0">
-              <a:buNone/>
-              <a:defRPr sz="2000"/>
-            </a:lvl1pPr>
-            <a:lvl2pPr marL="457200" indent="0">
-              <a:buNone/>
-              <a:defRPr sz="2000"/>
-            </a:lvl2pPr>
-            <a:lvl3pPr marL="914400" indent="0">
-              <a:buNone/>
-              <a:defRPr sz="2000"/>
-            </a:lvl3pPr>
-            <a:lvl4pPr marL="1371600" indent="0">
-              <a:buNone/>
-              <a:defRPr sz="2000"/>
-            </a:lvl4pPr>
-            <a:lvl5pPr marL="1828800" indent="0">
-              <a:buNone/>
-              <a:defRPr sz="2000"/>
-            </a:lvl5pPr>
-            <a:lvl6pPr marL="2286000" indent="0">
-              <a:buNone/>
-              <a:defRPr sz="2000"/>
-            </a:lvl6pPr>
-            <a:lvl7pPr marL="2743200" indent="0">
-              <a:buNone/>
-              <a:defRPr sz="2000"/>
-            </a:lvl7pPr>
-            <a:lvl8pPr marL="3200400" indent="0">
-              <a:buNone/>
-              <a:defRPr sz="2000"/>
-            </a:lvl8pPr>
-            <a:lvl9pPr marL="3657600" indent="0">
-              <a:buNone/>
-              <a:defRPr sz="2000"/>
-            </a:lvl9pPr>
-          </a:lstStyle>
-          <a:p>
-            <a:r>
-              <a:rPr lang="it-IT" smtClean="0"/>
-              <a:t>Trascinare l'immagine su un segnaposto o fare clic sull'icona per aggiungerla</a:t>
-            </a:r>
-            <a:endParaRPr lang="en-US" dirty="0"/>
-          </a:p>
-        </p:txBody>
-      </p:sp>
-      <p:sp>
-        <p:nvSpPr>
-          <p:cNvPr id="4" name="Text Placeholder 3"/>
-          <p:cNvSpPr>
-            <a:spLocks noGrp="1"/>
-          </p:cNvSpPr>
-          <p:nvPr>
-            <p:ph type="body" sz="half" idx="2"/>
-          </p:nvPr>
-        </p:nvSpPr>
-        <p:spPr>
-          <a:xfrm>
-            <a:off x="723900" y="2855968"/>
-            <a:ext cx="3855720" cy="3011432"/>
-          </a:xfrm>
-        </p:spPr>
-        <p:txBody>
-          <a:bodyPr/>
-          <a:lstStyle>
-            <a:lvl1pPr marL="0" indent="0">
-              <a:lnSpc>
-                <a:spcPct val="113000"/>
-              </a:lnSpc>
-              <a:spcBef>
-                <a:spcPts val="0"/>
-              </a:spcBef>
-              <a:spcAft>
-                <a:spcPts val="1500"/>
-              </a:spcAft>
-              <a:buNone/>
-              <a:defRPr sz="1600"/>
-            </a:lvl1pPr>
-            <a:lvl2pPr marL="457200" indent="0">
-              <a:buNone/>
-              <a:defRPr sz="1400"/>
-            </a:lvl2pPr>
-            <a:lvl3pPr marL="914400" indent="0">
-              <a:buNone/>
-              <a:defRPr sz="1200"/>
-            </a:lvl3pPr>
-            <a:lvl4pPr marL="1371600" indent="0">
-              <a:buNone/>
-              <a:defRPr sz="1000"/>
-            </a:lvl4pPr>
-            <a:lvl5pPr marL="1828800" indent="0">
-              <a:buNone/>
-              <a:defRPr sz="1000"/>
-            </a:lvl5pPr>
-            <a:lvl6pPr marL="2286000" indent="0">
-              <a:buNone/>
-              <a:defRPr sz="1000"/>
-            </a:lvl6pPr>
-            <a:lvl7pPr marL="2743200" indent="0">
-              <a:buNone/>
-              <a:defRPr sz="1000"/>
-            </a:lvl7pPr>
-            <a:lvl8pPr marL="3200400" indent="0">
-              <a:buNone/>
-              <a:defRPr sz="1000"/>
-            </a:lvl8pPr>
-            <a:lvl9pPr marL="3657600" indent="0">
-              <a:buNone/>
-              <a:defRPr sz="1000"/>
-            </a:lvl9pPr>
-          </a:lstStyle>
-          <a:p>
-            <a:pPr lvl="0"/>
-            <a:r>
-              <a:rPr lang="it-IT" smtClean="0"/>
-              <a:t>Fare clic per modificare gli stili del testo dello schema</a:t>
-            </a:r>
-          </a:p>
-        </p:txBody>
-      </p:sp>
-      <p:sp>
-        <p:nvSpPr>
-          <p:cNvPr id="5" name="Date Placeholder 4"/>
-          <p:cNvSpPr>
-            <a:spLocks noGrp="1"/>
-          </p:cNvSpPr>
-          <p:nvPr>
-            <p:ph type="dt" sz="half" idx="10"/>
-          </p:nvPr>
-        </p:nvSpPr>
-        <p:spPr>
-          <a:xfrm>
-            <a:off x="723900" y="6453386"/>
-            <a:ext cx="1204572" cy="404614"/>
-          </a:xfrm>
-        </p:spPr>
-        <p:txBody>
-          <a:bodyPr/>
-          <a:lstStyle>
-            <a:lvl1pPr>
-              <a:defRPr>
-                <a:solidFill>
-                  <a:schemeClr val="tx2"/>
-                </a:solidFill>
-              </a:defRPr>
-            </a:lvl1pPr>
-          </a:lstStyle>
-          <a:p>
-            <a:fld id="{396445B1-2FE7-974D-A594-26077B589DD4}" type="datetime1">
-              <a:rPr lang="it-IT" smtClean="0"/>
-              <a:t>22/08/16</a:t>
-            </a:fld>
-            <a:endParaRPr lang="en-GB"/>
-          </a:p>
-        </p:txBody>
-      </p:sp>
-      <p:sp>
-        <p:nvSpPr>
-          <p:cNvPr id="6" name="Footer Placeholder 5"/>
-          <p:cNvSpPr>
-            <a:spLocks noGrp="1"/>
-          </p:cNvSpPr>
-          <p:nvPr>
-            <p:ph type="ftr" sz="quarter" idx="11"/>
-          </p:nvPr>
-        </p:nvSpPr>
-        <p:spPr>
-          <a:xfrm>
-            <a:off x="2205945" y="6453386"/>
-            <a:ext cx="2373675" cy="404614"/>
-          </a:xfrm>
-        </p:spPr>
-        <p:txBody>
-          <a:bodyPr/>
-          <a:lstStyle>
-            <a:lvl1pPr>
-              <a:defRPr>
-                <a:solidFill>
-                  <a:schemeClr val="tx2"/>
-                </a:solidFill>
-              </a:defRPr>
-            </a:lvl1pPr>
-          </a:lstStyle>
-          <a:p>
-            <a:endParaRPr lang="en-GB"/>
-          </a:p>
-        </p:txBody>
-      </p:sp>
-      <p:sp>
-        <p:nvSpPr>
-          <p:cNvPr id="7" name="Slide Number Placeholder 6"/>
-          <p:cNvSpPr>
-            <a:spLocks noGrp="1"/>
-          </p:cNvSpPr>
-          <p:nvPr>
-            <p:ph type="sldNum" sz="quarter" idx="12"/>
-          </p:nvPr>
-        </p:nvSpPr>
-        <p:spPr>
-          <a:xfrm>
-            <a:off x="9883140" y="6453386"/>
-            <a:ext cx="1596292" cy="404614"/>
-          </a:xfrm>
-        </p:spPr>
-        <p:txBody>
-          <a:bodyPr/>
-          <a:lstStyle>
-            <a:lvl1pPr>
-              <a:defRPr>
-                <a:solidFill>
-                  <a:schemeClr val="tx2"/>
-                </a:solidFill>
-              </a:defRPr>
-            </a:lvl1pPr>
-          </a:lstStyle>
-          <a:p>
-            <a:fld id="{5480F8F5-B768-441C-AF31-6EA0CB405703}" type="slidenum">
-              <a:rPr lang="en-GB" smtClean="0"/>
-              <a:t>‹n.›</a:t>
-            </a:fld>
-            <a:endParaRPr lang="en-GB"/>
-          </a:p>
-        </p:txBody>
-      </p:sp>
-      <p:sp>
-        <p:nvSpPr>
-          <p:cNvPr id="9" name="Rectangle 8" title="Divider Bar"/>
-          <p:cNvSpPr/>
-          <p:nvPr/>
-        </p:nvSpPr>
-        <p:spPr>
-          <a:xfrm>
-            <a:off x="5303520" y="376"/>
-            <a:ext cx="228600" cy="6858000"/>
-          </a:xfrm>
-          <a:prstGeom prst="rect">
-            <a:avLst/>
-          </a:prstGeom>
-          <a:solidFill>
-            <a:schemeClr val="tx2"/>
-          </a:solidFill>
-          <a:ln>
-            <a:noFill/>
-          </a:ln>
-        </p:spPr>
-        <p:style>
-          <a:lnRef idx="2">
-            <a:schemeClr val="accent1">
-              <a:shade val="50000"/>
-            </a:schemeClr>
-          </a:lnRef>
-          <a:fillRef idx="1">
-            <a:schemeClr val="accent1"/>
-          </a:fillRef>
-          <a:effectRef idx="0">
-            <a:schemeClr val="accent1"/>
-          </a:effectRef>
-          <a:fontRef idx="minor">
-            <a:schemeClr val="lt1"/>
-          </a:fontRef>
-        </p:style>
-      </p:sp>
-    </p:spTree>
-    <p:extLst>
-      <p:ext uri="{BB962C8B-B14F-4D97-AF65-F5344CB8AC3E}">
-        <p14:creationId xmlns:p14="http://schemas.microsoft.com/office/powerpoint/2010/main" val="1106805795"/>
+        <p14:creationId xmlns:p14="http://schemas.microsoft.com/office/powerpoint/2010/main" val="1477197789"/>
       </p:ext>
     </p:extLst>
   </p:cSld>
@@ -7448,12 +4331,9 @@
 <p:sldMaster xmlns:a="http://schemas.openxmlformats.org/drawingml/2006/main" xmlns:r="http://schemas.openxmlformats.org/officeDocument/2006/relationships" xmlns:p="http://schemas.openxmlformats.org/presentationml/2006/main">
   <p:cSld>
     <p:bg>
-      <p:bgPr>
-        <a:solidFill>
-          <a:schemeClr val="bg2"/>
-        </a:solidFill>
-        <a:effectLst/>
-      </p:bgPr>
+      <p:bgRef idx="1001">
+        <a:schemeClr val="bg1"/>
+      </p:bgRef>
     </p:bg>
     <p:spTree>
       <p:nvGrpSpPr>
@@ -7597,7 +4477,7 @@
           <a:p>
             <a:fld id="{AAA080EE-0349-F744-B65D-9CC8E3317BCE}" type="datetime1">
               <a:rPr lang="it-IT" smtClean="0"/>
-              <a:t>22/08/16</a:t>
+              <a:t>23/08/16</a:t>
             </a:fld>
             <a:endParaRPr lang="en-GB"/>
           </a:p>
@@ -7718,683 +4598,24 @@
     </p:spTree>
     <p:extLst>
       <p:ext uri="{BB962C8B-B14F-4D97-AF65-F5344CB8AC3E}">
-        <p14:creationId xmlns:p14="http://schemas.microsoft.com/office/powerpoint/2010/main" val="365308324"/>
+        <p14:creationId xmlns:p14="http://schemas.microsoft.com/office/powerpoint/2010/main" val="484462791"/>
       </p:ext>
     </p:extLst>
   </p:cSld>
   <p:clrMap bg1="lt1" tx1="dk1" bg2="lt2" tx2="dk2" accent1="accent1" accent2="accent2" accent3="accent3" accent4="accent4" accent5="accent5" accent6="accent6" hlink="hlink" folHlink="folHlink"/>
   <p:sldLayoutIdLst>
-    <p:sldLayoutId id="2147484063" r:id="rId1"/>
-    <p:sldLayoutId id="2147484064" r:id="rId2"/>
-    <p:sldLayoutId id="2147484065" r:id="rId3"/>
-    <p:sldLayoutId id="2147484066" r:id="rId4"/>
-    <p:sldLayoutId id="2147484067" r:id="rId5"/>
-    <p:sldLayoutId id="2147484068" r:id="rId6"/>
-    <p:sldLayoutId id="2147484069" r:id="rId7"/>
-    <p:sldLayoutId id="2147484070" r:id="rId8"/>
-    <p:sldLayoutId id="2147484071" r:id="rId9"/>
-    <p:sldLayoutId id="2147484072" r:id="rId10"/>
-    <p:sldLayoutId id="2147484073" r:id="rId11"/>
-  </p:sldLayoutIdLst>
-  <p:transition spd="slow">
-    <p:push/>
-  </p:transition>
-  <p:timing>
-    <p:tnLst>
-      <p:par>
-        <p:cTn id="1" dur="indefinite" restart="never" nodeType="tmRoot"/>
-      </p:par>
-    </p:tnLst>
-  </p:timing>
-  <p:hf hdr="0" ftr="0" dt="0"/>
-  <p:txStyles>
-    <p:titleStyle>
-      <a:lvl1pPr algn="l" defTabSz="914400" rtl="0" eaLnBrk="1" latinLnBrk="0" hangingPunct="1">
-        <a:lnSpc>
-          <a:spcPct val="89000"/>
-        </a:lnSpc>
-        <a:spcBef>
-          <a:spcPct val="0"/>
-        </a:spcBef>
-        <a:buNone/>
-        <a:defRPr sz="4400" kern="1200" baseline="0">
-          <a:solidFill>
-            <a:schemeClr val="tx2"/>
-          </a:solidFill>
-          <a:latin typeface="+mj-lt"/>
-          <a:ea typeface="+mj-ea"/>
-          <a:cs typeface="+mj-cs"/>
-        </a:defRPr>
-      </a:lvl1pPr>
-    </p:titleStyle>
-    <p:bodyStyle>
-      <a:lvl1pPr marL="384048" indent="-384048" algn="l" defTabSz="914400" rtl="0" eaLnBrk="1" latinLnBrk="0" hangingPunct="1">
-        <a:lnSpc>
-          <a:spcPct val="94000"/>
-        </a:lnSpc>
-        <a:spcBef>
-          <a:spcPts val="1000"/>
-        </a:spcBef>
-        <a:spcAft>
-          <a:spcPts val="200"/>
-        </a:spcAft>
-        <a:buFont typeface="Franklin Gothic Book" panose="020B0503020102020204" pitchFamily="34" charset="0"/>
-        <a:buChar char="■"/>
-        <a:defRPr sz="2000" kern="1200" baseline="0">
-          <a:solidFill>
-            <a:schemeClr val="tx2"/>
-          </a:solidFill>
-          <a:latin typeface="+mn-lt"/>
-          <a:ea typeface="+mn-ea"/>
-          <a:cs typeface="+mn-cs"/>
-        </a:defRPr>
-      </a:lvl1pPr>
-      <a:lvl2pPr marL="384048" indent="-384048" algn="l" defTabSz="914400" rtl="0" eaLnBrk="1" latinLnBrk="0" hangingPunct="1">
-        <a:lnSpc>
-          <a:spcPct val="94000"/>
-        </a:lnSpc>
-        <a:spcBef>
-          <a:spcPts val="500"/>
-        </a:spcBef>
-        <a:spcAft>
-          <a:spcPts val="200"/>
-        </a:spcAft>
-        <a:buFont typeface="Franklin Gothic Book" panose="020B0503020102020204" pitchFamily="34" charset="0"/>
-        <a:buChar char="–"/>
-        <a:defRPr sz="2000" i="1" kern="1200" baseline="0">
-          <a:solidFill>
-            <a:schemeClr val="tx2"/>
-          </a:solidFill>
-          <a:latin typeface="+mn-lt"/>
-          <a:ea typeface="+mn-ea"/>
-          <a:cs typeface="+mn-cs"/>
-        </a:defRPr>
-      </a:lvl2pPr>
-      <a:lvl3pPr marL="384048" indent="-384048" algn="l" defTabSz="914400" rtl="0" eaLnBrk="1" latinLnBrk="0" hangingPunct="1">
-        <a:lnSpc>
-          <a:spcPct val="94000"/>
-        </a:lnSpc>
-        <a:spcBef>
-          <a:spcPts val="500"/>
-        </a:spcBef>
-        <a:spcAft>
-          <a:spcPts val="200"/>
-        </a:spcAft>
-        <a:buFont typeface="Franklin Gothic Book" panose="020B0503020102020204" pitchFamily="34" charset="0"/>
-        <a:buChar char="■"/>
-        <a:defRPr sz="1800" kern="1200" baseline="0">
-          <a:solidFill>
-            <a:schemeClr val="tx2"/>
-          </a:solidFill>
-          <a:latin typeface="+mn-lt"/>
-          <a:ea typeface="+mn-ea"/>
-          <a:cs typeface="+mn-cs"/>
-        </a:defRPr>
-      </a:lvl3pPr>
-      <a:lvl4pPr marL="384048" indent="-384048" algn="l" defTabSz="914400" rtl="0" eaLnBrk="1" latinLnBrk="0" hangingPunct="1">
-        <a:lnSpc>
-          <a:spcPct val="94000"/>
-        </a:lnSpc>
-        <a:spcBef>
-          <a:spcPts val="500"/>
-        </a:spcBef>
-        <a:spcAft>
-          <a:spcPts val="200"/>
-        </a:spcAft>
-        <a:buFont typeface="Franklin Gothic Book" panose="020B0503020102020204" pitchFamily="34" charset="0"/>
-        <a:buChar char="–"/>
-        <a:defRPr sz="1800" i="1" kern="1200" baseline="0">
-          <a:solidFill>
-            <a:schemeClr val="tx2"/>
-          </a:solidFill>
-          <a:latin typeface="+mn-lt"/>
-          <a:ea typeface="+mn-ea"/>
-          <a:cs typeface="+mn-cs"/>
-        </a:defRPr>
-      </a:lvl4pPr>
-      <a:lvl5pPr marL="384048" indent="-384048" algn="l" defTabSz="914400" rtl="0" eaLnBrk="1" latinLnBrk="0" hangingPunct="1">
-        <a:lnSpc>
-          <a:spcPct val="94000"/>
-        </a:lnSpc>
-        <a:spcBef>
-          <a:spcPts val="500"/>
-        </a:spcBef>
-        <a:spcAft>
-          <a:spcPts val="200"/>
-        </a:spcAft>
-        <a:buFont typeface="Franklin Gothic Book" panose="020B0503020102020204" pitchFamily="34" charset="0"/>
-        <a:buChar char="■"/>
-        <a:defRPr sz="1600" kern="1200" baseline="0">
-          <a:solidFill>
-            <a:schemeClr val="tx2"/>
-          </a:solidFill>
-          <a:latin typeface="+mn-lt"/>
-          <a:ea typeface="+mn-ea"/>
-          <a:cs typeface="+mn-cs"/>
-        </a:defRPr>
-      </a:lvl5pPr>
-      <a:lvl6pPr marL="384048" indent="-384048" algn="l" defTabSz="914400" rtl="0" eaLnBrk="1" latinLnBrk="0" hangingPunct="1">
-        <a:lnSpc>
-          <a:spcPct val="94000"/>
-        </a:lnSpc>
-        <a:spcBef>
-          <a:spcPts val="500"/>
-        </a:spcBef>
-        <a:spcAft>
-          <a:spcPts val="200"/>
-        </a:spcAft>
-        <a:buFont typeface="Franklin Gothic Book" panose="020B0503020102020204" pitchFamily="34" charset="0"/>
-        <a:buChar char="–"/>
-        <a:defRPr sz="1600" i="1" kern="1200" baseline="0">
-          <a:solidFill>
-            <a:schemeClr val="tx2"/>
-          </a:solidFill>
-          <a:latin typeface="+mn-lt"/>
-          <a:ea typeface="+mn-ea"/>
-          <a:cs typeface="+mn-cs"/>
-        </a:defRPr>
-      </a:lvl6pPr>
-      <a:lvl7pPr marL="384048" indent="-384048" algn="l" defTabSz="914400" rtl="0" eaLnBrk="1" latinLnBrk="0" hangingPunct="1">
-        <a:lnSpc>
-          <a:spcPct val="94000"/>
-        </a:lnSpc>
-        <a:spcBef>
-          <a:spcPts val="500"/>
-        </a:spcBef>
-        <a:spcAft>
-          <a:spcPts val="200"/>
-        </a:spcAft>
-        <a:buFont typeface="Franklin Gothic Book" panose="020B0503020102020204" pitchFamily="34" charset="0"/>
-        <a:buChar char="■"/>
-        <a:defRPr sz="1400" kern="1200" baseline="0">
-          <a:solidFill>
-            <a:schemeClr val="tx2"/>
-          </a:solidFill>
-          <a:latin typeface="+mn-lt"/>
-          <a:ea typeface="+mn-ea"/>
-          <a:cs typeface="+mn-cs"/>
-        </a:defRPr>
-      </a:lvl7pPr>
-      <a:lvl8pPr marL="384048" indent="-384048" algn="l" defTabSz="914400" rtl="0" eaLnBrk="1" latinLnBrk="0" hangingPunct="1">
-        <a:lnSpc>
-          <a:spcPct val="94000"/>
-        </a:lnSpc>
-        <a:spcBef>
-          <a:spcPts val="500"/>
-        </a:spcBef>
-        <a:spcAft>
-          <a:spcPts val="200"/>
-        </a:spcAft>
-        <a:buFont typeface="Franklin Gothic Book" panose="020B0503020102020204" pitchFamily="34" charset="0"/>
-        <a:buChar char="–"/>
-        <a:defRPr sz="1400" i="1" kern="1200" baseline="0">
-          <a:solidFill>
-            <a:schemeClr val="tx2"/>
-          </a:solidFill>
-          <a:latin typeface="+mn-lt"/>
-          <a:ea typeface="+mn-ea"/>
-          <a:cs typeface="+mn-cs"/>
-        </a:defRPr>
-      </a:lvl8pPr>
-      <a:lvl9pPr marL="384048" indent="-384048" algn="l" defTabSz="914400" rtl="0" eaLnBrk="1" latinLnBrk="0" hangingPunct="1">
-        <a:lnSpc>
-          <a:spcPct val="94000"/>
-        </a:lnSpc>
-        <a:spcBef>
-          <a:spcPts val="500"/>
-        </a:spcBef>
-        <a:spcAft>
-          <a:spcPts val="200"/>
-        </a:spcAft>
-        <a:buFont typeface="Franklin Gothic Book" panose="020B0503020102020204" pitchFamily="34" charset="0"/>
-        <a:buChar char="■"/>
-        <a:defRPr sz="1400" kern="1200" baseline="0">
-          <a:solidFill>
-            <a:schemeClr val="tx2"/>
-          </a:solidFill>
-          <a:latin typeface="+mn-lt"/>
-          <a:ea typeface="+mn-ea"/>
-          <a:cs typeface="+mn-cs"/>
-        </a:defRPr>
-      </a:lvl9pPr>
-    </p:bodyStyle>
-    <p:otherStyle>
-      <a:defPPr>
-        <a:defRPr lang="en-US"/>
-      </a:defPPr>
-      <a:lvl1pPr marL="0" algn="l" defTabSz="914400" rtl="0" eaLnBrk="1" latinLnBrk="0" hangingPunct="1">
-        <a:defRPr sz="1800" kern="1200">
-          <a:solidFill>
-            <a:schemeClr val="tx1"/>
-          </a:solidFill>
-          <a:latin typeface="+mn-lt"/>
-          <a:ea typeface="+mn-ea"/>
-          <a:cs typeface="+mn-cs"/>
-        </a:defRPr>
-      </a:lvl1pPr>
-      <a:lvl2pPr marL="457200" algn="l" defTabSz="914400" rtl="0" eaLnBrk="1" latinLnBrk="0" hangingPunct="1">
-        <a:defRPr sz="1800" kern="1200">
-          <a:solidFill>
-            <a:schemeClr val="tx1"/>
-          </a:solidFill>
-          <a:latin typeface="+mn-lt"/>
-          <a:ea typeface="+mn-ea"/>
-          <a:cs typeface="+mn-cs"/>
-        </a:defRPr>
-      </a:lvl2pPr>
-      <a:lvl3pPr marL="914400" algn="l" defTabSz="914400" rtl="0" eaLnBrk="1" latinLnBrk="0" hangingPunct="1">
-        <a:defRPr sz="1800" kern="1200">
-          <a:solidFill>
-            <a:schemeClr val="tx1"/>
-          </a:solidFill>
-          <a:latin typeface="+mn-lt"/>
-          <a:ea typeface="+mn-ea"/>
-          <a:cs typeface="+mn-cs"/>
-        </a:defRPr>
-      </a:lvl3pPr>
-      <a:lvl4pPr marL="1371600" algn="l" defTabSz="914400" rtl="0" eaLnBrk="1" latinLnBrk="0" hangingPunct="1">
-        <a:defRPr sz="1800" kern="1200">
-          <a:solidFill>
-            <a:schemeClr val="tx1"/>
-          </a:solidFill>
-          <a:latin typeface="+mn-lt"/>
-          <a:ea typeface="+mn-ea"/>
-          <a:cs typeface="+mn-cs"/>
-        </a:defRPr>
-      </a:lvl4pPr>
-      <a:lvl5pPr marL="1828800" algn="l" defTabSz="914400" rtl="0" eaLnBrk="1" latinLnBrk="0" hangingPunct="1">
-        <a:defRPr sz="1800" kern="1200">
-          <a:solidFill>
-            <a:schemeClr val="tx1"/>
-          </a:solidFill>
-          <a:latin typeface="+mn-lt"/>
-          <a:ea typeface="+mn-ea"/>
-          <a:cs typeface="+mn-cs"/>
-        </a:defRPr>
-      </a:lvl5pPr>
-      <a:lvl6pPr marL="2286000" algn="l" defTabSz="914400" rtl="0" eaLnBrk="1" latinLnBrk="0" hangingPunct="1">
-        <a:defRPr sz="1800" kern="1200">
-          <a:solidFill>
-            <a:schemeClr val="tx1"/>
-          </a:solidFill>
-          <a:latin typeface="+mn-lt"/>
-          <a:ea typeface="+mn-ea"/>
-          <a:cs typeface="+mn-cs"/>
-        </a:defRPr>
-      </a:lvl6pPr>
-      <a:lvl7pPr marL="2743200" algn="l" defTabSz="914400" rtl="0" eaLnBrk="1" latinLnBrk="0" hangingPunct="1">
-        <a:defRPr sz="1800" kern="1200">
-          <a:solidFill>
-            <a:schemeClr val="tx1"/>
-          </a:solidFill>
-          <a:latin typeface="+mn-lt"/>
-          <a:ea typeface="+mn-ea"/>
-          <a:cs typeface="+mn-cs"/>
-        </a:defRPr>
-      </a:lvl7pPr>
-      <a:lvl8pPr marL="3200400" algn="l" defTabSz="914400" rtl="0" eaLnBrk="1" latinLnBrk="0" hangingPunct="1">
-        <a:defRPr sz="1800" kern="1200">
-          <a:solidFill>
-            <a:schemeClr val="tx1"/>
-          </a:solidFill>
-          <a:latin typeface="+mn-lt"/>
-          <a:ea typeface="+mn-ea"/>
-          <a:cs typeface="+mn-cs"/>
-        </a:defRPr>
-      </a:lvl8pPr>
-      <a:lvl9pPr marL="3657600" algn="l" defTabSz="914400" rtl="0" eaLnBrk="1" latinLnBrk="0" hangingPunct="1">
-        <a:defRPr sz="1800" kern="1200">
-          <a:solidFill>
-            <a:schemeClr val="tx1"/>
-          </a:solidFill>
-          <a:latin typeface="+mn-lt"/>
-          <a:ea typeface="+mn-ea"/>
-          <a:cs typeface="+mn-cs"/>
-        </a:defRPr>
-      </a:lvl9pPr>
-    </p:otherStyle>
-  </p:txStyles>
-  <p:extLst mod="1">
-    <p:ext uri="{27BBF7A9-308A-43DC-89C8-2F10F3537804}">
-      <p15:sldGuideLst xmlns:p15="http://schemas.microsoft.com/office/powerpoint/2012/main">
-        <p15:guide id="3" orient="horz" pos="1368">
-          <p15:clr>
-            <a:srgbClr val="F26B43"/>
-          </p15:clr>
-        </p15:guide>
-        <p15:guide id="4" orient="horz" pos="1440">
-          <p15:clr>
-            <a:srgbClr val="F26B43"/>
-          </p15:clr>
-        </p15:guide>
-        <p15:guide id="6" orient="horz" pos="3696">
-          <p15:clr>
-            <a:srgbClr val="F26B43"/>
-          </p15:clr>
-        </p15:guide>
-        <p15:guide id="7" orient="horz" pos="432">
-          <p15:clr>
-            <a:srgbClr val="F26B43"/>
-          </p15:clr>
-        </p15:guide>
-        <p15:guide id="8" orient="horz" pos="1512">
-          <p15:clr>
-            <a:srgbClr val="F26B43"/>
-          </p15:clr>
-        </p15:guide>
-        <p15:guide id="9" pos="6912">
-          <p15:clr>
-            <a:srgbClr val="F26B43"/>
-          </p15:clr>
-        </p15:guide>
-        <p15:guide id="10" pos="936">
-          <p15:clr>
-            <a:srgbClr val="F26B43"/>
-          </p15:clr>
-        </p15:guide>
-        <p15:guide id="11" pos="864">
-          <p15:clr>
-            <a:srgbClr val="F26B43"/>
-          </p15:clr>
-        </p15:guide>
-      </p15:sldGuideLst>
-    </p:ext>
-  </p:extLst>
-</p:sldMaster>
-</file>
-
-<file path=ppt/slideMasters/slideMaster2.xml><?xml version="1.0" encoding="utf-8"?>
-<p:sldMaster xmlns:a="http://schemas.openxmlformats.org/drawingml/2006/main" xmlns:r="http://schemas.openxmlformats.org/officeDocument/2006/relationships" xmlns:p="http://schemas.openxmlformats.org/presentationml/2006/main">
-  <p:cSld>
-    <p:bg>
-      <p:bgPr>
-        <a:solidFill>
-          <a:schemeClr val="bg2"/>
-        </a:solidFill>
-        <a:effectLst/>
-      </p:bgPr>
-    </p:bg>
-    <p:spTree>
-      <p:nvGrpSpPr>
-        <p:cNvPr id="1" name=""/>
-        <p:cNvGrpSpPr/>
-        <p:nvPr/>
-      </p:nvGrpSpPr>
-      <p:grpSpPr>
-        <a:xfrm>
-          <a:off x="0" y="0"/>
-          <a:ext cx="0" cy="0"/>
-          <a:chOff x="0" y="0"/>
-          <a:chExt cx="0" cy="0"/>
-        </a:xfrm>
-      </p:grpSpPr>
-      <p:sp>
-        <p:nvSpPr>
-          <p:cNvPr id="2" name="Title Placeholder 1"/>
-          <p:cNvSpPr>
-            <a:spLocks noGrp="1"/>
-          </p:cNvSpPr>
-          <p:nvPr>
-            <p:ph type="title"/>
-          </p:nvPr>
-        </p:nvSpPr>
-        <p:spPr>
-          <a:xfrm>
-            <a:off x="1371600" y="685800"/>
-            <a:ext cx="9601200" cy="1485900"/>
-          </a:xfrm>
-          <a:prstGeom prst="rect">
-            <a:avLst/>
-          </a:prstGeom>
-        </p:spPr>
-        <p:txBody>
-          <a:bodyPr vert="horz" lIns="91440" tIns="45720" rIns="91440" bIns="45720" rtlCol="0" anchor="t">
-            <a:normAutofit/>
-          </a:bodyPr>
-          <a:lstStyle/>
-          <a:p>
-            <a:r>
-              <a:rPr lang="it-IT" smtClean="0"/>
-              <a:t>Fare clic per modificare stile</a:t>
-            </a:r>
-            <a:endParaRPr lang="en-US" dirty="0"/>
-          </a:p>
-        </p:txBody>
-      </p:sp>
-      <p:sp>
-        <p:nvSpPr>
-          <p:cNvPr id="3" name="Text Placeholder 2"/>
-          <p:cNvSpPr>
-            <a:spLocks noGrp="1"/>
-          </p:cNvSpPr>
-          <p:nvPr>
-            <p:ph type="body" idx="1"/>
-          </p:nvPr>
-        </p:nvSpPr>
-        <p:spPr>
-          <a:xfrm>
-            <a:off x="1371600" y="2286000"/>
-            <a:ext cx="9601200" cy="3581400"/>
-          </a:xfrm>
-          <a:prstGeom prst="rect">
-            <a:avLst/>
-          </a:prstGeom>
-        </p:spPr>
-        <p:txBody>
-          <a:bodyPr vert="horz" lIns="91440" tIns="45720" rIns="91440" bIns="45720" rtlCol="0">
-            <a:normAutofit/>
-          </a:bodyPr>
-          <a:lstStyle/>
-          <a:p>
-            <a:pPr lvl="0"/>
-            <a:r>
-              <a:rPr lang="it-IT" smtClean="0"/>
-              <a:t>Fare clic per modificare gli stili del testo dello schema</a:t>
-            </a:r>
-          </a:p>
-          <a:p>
-            <a:pPr lvl="1"/>
-            <a:r>
-              <a:rPr lang="it-IT" smtClean="0"/>
-              <a:t>Secondo livello</a:t>
-            </a:r>
-          </a:p>
-          <a:p>
-            <a:pPr lvl="2"/>
-            <a:r>
-              <a:rPr lang="it-IT" smtClean="0"/>
-              <a:t>Terzo livello</a:t>
-            </a:r>
-          </a:p>
-          <a:p>
-            <a:pPr lvl="3"/>
-            <a:r>
-              <a:rPr lang="it-IT" smtClean="0"/>
-              <a:t>Quarto livello</a:t>
-            </a:r>
-          </a:p>
-          <a:p>
-            <a:pPr lvl="4"/>
-            <a:r>
-              <a:rPr lang="it-IT" smtClean="0"/>
-              <a:t>Quinto livello</a:t>
-            </a:r>
-            <a:endParaRPr lang="en-US" dirty="0"/>
-          </a:p>
-        </p:txBody>
-      </p:sp>
-      <p:sp>
-        <p:nvSpPr>
-          <p:cNvPr id="4" name="Date Placeholder 3"/>
-          <p:cNvSpPr>
-            <a:spLocks noGrp="1"/>
-          </p:cNvSpPr>
-          <p:nvPr>
-            <p:ph type="dt" sz="half" idx="2"/>
-          </p:nvPr>
-        </p:nvSpPr>
-        <p:spPr>
-          <a:xfrm>
-            <a:off x="1390650" y="6453386"/>
-            <a:ext cx="1204572" cy="404614"/>
-          </a:xfrm>
-          <a:prstGeom prst="rect">
-            <a:avLst/>
-          </a:prstGeom>
-        </p:spPr>
-        <p:txBody>
-          <a:bodyPr vert="horz" lIns="91440" tIns="45720" rIns="91440" bIns="45720" rtlCol="0" anchor="ctr"/>
-          <a:lstStyle>
-            <a:lvl1pPr algn="l">
-              <a:defRPr sz="1200" baseline="0">
-                <a:solidFill>
-                  <a:schemeClr val="tx2"/>
-                </a:solidFill>
-              </a:defRPr>
-            </a:lvl1pPr>
-          </a:lstStyle>
-          <a:p>
-            <a:fld id="{F45742FE-FDCD-3441-BBEE-78802E853577}" type="datetime1">
-              <a:rPr lang="it-IT" smtClean="0"/>
-              <a:t>22/08/16</a:t>
-            </a:fld>
-            <a:endParaRPr lang="en-GB"/>
-          </a:p>
-        </p:txBody>
-      </p:sp>
-      <p:sp>
-        <p:nvSpPr>
-          <p:cNvPr id="5" name="Footer Placeholder 4"/>
-          <p:cNvSpPr>
-            <a:spLocks noGrp="1"/>
-          </p:cNvSpPr>
-          <p:nvPr>
-            <p:ph type="ftr" sz="quarter" idx="3"/>
-          </p:nvPr>
-        </p:nvSpPr>
-        <p:spPr>
-          <a:xfrm>
-            <a:off x="2893564" y="6453386"/>
-            <a:ext cx="6280830" cy="404614"/>
-          </a:xfrm>
-          <a:prstGeom prst="rect">
-            <a:avLst/>
-          </a:prstGeom>
-        </p:spPr>
-        <p:txBody>
-          <a:bodyPr vert="horz" lIns="91440" tIns="45720" rIns="91440" bIns="45720" rtlCol="0" anchor="ctr"/>
-          <a:lstStyle>
-            <a:lvl1pPr algn="l">
-              <a:defRPr sz="1200" baseline="0">
-                <a:solidFill>
-                  <a:schemeClr val="tx2"/>
-                </a:solidFill>
-              </a:defRPr>
-            </a:lvl1pPr>
-          </a:lstStyle>
-          <a:p>
-            <a:endParaRPr lang="en-GB"/>
-          </a:p>
-        </p:txBody>
-      </p:sp>
-      <p:sp>
-        <p:nvSpPr>
-          <p:cNvPr id="6" name="Slide Number Placeholder 5"/>
-          <p:cNvSpPr>
-            <a:spLocks noGrp="1"/>
-          </p:cNvSpPr>
-          <p:nvPr>
-            <p:ph type="sldNum" sz="quarter" idx="4"/>
-          </p:nvPr>
-        </p:nvSpPr>
-        <p:spPr>
-          <a:xfrm>
-            <a:off x="9472736" y="6453386"/>
-            <a:ext cx="1596292" cy="404614"/>
-          </a:xfrm>
-          <a:prstGeom prst="rect">
-            <a:avLst/>
-          </a:prstGeom>
-        </p:spPr>
-        <p:txBody>
-          <a:bodyPr vert="horz" lIns="91440" tIns="45720" rIns="91440" bIns="45720" rtlCol="0" anchor="ctr"/>
-          <a:lstStyle>
-            <a:lvl1pPr algn="r">
-              <a:defRPr sz="1200" baseline="0">
-                <a:solidFill>
-                  <a:schemeClr val="tx2"/>
-                </a:solidFill>
-              </a:defRPr>
-            </a:lvl1pPr>
-          </a:lstStyle>
-          <a:p>
-            <a:fld id="{5480F8F5-B768-441C-AF31-6EA0CB405703}" type="slidenum">
-              <a:rPr lang="en-GB" smtClean="0"/>
-              <a:t>‹n.›</a:t>
-            </a:fld>
-            <a:endParaRPr lang="en-GB"/>
-          </a:p>
-        </p:txBody>
-      </p:sp>
-      <p:sp>
-        <p:nvSpPr>
-          <p:cNvPr id="9" name="Rectangle 8" title="Side bar"/>
-          <p:cNvSpPr/>
-          <p:nvPr/>
-        </p:nvSpPr>
-        <p:spPr>
-          <a:xfrm>
-            <a:off x="478095" y="376"/>
-            <a:ext cx="228600" cy="6858000"/>
-          </a:xfrm>
-          <a:prstGeom prst="rect">
-            <a:avLst/>
-          </a:prstGeom>
-          <a:solidFill>
-            <a:schemeClr val="tx2"/>
-          </a:solidFill>
-          <a:ln>
-            <a:noFill/>
-          </a:ln>
-        </p:spPr>
-        <p:style>
-          <a:lnRef idx="2">
-            <a:schemeClr val="accent1">
-              <a:shade val="50000"/>
-            </a:schemeClr>
-          </a:lnRef>
-          <a:fillRef idx="1">
-            <a:schemeClr val="accent1"/>
-          </a:fillRef>
-          <a:effectRef idx="0">
-            <a:schemeClr val="accent1"/>
-          </a:effectRef>
-          <a:fontRef idx="minor">
-            <a:schemeClr val="lt1"/>
-          </a:fontRef>
-        </p:style>
-      </p:sp>
-    </p:spTree>
-    <p:extLst>
-      <p:ext uri="{BB962C8B-B14F-4D97-AF65-F5344CB8AC3E}">
-        <p14:creationId xmlns:p14="http://schemas.microsoft.com/office/powerpoint/2010/main" val="1619051695"/>
-      </p:ext>
-    </p:extLst>
-  </p:cSld>
-  <p:clrMap bg1="lt1" tx1="dk1" bg2="lt2" tx2="dk2" accent1="accent1" accent2="accent2" accent3="accent3" accent4="accent4" accent5="accent5" accent6="accent6" hlink="hlink" folHlink="folHlink"/>
-  <p:sldLayoutIdLst>
-    <p:sldLayoutId id="2147484075" r:id="rId1"/>
-    <p:sldLayoutId id="2147484076" r:id="rId2"/>
-    <p:sldLayoutId id="2147484077" r:id="rId3"/>
-    <p:sldLayoutId id="2147484078" r:id="rId4"/>
-    <p:sldLayoutId id="2147484079" r:id="rId5"/>
-    <p:sldLayoutId id="2147484080" r:id="rId6"/>
-    <p:sldLayoutId id="2147484081" r:id="rId7"/>
-    <p:sldLayoutId id="2147484082" r:id="rId8"/>
-    <p:sldLayoutId id="2147484083" r:id="rId9"/>
-    <p:sldLayoutId id="2147484084" r:id="rId10"/>
-    <p:sldLayoutId id="2147484085" r:id="rId11"/>
-    <p:sldLayoutId id="2147484086" r:id="rId12"/>
+    <p:sldLayoutId id="2147484101" r:id="rId1"/>
+    <p:sldLayoutId id="2147484102" r:id="rId2"/>
+    <p:sldLayoutId id="2147484103" r:id="rId3"/>
+    <p:sldLayoutId id="2147484104" r:id="rId4"/>
+    <p:sldLayoutId id="2147484105" r:id="rId5"/>
+    <p:sldLayoutId id="2147484106" r:id="rId6"/>
+    <p:sldLayoutId id="2147484107" r:id="rId7"/>
+    <p:sldLayoutId id="2147484108" r:id="rId8"/>
+    <p:sldLayoutId id="2147484109" r:id="rId9"/>
+    <p:sldLayoutId id="2147484110" r:id="rId10"/>
+    <p:sldLayoutId id="2147484111" r:id="rId11"/>
+    <p:sldLayoutId id="2147484112" r:id="rId12"/>
   </p:sldLayoutIdLst>
   <p:transition spd="slow">
     <p:push/>
@@ -8871,86 +5092,88 @@
             <p:ph type="title"/>
           </p:nvPr>
         </p:nvSpPr>
+        <p:spPr>
+          <a:xfrm>
+            <a:off x="1484310" y="169198"/>
+            <a:ext cx="10018713" cy="1752599"/>
+          </a:xfrm>
+        </p:spPr>
+        <p:txBody>
+          <a:bodyPr>
+            <a:normAutofit/>
+          </a:bodyPr>
+          <a:lstStyle/>
+          <a:p>
+            <a:pPr algn="ctr"/>
+            <a:r>
+              <a:rPr lang="en-GB" sz="6000" dirty="0" smtClean="0"/>
+              <a:t>Test - 2</a:t>
+            </a:r>
+            <a:endParaRPr lang="en-GB" sz="6000" dirty="0"/>
+          </a:p>
+        </p:txBody>
+      </p:sp>
+      <p:sp>
+        <p:nvSpPr>
+          <p:cNvPr id="4" name="Segnaposto numero diapositiva 3"/>
+          <p:cNvSpPr>
+            <a:spLocks noGrp="1"/>
+          </p:cNvSpPr>
+          <p:nvPr>
+            <p:ph type="sldNum" sz="quarter" idx="12"/>
+          </p:nvPr>
+        </p:nvSpPr>
         <p:spPr/>
         <p:txBody>
-          <a:bodyPr>
-            <a:normAutofit fontScale="90000"/>
-          </a:bodyPr>
-          <a:lstStyle/>
-          <a:p>
-            <a:pPr algn="ctr"/>
-            <a:r>
-              <a:rPr lang="it-IT" sz="6000" dirty="0"/>
-              <a:t>Consuntivo di </a:t>
-            </a:r>
-            <a:r>
-              <a:rPr lang="it-IT" sz="6000" dirty="0" smtClean="0"/>
-              <a:t>periodo – 1</a:t>
-            </a:r>
-            <a:br>
-              <a:rPr lang="it-IT" sz="6000" dirty="0" smtClean="0"/>
-            </a:br>
-            <a:r>
-              <a:rPr lang="it-IT" sz="6000" dirty="0" smtClean="0"/>
-              <a:t>(periodo scorso, da aggiornare)</a:t>
-            </a:r>
-            <a:endParaRPr lang="it-IT" sz="6000" dirty="0"/>
+          <a:bodyPr/>
+          <a:lstStyle/>
+          <a:p>
+            <a:fld id="{5480F8F5-B768-441C-AF31-6EA0CB405703}" type="slidenum">
+              <a:rPr lang="en-GB" smtClean="0"/>
+              <a:t>9</a:t>
+            </a:fld>
+            <a:r>
+              <a:rPr lang="en-GB" dirty="0" smtClean="0"/>
+              <a:t>/13</a:t>
+            </a:r>
+            <a:endParaRPr lang="en-GB" dirty="0"/>
           </a:p>
         </p:txBody>
       </p:sp>
       <p:pic>
         <p:nvPicPr>
-          <p:cNvPr id="1026" name="Picture 2" descr="C:\Users\Davide\Dropbox\Screenshot\Screenshot 2016-07-09 11.53.03.png"/>
+          <p:cNvPr id="3" name="Immagine 2"/>
           <p:cNvPicPr>
-            <a:picLocks noChangeAspect="1" noChangeArrowheads="1"/>
+            <a:picLocks noChangeAspect="1"/>
           </p:cNvPicPr>
           <p:nvPr/>
         </p:nvPicPr>
         <p:blipFill>
-          <a:blip r:embed="rId3" cstate="print"/>
-          <a:srcRect/>
+          <a:blip r:embed="rId2">
+            <a:extLst>
+              <a:ext uri="{28A0092B-C50C-407E-A947-70E740481C1C}">
+                <a14:useLocalDpi xmlns:a14="http://schemas.microsoft.com/office/drawing/2010/main" val="0"/>
+              </a:ext>
+            </a:extLst>
+          </a:blip>
           <a:stretch>
             <a:fillRect/>
           </a:stretch>
         </p:blipFill>
-        <p:spPr bwMode="auto">
+        <p:spPr>
           <a:xfrm>
-            <a:off x="3388713" y="2171700"/>
-            <a:ext cx="6125054" cy="3033934"/>
+            <a:off x="2759866" y="1800469"/>
+            <a:ext cx="7467600" cy="3009900"/>
           </a:xfrm>
           <a:prstGeom prst="rect">
             <a:avLst/>
           </a:prstGeom>
-          <a:noFill/>
         </p:spPr>
       </p:pic>
-      <p:sp>
-        <p:nvSpPr>
-          <p:cNvPr id="5" name="Segnaposto numero diapositiva 4"/>
-          <p:cNvSpPr>
-            <a:spLocks noGrp="1"/>
-          </p:cNvSpPr>
-          <p:nvPr>
-            <p:ph type="sldNum" sz="quarter" idx="12"/>
-          </p:nvPr>
-        </p:nvSpPr>
-        <p:spPr/>
-        <p:txBody>
-          <a:bodyPr/>
-          <a:lstStyle/>
-          <a:p>
-            <a:fld id="{5480F8F5-B768-441C-AF31-6EA0CB405703}" type="slidenum">
-              <a:rPr lang="en-GB" smtClean="0"/>
-              <a:t>9</a:t>
-            </a:fld>
-            <a:endParaRPr lang="en-GB"/>
-          </a:p>
-        </p:txBody>
-      </p:sp>
     </p:spTree>
     <p:extLst>
       <p:ext uri="{BB962C8B-B14F-4D97-AF65-F5344CB8AC3E}">
-        <p14:creationId xmlns:p14="http://schemas.microsoft.com/office/powerpoint/2010/main" val="768637471"/>
+        <p14:creationId xmlns:p14="http://schemas.microsoft.com/office/powerpoint/2010/main" val="1457368695"/>
       </p:ext>
     </p:extLst>
   </p:cSld>
@@ -8960,13 +5183,6 @@
   <p:transition spd="slow">
     <p:push/>
   </p:transition>
-  <p:timing>
-    <p:tnLst>
-      <p:par>
-        <p:cTn id="1" dur="indefinite" restart="never" nodeType="tmRoot"/>
-      </p:par>
-    </p:tnLst>
-  </p:timing>
 </p:sld>
 </file>
 
@@ -8997,41 +5213,25 @@
             <p:ph type="title"/>
           </p:nvPr>
         </p:nvSpPr>
-        <p:spPr>
-          <a:xfrm>
-            <a:off x="1797412" y="80889"/>
-            <a:ext cx="10018713" cy="1752599"/>
-          </a:xfrm>
-        </p:spPr>
+        <p:spPr/>
         <p:txBody>
           <a:bodyPr>
-            <a:normAutofit fontScale="90000"/>
+            <a:normAutofit/>
           </a:bodyPr>
           <a:lstStyle/>
           <a:p>
             <a:pPr algn="ctr"/>
             <a:r>
               <a:rPr lang="it-IT" sz="6000" dirty="0"/>
-              <a:t>Consuntivo</a:t>
-            </a:r>
-            <a:r>
-              <a:rPr lang="it-IT" dirty="0"/>
-              <a:t> </a:t>
-            </a:r>
-            <a:r>
-              <a:rPr lang="it-IT" sz="6000" dirty="0"/>
-              <a:t>di </a:t>
+              <a:t>Consuntivo di </a:t>
             </a:r>
             <a:r>
               <a:rPr lang="it-IT" sz="6000" dirty="0" smtClean="0"/>
-              <a:t>periodo – 2</a:t>
-            </a:r>
-            <a:br>
+              <a:t>periodo – </a:t>
+            </a:r>
+            <a:r>
               <a:rPr lang="it-IT" sz="6000" dirty="0" smtClean="0"/>
-            </a:br>
-            <a:r>
-              <a:rPr lang="it-IT" sz="6000" dirty="0" smtClean="0"/>
-              <a:t>(periodo scorso, da aggiornare)</a:t>
+              <a:t>1</a:t>
             </a:r>
             <a:endParaRPr lang="it-IT" sz="6000" dirty="0"/>
           </a:p>
@@ -9039,12 +5239,12 @@
       </p:sp>
       <p:sp>
         <p:nvSpPr>
-          <p:cNvPr id="3" name="Segnaposto contenuto 2"/>
-          <p:cNvSpPr>
-            <a:spLocks noGrp="1"/>
-          </p:cNvSpPr>
-          <p:nvPr>
-            <p:ph idx="1"/>
+          <p:cNvPr id="5" name="Segnaposto numero diapositiva 4"/>
+          <p:cNvSpPr>
+            <a:spLocks noGrp="1"/>
+          </p:cNvSpPr>
+          <p:nvPr>
+            <p:ph type="sldNum" sz="quarter" idx="12"/>
           </p:nvPr>
         </p:nvSpPr>
         <p:spPr/>
@@ -9052,69 +5252,52 @@
           <a:bodyPr/>
           <a:lstStyle/>
           <a:p>
-            <a:pPr>
-              <a:buNone/>
-            </a:pPr>
-            <a:r>
-              <a:rPr lang="it-IT" dirty="0"/>
-              <a:t> </a:t>
-            </a:r>
+            <a:fld id="{5480F8F5-B768-441C-AF31-6EA0CB405703}" type="slidenum">
+              <a:rPr lang="en-GB" smtClean="0"/>
+              <a:t>10</a:t>
+            </a:fld>
+            <a:r>
+              <a:rPr lang="en-GB" dirty="0" smtClean="0"/>
+              <a:t>/13</a:t>
+            </a:r>
+            <a:endParaRPr lang="en-GB" dirty="0"/>
           </a:p>
         </p:txBody>
       </p:sp>
       <p:pic>
         <p:nvPicPr>
-          <p:cNvPr id="2051" name="Picture 3" descr="C:\Users\Davide\Documents\GitHub\Documenti\Piano di Progetto\Images\chart-Consuntivo_Ore_Prog_Det_Cod.PNG"/>
+          <p:cNvPr id="3" name="Immagine 2"/>
           <p:cNvPicPr>
-            <a:picLocks noChangeAspect="1" noChangeArrowheads="1"/>
+            <a:picLocks noChangeAspect="1"/>
           </p:cNvPicPr>
           <p:nvPr/>
         </p:nvPicPr>
         <p:blipFill>
-          <a:blip r:embed="rId2" cstate="print"/>
-          <a:srcRect/>
+          <a:blip r:embed="rId3">
+            <a:extLst>
+              <a:ext uri="{28A0092B-C50C-407E-A947-70E740481C1C}">
+                <a14:useLocalDpi xmlns:a14="http://schemas.microsoft.com/office/drawing/2010/main" val="0"/>
+              </a:ext>
+            </a:extLst>
+          </a:blip>
           <a:stretch>
             <a:fillRect/>
           </a:stretch>
         </p:blipFill>
-        <p:spPr bwMode="auto">
+        <p:spPr>
           <a:xfrm>
-            <a:off x="2957851" y="1833488"/>
-            <a:ext cx="7697836" cy="4595447"/>
+            <a:off x="2704732" y="2171700"/>
+            <a:ext cx="6934935" cy="3064608"/>
           </a:xfrm>
           <a:prstGeom prst="rect">
             <a:avLst/>
           </a:prstGeom>
-          <a:noFill/>
         </p:spPr>
       </p:pic>
-      <p:sp>
-        <p:nvSpPr>
-          <p:cNvPr id="5" name="Segnaposto numero diapositiva 4"/>
-          <p:cNvSpPr>
-            <a:spLocks noGrp="1"/>
-          </p:cNvSpPr>
-          <p:nvPr>
-            <p:ph type="sldNum" sz="quarter" idx="12"/>
-          </p:nvPr>
-        </p:nvSpPr>
-        <p:spPr/>
-        <p:txBody>
-          <a:bodyPr/>
-          <a:lstStyle/>
-          <a:p>
-            <a:fld id="{5480F8F5-B768-441C-AF31-6EA0CB405703}" type="slidenum">
-              <a:rPr lang="en-GB" smtClean="0"/>
-              <a:t>10</a:t>
-            </a:fld>
-            <a:endParaRPr lang="en-GB"/>
-          </a:p>
-        </p:txBody>
-      </p:sp>
     </p:spTree>
     <p:extLst>
       <p:ext uri="{BB962C8B-B14F-4D97-AF65-F5344CB8AC3E}">
-        <p14:creationId xmlns:p14="http://schemas.microsoft.com/office/powerpoint/2010/main" val="785113108"/>
+        <p14:creationId xmlns:p14="http://schemas.microsoft.com/office/powerpoint/2010/main" val="768637471"/>
       </p:ext>
     </p:extLst>
   </p:cSld>
@@ -9153,7 +5336,7 @@
       </p:grpSpPr>
       <p:sp>
         <p:nvSpPr>
-          <p:cNvPr id="8" name="Titolo 7"/>
+          <p:cNvPr id="2" name="Titolo 1"/>
           <p:cNvSpPr>
             <a:spLocks noGrp="1"/>
           </p:cNvSpPr>
@@ -9163,8 +5346,8 @@
         </p:nvSpPr>
         <p:spPr>
           <a:xfrm>
-            <a:off x="1484312" y="1958082"/>
-            <a:ext cx="10018709" cy="1468800"/>
+            <a:off x="1797412" y="80889"/>
+            <a:ext cx="10018713" cy="1752599"/>
           </a:xfrm>
         </p:spPr>
         <p:txBody>
@@ -9175,49 +5358,57 @@
           <a:p>
             <a:pPr algn="ctr"/>
             <a:r>
-              <a:rPr lang="en-GB" sz="6600" dirty="0" err="1"/>
-              <a:t>Dimostrazione</a:t>
-            </a:r>
-            <a:r>
-              <a:rPr lang="en-GB" sz="6600" dirty="0"/>
+              <a:rPr lang="it-IT" sz="6000" dirty="0"/>
+              <a:t>Consuntivo</a:t>
+            </a:r>
+            <a:r>
+              <a:rPr lang="it-IT" dirty="0"/>
               <a:t> </a:t>
             </a:r>
             <a:r>
-              <a:rPr lang="en-GB" sz="6600" dirty="0" err="1"/>
-              <a:t>Prototipo</a:t>
-            </a:r>
-            <a:endParaRPr lang="en-GB" sz="6600" dirty="0"/>
-          </a:p>
-        </p:txBody>
-      </p:sp>
-      <p:sp>
-        <p:nvSpPr>
-          <p:cNvPr id="9" name="Segnaposto testo 8"/>
-          <p:cNvSpPr>
-            <a:spLocks noGrp="1"/>
-          </p:cNvSpPr>
-          <p:nvPr>
-            <p:ph type="body" idx="1"/>
+              <a:rPr lang="it-IT" sz="6000" dirty="0"/>
+              <a:t>di </a:t>
+            </a:r>
+            <a:r>
+              <a:rPr lang="it-IT" sz="6000" dirty="0" smtClean="0"/>
+              <a:t>periodo – </a:t>
+            </a:r>
+            <a:r>
+              <a:rPr lang="it-IT" sz="6000" dirty="0" smtClean="0"/>
+              <a:t>2</a:t>
+            </a:r>
+            <a:endParaRPr lang="it-IT" sz="6000" dirty="0"/>
+          </a:p>
+        </p:txBody>
+      </p:sp>
+      <p:sp>
+        <p:nvSpPr>
+          <p:cNvPr id="3" name="Segnaposto contenuto 2"/>
+          <p:cNvSpPr>
+            <a:spLocks noGrp="1"/>
+          </p:cNvSpPr>
+          <p:nvPr>
+            <p:ph idx="1"/>
           </p:nvPr>
         </p:nvSpPr>
         <p:spPr/>
         <p:txBody>
-          <a:bodyPr>
-            <a:normAutofit/>
-          </a:bodyPr>
-          <a:lstStyle/>
-          <a:p>
-            <a:pPr algn="ctr"/>
-            <a:r>
-              <a:rPr lang="en-GB" sz="3600" dirty="0"/>
-              <a:t>team404swe@gmail.com</a:t>
-            </a:r>
-          </a:p>
-        </p:txBody>
-      </p:sp>
-      <p:sp>
-        <p:nvSpPr>
-          <p:cNvPr id="3" name="Segnaposto numero diapositiva 2"/>
+          <a:bodyPr/>
+          <a:lstStyle/>
+          <a:p>
+            <a:pPr>
+              <a:buNone/>
+            </a:pPr>
+            <a:r>
+              <a:rPr lang="it-IT" dirty="0"/>
+              <a:t> </a:t>
+            </a:r>
+          </a:p>
+        </p:txBody>
+      </p:sp>
+      <p:sp>
+        <p:nvSpPr>
+          <p:cNvPr id="5" name="Segnaposto numero diapositiva 4"/>
           <p:cNvSpPr>
             <a:spLocks noGrp="1"/>
           </p:cNvSpPr>
@@ -9234,7 +5425,333 @@
               <a:rPr lang="en-GB" smtClean="0"/>
               <a:t>11</a:t>
             </a:fld>
-            <a:endParaRPr lang="en-GB"/>
+            <a:r>
+              <a:rPr lang="en-GB" dirty="0" smtClean="0"/>
+              <a:t>/13</a:t>
+            </a:r>
+            <a:endParaRPr lang="en-GB" dirty="0"/>
+          </a:p>
+        </p:txBody>
+      </p:sp>
+      <p:pic>
+        <p:nvPicPr>
+          <p:cNvPr id="4" name="Immagine 3"/>
+          <p:cNvPicPr>
+            <a:picLocks noChangeAspect="1"/>
+          </p:cNvPicPr>
+          <p:nvPr/>
+        </p:nvPicPr>
+        <p:blipFill>
+          <a:blip r:embed="rId2">
+            <a:extLst>
+              <a:ext uri="{28A0092B-C50C-407E-A947-70E740481C1C}">
+                <a14:useLocalDpi xmlns:a14="http://schemas.microsoft.com/office/drawing/2010/main" val="0"/>
+              </a:ext>
+            </a:extLst>
+          </a:blip>
+          <a:stretch>
+            <a:fillRect/>
+          </a:stretch>
+        </p:blipFill>
+        <p:spPr>
+          <a:xfrm>
+            <a:off x="2547937" y="1495425"/>
+            <a:ext cx="7248525" cy="4371975"/>
+          </a:xfrm>
+          <a:prstGeom prst="rect">
+            <a:avLst/>
+          </a:prstGeom>
+        </p:spPr>
+      </p:pic>
+    </p:spTree>
+    <p:extLst>
+      <p:ext uri="{BB962C8B-B14F-4D97-AF65-F5344CB8AC3E}">
+        <p14:creationId xmlns:p14="http://schemas.microsoft.com/office/powerpoint/2010/main" val="785113108"/>
+      </p:ext>
+    </p:extLst>
+  </p:cSld>
+  <p:clrMapOvr>
+    <a:masterClrMapping/>
+  </p:clrMapOvr>
+  <p:transition spd="slow">
+    <p:push/>
+  </p:transition>
+  <p:timing>
+    <p:tnLst>
+      <p:par>
+        <p:cTn id="1" dur="indefinite" restart="never" nodeType="tmRoot"/>
+      </p:par>
+    </p:tnLst>
+  </p:timing>
+</p:sld>
+</file>
+
+<file path=ppt/slides/slide13.xml><?xml version="1.0" encoding="utf-8"?>
+<p:sld xmlns:a="http://schemas.openxmlformats.org/drawingml/2006/main" xmlns:r="http://schemas.openxmlformats.org/officeDocument/2006/relationships" xmlns:p="http://schemas.openxmlformats.org/presentationml/2006/main">
+  <p:cSld>
+    <p:spTree>
+      <p:nvGrpSpPr>
+        <p:cNvPr id="1" name=""/>
+        <p:cNvGrpSpPr/>
+        <p:nvPr/>
+      </p:nvGrpSpPr>
+      <p:grpSpPr>
+        <a:xfrm>
+          <a:off x="0" y="0"/>
+          <a:ext cx="0" cy="0"/>
+          <a:chOff x="0" y="0"/>
+          <a:chExt cx="0" cy="0"/>
+        </a:xfrm>
+      </p:grpSpPr>
+      <p:sp>
+        <p:nvSpPr>
+          <p:cNvPr id="2" name="Titolo 1"/>
+          <p:cNvSpPr>
+            <a:spLocks noGrp="1"/>
+          </p:cNvSpPr>
+          <p:nvPr>
+            <p:ph type="title"/>
+          </p:nvPr>
+        </p:nvSpPr>
+        <p:spPr>
+          <a:xfrm>
+            <a:off x="1371600" y="80889"/>
+            <a:ext cx="10444525" cy="1752599"/>
+          </a:xfrm>
+        </p:spPr>
+        <p:txBody>
+          <a:bodyPr>
+            <a:normAutofit/>
+          </a:bodyPr>
+          <a:lstStyle/>
+          <a:p>
+            <a:pPr algn="ctr"/>
+            <a:r>
+              <a:rPr lang="it-IT" sz="6000" dirty="0"/>
+              <a:t>Consuntivo</a:t>
+            </a:r>
+            <a:r>
+              <a:rPr lang="it-IT" dirty="0"/>
+              <a:t> </a:t>
+            </a:r>
+            <a:r>
+              <a:rPr lang="it-IT" sz="6000" dirty="0" smtClean="0"/>
+              <a:t>finale</a:t>
+            </a:r>
+            <a:endParaRPr lang="it-IT" sz="6000" dirty="0"/>
+          </a:p>
+        </p:txBody>
+      </p:sp>
+      <p:sp>
+        <p:nvSpPr>
+          <p:cNvPr id="3" name="Segnaposto contenuto 2"/>
+          <p:cNvSpPr>
+            <a:spLocks noGrp="1"/>
+          </p:cNvSpPr>
+          <p:nvPr>
+            <p:ph idx="1"/>
+          </p:nvPr>
+        </p:nvSpPr>
+        <p:spPr/>
+        <p:txBody>
+          <a:bodyPr/>
+          <a:lstStyle/>
+          <a:p>
+            <a:pPr>
+              <a:buNone/>
+            </a:pPr>
+            <a:r>
+              <a:rPr lang="it-IT" dirty="0"/>
+              <a:t> </a:t>
+            </a:r>
+          </a:p>
+        </p:txBody>
+      </p:sp>
+      <p:sp>
+        <p:nvSpPr>
+          <p:cNvPr id="5" name="Segnaposto numero diapositiva 4"/>
+          <p:cNvSpPr>
+            <a:spLocks noGrp="1"/>
+          </p:cNvSpPr>
+          <p:nvPr>
+            <p:ph type="sldNum" sz="quarter" idx="12"/>
+          </p:nvPr>
+        </p:nvSpPr>
+        <p:spPr/>
+        <p:txBody>
+          <a:bodyPr/>
+          <a:lstStyle/>
+          <a:p>
+            <a:fld id="{5480F8F5-B768-441C-AF31-6EA0CB405703}" type="slidenum">
+              <a:rPr lang="en-GB" smtClean="0"/>
+              <a:t>12</a:t>
+            </a:fld>
+            <a:r>
+              <a:rPr lang="en-GB" dirty="0" smtClean="0"/>
+              <a:t>/13</a:t>
+            </a:r>
+            <a:endParaRPr lang="en-GB" dirty="0"/>
+          </a:p>
+        </p:txBody>
+      </p:sp>
+      <p:pic>
+        <p:nvPicPr>
+          <p:cNvPr id="6" name="Immagine 5"/>
+          <p:cNvPicPr>
+            <a:picLocks noChangeAspect="1"/>
+          </p:cNvPicPr>
+          <p:nvPr/>
+        </p:nvPicPr>
+        <p:blipFill>
+          <a:blip r:embed="rId2">
+            <a:extLst>
+              <a:ext uri="{28A0092B-C50C-407E-A947-70E740481C1C}">
+                <a14:useLocalDpi xmlns:a14="http://schemas.microsoft.com/office/drawing/2010/main" val="0"/>
+              </a:ext>
+            </a:extLst>
+          </a:blip>
+          <a:stretch>
+            <a:fillRect/>
+          </a:stretch>
+        </p:blipFill>
+        <p:spPr>
+          <a:xfrm>
+            <a:off x="4264999" y="1833488"/>
+            <a:ext cx="4657725" cy="3524250"/>
+          </a:xfrm>
+          <a:prstGeom prst="rect">
+            <a:avLst/>
+          </a:prstGeom>
+        </p:spPr>
+      </p:pic>
+    </p:spTree>
+    <p:extLst>
+      <p:ext uri="{BB962C8B-B14F-4D97-AF65-F5344CB8AC3E}">
+        <p14:creationId xmlns:p14="http://schemas.microsoft.com/office/powerpoint/2010/main" val="1940000841"/>
+      </p:ext>
+    </p:extLst>
+  </p:cSld>
+  <p:clrMapOvr>
+    <a:masterClrMapping/>
+  </p:clrMapOvr>
+  <p:transition spd="slow">
+    <p:push/>
+  </p:transition>
+  <p:timing>
+    <p:tnLst>
+      <p:par>
+        <p:cTn id="1" dur="indefinite" restart="never" nodeType="tmRoot"/>
+      </p:par>
+    </p:tnLst>
+  </p:timing>
+</p:sld>
+</file>
+
+<file path=ppt/slides/slide14.xml><?xml version="1.0" encoding="utf-8"?>
+<p:sld xmlns:a="http://schemas.openxmlformats.org/drawingml/2006/main" xmlns:r="http://schemas.openxmlformats.org/officeDocument/2006/relationships" xmlns:p="http://schemas.openxmlformats.org/presentationml/2006/main">
+  <p:cSld>
+    <p:spTree>
+      <p:nvGrpSpPr>
+        <p:cNvPr id="1" name=""/>
+        <p:cNvGrpSpPr/>
+        <p:nvPr/>
+      </p:nvGrpSpPr>
+      <p:grpSpPr>
+        <a:xfrm>
+          <a:off x="0" y="0"/>
+          <a:ext cx="0" cy="0"/>
+          <a:chOff x="0" y="0"/>
+          <a:chExt cx="0" cy="0"/>
+        </a:xfrm>
+      </p:grpSpPr>
+      <p:sp>
+        <p:nvSpPr>
+          <p:cNvPr id="8" name="Titolo 7"/>
+          <p:cNvSpPr>
+            <a:spLocks noGrp="1"/>
+          </p:cNvSpPr>
+          <p:nvPr>
+            <p:ph type="title"/>
+          </p:nvPr>
+        </p:nvSpPr>
+        <p:spPr>
+          <a:xfrm>
+            <a:off x="1138588" y="1958082"/>
+            <a:ext cx="10364434" cy="1468800"/>
+          </a:xfrm>
+        </p:spPr>
+        <p:txBody>
+          <a:bodyPr>
+            <a:normAutofit/>
+          </a:bodyPr>
+          <a:lstStyle/>
+          <a:p>
+            <a:pPr algn="ctr"/>
+            <a:r>
+              <a:rPr lang="en-GB" sz="6600" dirty="0" err="1" smtClean="0"/>
+              <a:t>Dimostrazione</a:t>
+            </a:r>
+            <a:r>
+              <a:rPr lang="en-GB" sz="6600" dirty="0" smtClean="0"/>
+              <a:t> </a:t>
+            </a:r>
+            <a:r>
+              <a:rPr lang="en-GB" sz="6600" dirty="0" err="1" smtClean="0"/>
+              <a:t>applicazione</a:t>
+            </a:r>
+            <a:endParaRPr lang="en-GB" sz="6600" dirty="0"/>
+          </a:p>
+        </p:txBody>
+      </p:sp>
+      <p:sp>
+        <p:nvSpPr>
+          <p:cNvPr id="9" name="Segnaposto testo 8"/>
+          <p:cNvSpPr>
+            <a:spLocks noGrp="1"/>
+          </p:cNvSpPr>
+          <p:nvPr>
+            <p:ph type="body" idx="1"/>
+          </p:nvPr>
+        </p:nvSpPr>
+        <p:spPr/>
+        <p:txBody>
+          <a:bodyPr>
+            <a:normAutofit/>
+          </a:bodyPr>
+          <a:lstStyle/>
+          <a:p>
+            <a:pPr algn="ctr"/>
+            <a:r>
+              <a:rPr lang="en-GB" sz="3600" dirty="0"/>
+              <a:t>team404swe@gmail.com</a:t>
+            </a:r>
+          </a:p>
+        </p:txBody>
+      </p:sp>
+      <p:sp>
+        <p:nvSpPr>
+          <p:cNvPr id="3" name="Segnaposto numero diapositiva 2"/>
+          <p:cNvSpPr>
+            <a:spLocks noGrp="1"/>
+          </p:cNvSpPr>
+          <p:nvPr>
+            <p:ph type="sldNum" sz="quarter" idx="12"/>
+          </p:nvPr>
+        </p:nvSpPr>
+        <p:spPr/>
+        <p:txBody>
+          <a:bodyPr/>
+          <a:lstStyle/>
+          <a:p>
+            <a:fld id="{5480F8F5-B768-441C-AF31-6EA0CB405703}" type="slidenum">
+              <a:rPr lang="en-GB" smtClean="0"/>
+              <a:t>13</a:t>
+            </a:fld>
+            <a:r>
+              <a:rPr lang="en-GB" dirty="0" smtClean="0"/>
+              <a:t>/13</a:t>
+            </a:r>
+            <a:endParaRPr lang="en-GB" dirty="0"/>
           </a:p>
         </p:txBody>
       </p:sp>
@@ -9302,8 +5819,8 @@
               <a:t> di </a:t>
             </a:r>
             <a:r>
-              <a:rPr lang="en-GB" sz="6000" dirty="0" err="1"/>
-              <a:t>Qualifica</a:t>
+              <a:rPr lang="en-GB" sz="6000" dirty="0" err="1" smtClean="0"/>
+              <a:t>Accettazione</a:t>
             </a:r>
             <a:endParaRPr lang="en-GB" sz="6000" dirty="0"/>
           </a:p>
@@ -9350,6 +5867,10 @@
               <a:rPr lang="en-GB" sz="2800" dirty="0" err="1" smtClean="0"/>
               <a:t>Requisiti</a:t>
             </a:r>
+            <a:r>
+              <a:rPr lang="en-GB" sz="2800" dirty="0" smtClean="0"/>
+              <a:t>?</a:t>
+            </a:r>
             <a:endParaRPr lang="en-GB" sz="2800" dirty="0"/>
           </a:p>
           <a:p>
@@ -9381,7 +5902,7 @@
             </a:pPr>
             <a:r>
               <a:rPr lang="en-GB" sz="2800" dirty="0" err="1" smtClean="0"/>
-              <a:t>Prova</a:t>
+              <a:t>Dimostrazione</a:t>
             </a:r>
             <a:r>
               <a:rPr lang="en-GB" sz="2800" dirty="0" smtClean="0"/>
@@ -9414,7 +5935,11 @@
               <a:rPr lang="en-GB" smtClean="0"/>
               <a:t>1</a:t>
             </a:fld>
-            <a:endParaRPr lang="en-GB"/>
+            <a:r>
+              <a:rPr lang="en-GB" dirty="0" smtClean="0"/>
+              <a:t>/13</a:t>
+            </a:r>
+            <a:endParaRPr lang="en-GB" dirty="0"/>
           </a:p>
         </p:txBody>
       </p:sp>
@@ -9587,6 +6112,33 @@
           </a:p>
         </p:txBody>
       </p:sp>
+      <p:sp>
+        <p:nvSpPr>
+          <p:cNvPr id="5" name="Segnaposto numero diapositiva 4"/>
+          <p:cNvSpPr>
+            <a:spLocks noGrp="1"/>
+          </p:cNvSpPr>
+          <p:nvPr>
+            <p:ph type="sldNum" sz="quarter" idx="12"/>
+          </p:nvPr>
+        </p:nvSpPr>
+        <p:spPr/>
+        <p:txBody>
+          <a:bodyPr/>
+          <a:lstStyle/>
+          <a:p>
+            <a:fld id="{5480F8F5-B768-441C-AF31-6EA0CB405703}" type="slidenum">
+              <a:rPr lang="en-GB" smtClean="0"/>
+              <a:t>2</a:t>
+            </a:fld>
+            <a:r>
+              <a:rPr lang="en-GB" dirty="0" smtClean="0"/>
+              <a:t>/13</a:t>
+            </a:r>
+            <a:endParaRPr lang="en-GB" dirty="0"/>
+          </a:p>
+        </p:txBody>
+      </p:sp>
       <p:pic>
         <p:nvPicPr>
           <p:cNvPr id="6" name="Immagine 5"/>
@@ -9617,29 +6169,6 @@
           </a:prstGeom>
         </p:spPr>
       </p:pic>
-      <p:sp>
-        <p:nvSpPr>
-          <p:cNvPr id="5" name="Segnaposto numero diapositiva 4"/>
-          <p:cNvSpPr>
-            <a:spLocks noGrp="1"/>
-          </p:cNvSpPr>
-          <p:nvPr>
-            <p:ph type="sldNum" sz="quarter" idx="12"/>
-          </p:nvPr>
-        </p:nvSpPr>
-        <p:spPr/>
-        <p:txBody>
-          <a:bodyPr/>
-          <a:lstStyle/>
-          <a:p>
-            <a:fld id="{5480F8F5-B768-441C-AF31-6EA0CB405703}" type="slidenum">
-              <a:rPr lang="en-GB" smtClean="0"/>
-              <a:t>2</a:t>
-            </a:fld>
-            <a:endParaRPr lang="en-GB"/>
-          </a:p>
-        </p:txBody>
-      </p:sp>
     </p:spTree>
     <p:extLst>
       <p:ext uri="{BB962C8B-B14F-4D97-AF65-F5344CB8AC3E}">
@@ -9814,6 +6343,32 @@
           </a:p>
         </p:txBody>
       </p:sp>
+      <p:sp>
+        <p:nvSpPr>
+          <p:cNvPr id="7" name="Segnaposto numero diapositiva 6"/>
+          <p:cNvSpPr>
+            <a:spLocks noGrp="1"/>
+          </p:cNvSpPr>
+          <p:nvPr>
+            <p:ph type="sldNum" sz="quarter" idx="12"/>
+          </p:nvPr>
+        </p:nvSpPr>
+        <p:spPr/>
+        <p:txBody>
+          <a:bodyPr/>
+          <a:lstStyle/>
+          <a:p>
+            <a:fld id="{5480F8F5-B768-441C-AF31-6EA0CB405703}" type="slidenum">
+              <a:rPr lang="en-GB" smtClean="0"/>
+              <a:t>3</a:t>
+            </a:fld>
+            <a:r>
+              <a:rPr lang="en-GB" dirty="0" smtClean="0"/>
+              <a:t>/13</a:t>
+            </a:r>
+          </a:p>
+        </p:txBody>
+      </p:sp>
       <p:pic>
         <p:nvPicPr>
           <p:cNvPr id="4" name="Immagine 3"/>
@@ -9844,29 +6399,6 @@
           </a:prstGeom>
         </p:spPr>
       </p:pic>
-      <p:sp>
-        <p:nvSpPr>
-          <p:cNvPr id="7" name="Segnaposto numero diapositiva 6"/>
-          <p:cNvSpPr>
-            <a:spLocks noGrp="1"/>
-          </p:cNvSpPr>
-          <p:nvPr>
-            <p:ph type="sldNum" sz="quarter" idx="12"/>
-          </p:nvPr>
-        </p:nvSpPr>
-        <p:spPr/>
-        <p:txBody>
-          <a:bodyPr/>
-          <a:lstStyle/>
-          <a:p>
-            <a:fld id="{5480F8F5-B768-441C-AF31-6EA0CB405703}" type="slidenum">
-              <a:rPr lang="en-GB" smtClean="0"/>
-              <a:t>3</a:t>
-            </a:fld>
-            <a:endParaRPr lang="en-GB"/>
-          </a:p>
-        </p:txBody>
-      </p:sp>
     </p:spTree>
     <p:extLst>
       <p:ext uri="{BB962C8B-B14F-4D97-AF65-F5344CB8AC3E}">
@@ -10020,6 +6552,32 @@
           </a:p>
         </p:txBody>
       </p:sp>
+      <p:sp>
+        <p:nvSpPr>
+          <p:cNvPr id="7" name="Segnaposto numero diapositiva 6"/>
+          <p:cNvSpPr>
+            <a:spLocks noGrp="1"/>
+          </p:cNvSpPr>
+          <p:nvPr>
+            <p:ph type="sldNum" sz="quarter" idx="12"/>
+          </p:nvPr>
+        </p:nvSpPr>
+        <p:spPr/>
+        <p:txBody>
+          <a:bodyPr/>
+          <a:lstStyle/>
+          <a:p>
+            <a:fld id="{5480F8F5-B768-441C-AF31-6EA0CB405703}" type="slidenum">
+              <a:rPr lang="en-GB" smtClean="0"/>
+              <a:t>4</a:t>
+            </a:fld>
+            <a:r>
+              <a:rPr lang="en-GB" dirty="0" smtClean="0"/>
+              <a:t>/13</a:t>
+            </a:r>
+          </a:p>
+        </p:txBody>
+      </p:sp>
       <p:pic>
         <p:nvPicPr>
           <p:cNvPr id="8" name="Immagine 7"/>
@@ -10050,29 +6608,6 @@
           </a:prstGeom>
         </p:spPr>
       </p:pic>
-      <p:sp>
-        <p:nvSpPr>
-          <p:cNvPr id="7" name="Segnaposto numero diapositiva 6"/>
-          <p:cNvSpPr>
-            <a:spLocks noGrp="1"/>
-          </p:cNvSpPr>
-          <p:nvPr>
-            <p:ph type="sldNum" sz="quarter" idx="12"/>
-          </p:nvPr>
-        </p:nvSpPr>
-        <p:spPr/>
-        <p:txBody>
-          <a:bodyPr/>
-          <a:lstStyle/>
-          <a:p>
-            <a:fld id="{5480F8F5-B768-441C-AF31-6EA0CB405703}" type="slidenum">
-              <a:rPr lang="en-GB" smtClean="0"/>
-              <a:t>4</a:t>
-            </a:fld>
-            <a:endParaRPr lang="en-GB"/>
-          </a:p>
-        </p:txBody>
-      </p:sp>
     </p:spTree>
     <p:extLst>
       <p:ext uri="{BB962C8B-B14F-4D97-AF65-F5344CB8AC3E}">
@@ -10546,6 +7081,33 @@
       </p:sp>
       <p:sp>
         <p:nvSpPr>
+          <p:cNvPr id="8" name="Segnaposto numero diapositiva 7"/>
+          <p:cNvSpPr>
+            <a:spLocks noGrp="1"/>
+          </p:cNvSpPr>
+          <p:nvPr>
+            <p:ph type="sldNum" sz="quarter" idx="12"/>
+          </p:nvPr>
+        </p:nvSpPr>
+        <p:spPr/>
+        <p:txBody>
+          <a:bodyPr/>
+          <a:lstStyle/>
+          <a:p>
+            <a:fld id="{5480F8F5-B768-441C-AF31-6EA0CB405703}" type="slidenum">
+              <a:rPr lang="en-GB" smtClean="0"/>
+              <a:t>5</a:t>
+            </a:fld>
+            <a:r>
+              <a:rPr lang="en-GB" dirty="0" smtClean="0"/>
+              <a:t>/13</a:t>
+            </a:r>
+            <a:endParaRPr lang="en-GB" dirty="0"/>
+          </a:p>
+        </p:txBody>
+      </p:sp>
+      <p:sp>
+        <p:nvSpPr>
           <p:cNvPr id="5" name="CasellaDiTesto 4"/>
           <p:cNvSpPr txBox="1"/>
           <p:nvPr/>
@@ -10676,29 +7238,6 @@
               <a:buChar char="§"/>
             </a:pPr>
             <a:endParaRPr lang="en-GB" dirty="0"/>
-          </a:p>
-        </p:txBody>
-      </p:sp>
-      <p:sp>
-        <p:nvSpPr>
-          <p:cNvPr id="8" name="Segnaposto numero diapositiva 7"/>
-          <p:cNvSpPr>
-            <a:spLocks noGrp="1"/>
-          </p:cNvSpPr>
-          <p:nvPr>
-            <p:ph type="sldNum" sz="quarter" idx="12"/>
-          </p:nvPr>
-        </p:nvSpPr>
-        <p:spPr/>
-        <p:txBody>
-          <a:bodyPr/>
-          <a:lstStyle/>
-          <a:p>
-            <a:fld id="{5480F8F5-B768-441C-AF31-6EA0CB405703}" type="slidenum">
-              <a:rPr lang="en-GB" smtClean="0"/>
-              <a:t>5</a:t>
-            </a:fld>
-            <a:endParaRPr lang="en-GB"/>
           </a:p>
         </p:txBody>
       </p:sp>
@@ -10745,17 +7284,26 @@
             <p:ph type="title"/>
           </p:nvPr>
         </p:nvSpPr>
-        <p:spPr/>
+        <p:spPr>
+          <a:xfrm>
+            <a:off x="1484310" y="52096"/>
+            <a:ext cx="10018713" cy="1752599"/>
+          </a:xfrm>
+        </p:spPr>
         <p:txBody>
           <a:bodyPr>
-            <a:normAutofit/>
+            <a:noAutofit/>
           </a:bodyPr>
           <a:lstStyle/>
           <a:p>
             <a:pPr algn="ctr"/>
             <a:r>
+              <a:rPr lang="en-GB" sz="6000" dirty="0"/>
+              <a:t>QML: </a:t>
+            </a:r>
+            <a:r>
               <a:rPr lang="en-GB" sz="6000" dirty="0" err="1" smtClean="0"/>
-              <a:t>Requisiti</a:t>
+              <a:t>Utilizzo</a:t>
             </a:r>
             <a:endParaRPr lang="en-GB" sz="6000" dirty="0"/>
           </a:p>
@@ -10763,91 +7311,458 @@
       </p:sp>
       <p:sp>
         <p:nvSpPr>
-          <p:cNvPr id="7" name="Segnaposto contenuto 6"/>
-          <p:cNvSpPr>
-            <a:spLocks noGrp="1"/>
-          </p:cNvSpPr>
-          <p:nvPr>
-            <p:ph sz="half" idx="1"/>
-          </p:nvPr>
-        </p:nvSpPr>
-        <p:spPr/>
+          <p:cNvPr id="3" name="Segnaposto contenuto 2"/>
+          <p:cNvSpPr>
+            <a:spLocks noGrp="1"/>
+          </p:cNvSpPr>
+          <p:nvPr>
+            <p:ph idx="1"/>
+          </p:nvPr>
+        </p:nvSpPr>
+        <p:spPr>
+          <a:xfrm>
+            <a:off x="1484310" y="1289352"/>
+            <a:ext cx="10018713" cy="1030685"/>
+          </a:xfrm>
+        </p:spPr>
         <p:txBody>
           <a:bodyPr/>
           <a:lstStyle/>
           <a:p>
-            <a:r>
-              <a:rPr lang="en-GB" dirty="0" err="1" smtClean="0"/>
-              <a:t>Inserire</a:t>
-            </a:r>
-            <a:r>
-              <a:rPr lang="en-GB" dirty="0" smtClean="0"/>
+            <a:pPr algn="ctr"/>
+            <a:r>
+              <a:rPr lang="en-GB" dirty="0" err="1"/>
+              <a:t>Sintassi</a:t>
+            </a:r>
+            <a:r>
+              <a:rPr lang="en-GB" dirty="0"/>
               <a:t> </a:t>
             </a:r>
             <a:r>
-              <a:rPr lang="en-GB" dirty="0" err="1" smtClean="0"/>
-              <a:t>grafico</a:t>
-            </a:r>
-            <a:r>
-              <a:rPr lang="en-GB" dirty="0" smtClean="0"/>
-              <a:t> </a:t>
-            </a:r>
-            <a:r>
-              <a:rPr lang="en-GB" dirty="0" err="1" smtClean="0"/>
-              <a:t>requisiti</a:t>
-            </a:r>
-            <a:r>
-              <a:rPr lang="en-GB" dirty="0" smtClean="0"/>
-              <a:t> qui</a:t>
-            </a:r>
-            <a:endParaRPr lang="it-IT" dirty="0"/>
-          </a:p>
-        </p:txBody>
-      </p:sp>
-      <p:sp>
-        <p:nvSpPr>
-          <p:cNvPr id="8" name="Segnaposto contenuto 7"/>
-          <p:cNvSpPr>
-            <a:spLocks noGrp="1"/>
-          </p:cNvSpPr>
-          <p:nvPr>
-            <p:ph sz="half" idx="2"/>
-          </p:nvPr>
-        </p:nvSpPr>
-        <p:spPr/>
-        <p:txBody>
-          <a:bodyPr/>
-          <a:lstStyle/>
-          <a:p>
-            <a:r>
-              <a:rPr lang="it-IT" dirty="0" smtClean="0"/>
-              <a:t>X% dei requisiti obbligatori soddisfatti</a:t>
-            </a:r>
-          </a:p>
-          <a:p>
-            <a:endParaRPr lang="it-IT" dirty="0" smtClean="0"/>
-          </a:p>
-          <a:p>
-            <a:r>
-              <a:rPr lang="it-IT" dirty="0" smtClean="0"/>
-              <a:t>X% dei requisiti desiderabili soddisfatti</a:t>
-            </a:r>
-          </a:p>
-          <a:p>
-            <a:endParaRPr lang="it-IT" dirty="0" smtClean="0"/>
-          </a:p>
-          <a:p>
-            <a:r>
-              <a:rPr lang="it-IT" dirty="0" smtClean="0"/>
-              <a:t>X% dei requisiti facoltativi soddisfatti</a:t>
-            </a:r>
-            <a:endParaRPr lang="it-IT" dirty="0"/>
-          </a:p>
-        </p:txBody>
-      </p:sp>
-      <p:sp>
-        <p:nvSpPr>
-          <p:cNvPr id="6" name="Segnaposto numero diapositiva 5"/>
+              <a:rPr lang="en-GB" dirty="0" err="1"/>
+              <a:t>apposita</a:t>
+            </a:r>
+            <a:r>
+              <a:rPr lang="en-GB" dirty="0"/>
+              <a:t> per la </a:t>
+            </a:r>
+            <a:r>
+              <a:rPr lang="en-GB" dirty="0" err="1"/>
+              <a:t>definizione</a:t>
+            </a:r>
+            <a:r>
+              <a:rPr lang="en-GB" dirty="0"/>
+              <a:t> di </a:t>
+            </a:r>
+            <a:r>
+              <a:rPr lang="en-GB" dirty="0" err="1"/>
+              <a:t>domande</a:t>
+            </a:r>
+            <a:endParaRPr lang="en-GB" dirty="0"/>
+          </a:p>
+          <a:p>
+            <a:pPr algn="ctr"/>
+            <a:r>
+              <a:rPr lang="en-GB" dirty="0"/>
+              <a:t>Come </a:t>
+            </a:r>
+            <a:r>
+              <a:rPr lang="en-GB" dirty="0" err="1"/>
+              <a:t>funziona</a:t>
+            </a:r>
+            <a:r>
+              <a:rPr lang="en-GB" dirty="0"/>
+              <a:t>?</a:t>
+            </a:r>
+          </a:p>
+          <a:p>
+            <a:endParaRPr lang="en-GB" dirty="0"/>
+          </a:p>
+        </p:txBody>
+      </p:sp>
+      <p:pic>
+        <p:nvPicPr>
+          <p:cNvPr id="5" name="Immagine 4"/>
+          <p:cNvPicPr>
+            <a:picLocks noChangeAspect="1"/>
+          </p:cNvPicPr>
+          <p:nvPr/>
+        </p:nvPicPr>
+        <p:blipFill>
+          <a:blip r:embed="rId3">
+            <a:extLst>
+              <a:ext uri="{28A0092B-C50C-407E-A947-70E740481C1C}">
+                <a14:useLocalDpi xmlns:a14="http://schemas.microsoft.com/office/drawing/2010/main" val="0"/>
+              </a:ext>
+            </a:extLst>
+          </a:blip>
+          <a:stretch>
+            <a:fillRect/>
+          </a:stretch>
+        </p:blipFill>
+        <p:spPr>
+          <a:xfrm>
+            <a:off x="1874748" y="3209051"/>
+            <a:ext cx="1563189" cy="1339132"/>
+          </a:xfrm>
+          <a:prstGeom prst="rect">
+            <a:avLst/>
+          </a:prstGeom>
+        </p:spPr>
+      </p:pic>
+      <p:sp>
+        <p:nvSpPr>
+          <p:cNvPr id="6" name="Freccia a destra 5"/>
+          <p:cNvSpPr/>
+          <p:nvPr/>
+        </p:nvSpPr>
+        <p:spPr>
+          <a:xfrm>
+            <a:off x="3840992" y="3733829"/>
+            <a:ext cx="1083212" cy="393896"/>
+          </a:xfrm>
+          <a:prstGeom prst="rightArrow">
+            <a:avLst/>
+          </a:prstGeom>
+        </p:spPr>
+        <p:style>
+          <a:lnRef idx="2">
+            <a:schemeClr val="accent1">
+              <a:shade val="50000"/>
+            </a:schemeClr>
+          </a:lnRef>
+          <a:fillRef idx="1">
+            <a:schemeClr val="accent1"/>
+          </a:fillRef>
+          <a:effectRef idx="0">
+            <a:schemeClr val="accent1"/>
+          </a:effectRef>
+          <a:fontRef idx="minor">
+            <a:schemeClr val="lt1"/>
+          </a:fontRef>
+        </p:style>
+        <p:txBody>
+          <a:bodyPr rtlCol="0" anchor="ctr"/>
+          <a:lstStyle/>
+          <a:p>
+            <a:pPr algn="ctr"/>
+            <a:endParaRPr lang="en-GB"/>
+          </a:p>
+        </p:txBody>
+      </p:sp>
+      <p:pic>
+        <p:nvPicPr>
+          <p:cNvPr id="7" name="Immagine 6"/>
+          <p:cNvPicPr>
+            <a:picLocks noChangeAspect="1"/>
+          </p:cNvPicPr>
+          <p:nvPr/>
+        </p:nvPicPr>
+        <p:blipFill>
+          <a:blip r:embed="rId4">
+            <a:extLst>
+              <a:ext uri="{28A0092B-C50C-407E-A947-70E740481C1C}">
+                <a14:useLocalDpi xmlns:a14="http://schemas.microsoft.com/office/drawing/2010/main" val="0"/>
+              </a:ext>
+            </a:extLst>
+          </a:blip>
+          <a:stretch>
+            <a:fillRect/>
+          </a:stretch>
+        </p:blipFill>
+        <p:spPr>
+          <a:xfrm>
+            <a:off x="5206220" y="3109994"/>
+            <a:ext cx="2950029" cy="1791089"/>
+          </a:xfrm>
+          <a:prstGeom prst="rect">
+            <a:avLst/>
+          </a:prstGeom>
+        </p:spPr>
+      </p:pic>
+      <p:sp>
+        <p:nvSpPr>
+          <p:cNvPr id="8" name="Freccia a destra 7"/>
+          <p:cNvSpPr/>
+          <p:nvPr/>
+        </p:nvSpPr>
+        <p:spPr>
+          <a:xfrm rot="1775288">
+            <a:off x="8390525" y="4426678"/>
+            <a:ext cx="1083212" cy="393896"/>
+          </a:xfrm>
+          <a:prstGeom prst="rightArrow">
+            <a:avLst/>
+          </a:prstGeom>
+        </p:spPr>
+        <p:style>
+          <a:lnRef idx="2">
+            <a:schemeClr val="accent1">
+              <a:shade val="50000"/>
+            </a:schemeClr>
+          </a:lnRef>
+          <a:fillRef idx="1">
+            <a:schemeClr val="accent1"/>
+          </a:fillRef>
+          <a:effectRef idx="0">
+            <a:schemeClr val="accent1"/>
+          </a:effectRef>
+          <a:fontRef idx="minor">
+            <a:schemeClr val="lt1"/>
+          </a:fontRef>
+        </p:style>
+        <p:txBody>
+          <a:bodyPr rtlCol="0" anchor="ctr"/>
+          <a:lstStyle/>
+          <a:p>
+            <a:pPr algn="ctr"/>
+            <a:endParaRPr lang="en-GB"/>
+          </a:p>
+        </p:txBody>
+      </p:sp>
+      <p:sp>
+        <p:nvSpPr>
+          <p:cNvPr id="9" name="Freccia a destra 8"/>
+          <p:cNvSpPr/>
+          <p:nvPr/>
+        </p:nvSpPr>
+        <p:spPr>
+          <a:xfrm rot="19673151">
+            <a:off x="8358315" y="3547730"/>
+            <a:ext cx="1083212" cy="393896"/>
+          </a:xfrm>
+          <a:prstGeom prst="rightArrow">
+            <a:avLst/>
+          </a:prstGeom>
+        </p:spPr>
+        <p:style>
+          <a:lnRef idx="2">
+            <a:schemeClr val="accent1">
+              <a:shade val="50000"/>
+            </a:schemeClr>
+          </a:lnRef>
+          <a:fillRef idx="1">
+            <a:schemeClr val="accent1"/>
+          </a:fillRef>
+          <a:effectRef idx="0">
+            <a:schemeClr val="accent1"/>
+          </a:effectRef>
+          <a:fontRef idx="minor">
+            <a:schemeClr val="lt1"/>
+          </a:fontRef>
+        </p:style>
+        <p:txBody>
+          <a:bodyPr rtlCol="0" anchor="ctr"/>
+          <a:lstStyle/>
+          <a:p>
+            <a:pPr algn="ctr"/>
+            <a:endParaRPr lang="en-GB"/>
+          </a:p>
+        </p:txBody>
+      </p:sp>
+      <p:pic>
+        <p:nvPicPr>
+          <p:cNvPr id="12" name="Immagine 11"/>
+          <p:cNvPicPr>
+            <a:picLocks noChangeAspect="1"/>
+          </p:cNvPicPr>
+          <p:nvPr/>
+        </p:nvPicPr>
+        <p:blipFill>
+          <a:blip r:embed="rId5">
+            <a:extLst>
+              <a:ext uri="{28A0092B-C50C-407E-A947-70E740481C1C}">
+                <a14:useLocalDpi xmlns:a14="http://schemas.microsoft.com/office/drawing/2010/main" val="0"/>
+              </a:ext>
+            </a:extLst>
+          </a:blip>
+          <a:stretch>
+            <a:fillRect/>
+          </a:stretch>
+        </p:blipFill>
+        <p:spPr>
+          <a:xfrm>
+            <a:off x="9806334" y="2676650"/>
+            <a:ext cx="1068028" cy="1068028"/>
+          </a:xfrm>
+          <a:prstGeom prst="rect">
+            <a:avLst/>
+          </a:prstGeom>
+        </p:spPr>
+      </p:pic>
+      <p:pic>
+        <p:nvPicPr>
+          <p:cNvPr id="13" name="Immagine 12"/>
+          <p:cNvPicPr>
+            <a:picLocks noChangeAspect="1"/>
+          </p:cNvPicPr>
+          <p:nvPr/>
+        </p:nvPicPr>
+        <p:blipFill>
+          <a:blip r:embed="rId6">
+            <a:extLst>
+              <a:ext uri="{28A0092B-C50C-407E-A947-70E740481C1C}">
+                <a14:useLocalDpi xmlns:a14="http://schemas.microsoft.com/office/drawing/2010/main" val="0"/>
+              </a:ext>
+            </a:extLst>
+          </a:blip>
+          <a:stretch>
+            <a:fillRect/>
+          </a:stretch>
+        </p:blipFill>
+        <p:spPr>
+          <a:xfrm>
+            <a:off x="9806334" y="4623626"/>
+            <a:ext cx="1390709" cy="1709888"/>
+          </a:xfrm>
+          <a:prstGeom prst="rect">
+            <a:avLst/>
+          </a:prstGeom>
+        </p:spPr>
+      </p:pic>
+      <p:sp>
+        <p:nvSpPr>
+          <p:cNvPr id="14" name="Freccia a destra 13"/>
+          <p:cNvSpPr/>
+          <p:nvPr/>
+        </p:nvSpPr>
+        <p:spPr>
+          <a:xfrm rot="10800000">
+            <a:off x="8284038" y="5670183"/>
+            <a:ext cx="1083212" cy="393896"/>
+          </a:xfrm>
+          <a:prstGeom prst="rightArrow">
+            <a:avLst/>
+          </a:prstGeom>
+        </p:spPr>
+        <p:style>
+          <a:lnRef idx="2">
+            <a:schemeClr val="accent1">
+              <a:shade val="50000"/>
+            </a:schemeClr>
+          </a:lnRef>
+          <a:fillRef idx="1">
+            <a:schemeClr val="accent1"/>
+          </a:fillRef>
+          <a:effectRef idx="0">
+            <a:schemeClr val="accent1"/>
+          </a:effectRef>
+          <a:fontRef idx="minor">
+            <a:schemeClr val="lt1"/>
+          </a:fontRef>
+        </p:style>
+        <p:txBody>
+          <a:bodyPr rtlCol="0" anchor="ctr"/>
+          <a:lstStyle/>
+          <a:p>
+            <a:pPr algn="ctr"/>
+            <a:endParaRPr lang="en-GB"/>
+          </a:p>
+        </p:txBody>
+      </p:sp>
+      <p:pic>
+        <p:nvPicPr>
+          <p:cNvPr id="15" name="Immagine 14"/>
+          <p:cNvPicPr>
+            <a:picLocks noChangeAspect="1"/>
+          </p:cNvPicPr>
+          <p:nvPr/>
+        </p:nvPicPr>
+        <p:blipFill>
+          <a:blip r:embed="rId7">
+            <a:extLst>
+              <a:ext uri="{28A0092B-C50C-407E-A947-70E740481C1C}">
+                <a14:useLocalDpi xmlns:a14="http://schemas.microsoft.com/office/drawing/2010/main" val="0"/>
+              </a:ext>
+            </a:extLst>
+          </a:blip>
+          <a:stretch>
+            <a:fillRect/>
+          </a:stretch>
+        </p:blipFill>
+        <p:spPr>
+          <a:xfrm>
+            <a:off x="6713708" y="5234956"/>
+            <a:ext cx="1264350" cy="1264350"/>
+          </a:xfrm>
+          <a:prstGeom prst="rect">
+            <a:avLst/>
+          </a:prstGeom>
+        </p:spPr>
+      </p:pic>
+      <p:sp>
+        <p:nvSpPr>
+          <p:cNvPr id="16" name="Freccia a destra 15"/>
+          <p:cNvSpPr/>
+          <p:nvPr/>
+        </p:nvSpPr>
+        <p:spPr>
+          <a:xfrm rot="10800000">
+            <a:off x="5191412" y="5655797"/>
+            <a:ext cx="1083212" cy="393896"/>
+          </a:xfrm>
+          <a:prstGeom prst="rightArrow">
+            <a:avLst/>
+          </a:prstGeom>
+        </p:spPr>
+        <p:style>
+          <a:lnRef idx="2">
+            <a:schemeClr val="accent1">
+              <a:shade val="50000"/>
+            </a:schemeClr>
+          </a:lnRef>
+          <a:fillRef idx="1">
+            <a:schemeClr val="accent1"/>
+          </a:fillRef>
+          <a:effectRef idx="0">
+            <a:schemeClr val="accent1"/>
+          </a:effectRef>
+          <a:fontRef idx="minor">
+            <a:schemeClr val="lt1"/>
+          </a:fontRef>
+        </p:style>
+        <p:txBody>
+          <a:bodyPr rtlCol="0" anchor="ctr"/>
+          <a:lstStyle/>
+          <a:p>
+            <a:pPr algn="ctr"/>
+            <a:endParaRPr lang="en-GB"/>
+          </a:p>
+        </p:txBody>
+      </p:sp>
+      <p:pic>
+        <p:nvPicPr>
+          <p:cNvPr id="17" name="Immagine 16"/>
+          <p:cNvPicPr>
+            <a:picLocks noChangeAspect="1"/>
+          </p:cNvPicPr>
+          <p:nvPr/>
+        </p:nvPicPr>
+        <p:blipFill>
+          <a:blip r:embed="rId8">
+            <a:extLst>
+              <a:ext uri="{28A0092B-C50C-407E-A947-70E740481C1C}">
+                <a14:useLocalDpi xmlns:a14="http://schemas.microsoft.com/office/drawing/2010/main" val="0"/>
+              </a:ext>
+            </a:extLst>
+          </a:blip>
+          <a:stretch>
+            <a:fillRect/>
+          </a:stretch>
+        </p:blipFill>
+        <p:spPr>
+          <a:xfrm>
+            <a:off x="2397668" y="5218398"/>
+            <a:ext cx="2574201" cy="1268693"/>
+          </a:xfrm>
+          <a:prstGeom prst="rect">
+            <a:avLst/>
+          </a:prstGeom>
+        </p:spPr>
+      </p:pic>
+      <p:sp>
+        <p:nvSpPr>
+          <p:cNvPr id="4" name="Segnaposto numero diapositiva 3"/>
           <p:cNvSpPr>
             <a:spLocks noGrp="1"/>
           </p:cNvSpPr>
@@ -10864,14 +7779,18 @@
               <a:rPr lang="en-GB" smtClean="0"/>
               <a:t>6</a:t>
             </a:fld>
-            <a:endParaRPr lang="en-GB"/>
+            <a:r>
+              <a:rPr lang="en-GB" dirty="0" smtClean="0"/>
+              <a:t>/13</a:t>
+            </a:r>
+            <a:endParaRPr lang="en-GB" dirty="0"/>
           </a:p>
         </p:txBody>
       </p:sp>
     </p:spTree>
     <p:extLst>
       <p:ext uri="{BB962C8B-B14F-4D97-AF65-F5344CB8AC3E}">
-        <p14:creationId xmlns:p14="http://schemas.microsoft.com/office/powerpoint/2010/main" val="1442786980"/>
+        <p14:creationId xmlns:p14="http://schemas.microsoft.com/office/powerpoint/2010/main" val="340898812"/>
       </p:ext>
     </p:extLst>
   </p:cSld>
@@ -10911,12 +7830,7 @@
             <p:ph type="title"/>
           </p:nvPr>
         </p:nvSpPr>
-        <p:spPr>
-          <a:xfrm>
-            <a:off x="1484310" y="179363"/>
-            <a:ext cx="10018713" cy="1017653"/>
-          </a:xfrm>
-        </p:spPr>
+        <p:spPr/>
         <p:txBody>
           <a:bodyPr>
             <a:normAutofit/>
@@ -10925,118 +7839,97 @@
           <a:p>
             <a:pPr algn="ctr"/>
             <a:r>
-              <a:rPr lang="en-GB" sz="6000" dirty="0"/>
-              <a:t>Test</a:t>
-            </a:r>
-          </a:p>
-        </p:txBody>
-      </p:sp>
-      <p:sp>
-        <p:nvSpPr>
-          <p:cNvPr id="3" name="Segnaposto contenuto 2"/>
-          <p:cNvSpPr>
-            <a:spLocks noGrp="1"/>
-          </p:cNvSpPr>
-          <p:nvPr>
-            <p:ph idx="1"/>
-          </p:nvPr>
-        </p:nvSpPr>
-        <p:spPr>
-          <a:xfrm>
-            <a:off x="1484310" y="1197016"/>
-            <a:ext cx="10018713" cy="3124201"/>
-          </a:xfrm>
-        </p:spPr>
-        <p:txBody>
-          <a:bodyPr>
-            <a:normAutofit/>
-          </a:bodyPr>
-          <a:lstStyle/>
-          <a:p>
-            <a:r>
-              <a:rPr lang="en-GB" sz="3200" dirty="0" err="1"/>
-              <a:t>Strumento</a:t>
-            </a:r>
-            <a:r>
-              <a:rPr lang="en-GB" sz="3200" dirty="0"/>
-              <a:t> per I test </a:t>
-            </a:r>
-            <a:r>
-              <a:rPr lang="en-GB" sz="3200" dirty="0" err="1"/>
-              <a:t>d’unità</a:t>
-            </a:r>
-            <a:r>
-              <a:rPr lang="en-GB" sz="3200" dirty="0"/>
-              <a:t>: Jasmine</a:t>
-            </a:r>
-          </a:p>
-          <a:p>
-            <a:r>
-              <a:rPr lang="en-GB" sz="3200" dirty="0"/>
-              <a:t>Framework open source per la </a:t>
-            </a:r>
-            <a:r>
-              <a:rPr lang="en-GB" sz="3200" dirty="0" err="1"/>
-              <a:t>progettazione</a:t>
-            </a:r>
-            <a:r>
-              <a:rPr lang="en-GB" sz="3200" dirty="0"/>
+              <a:rPr lang="en-GB" sz="6000" dirty="0" err="1" smtClean="0"/>
+              <a:t>Requisiti</a:t>
+            </a:r>
+            <a:endParaRPr lang="en-GB" sz="6000" dirty="0"/>
+          </a:p>
+        </p:txBody>
+      </p:sp>
+      <p:sp>
+        <p:nvSpPr>
+          <p:cNvPr id="7" name="Segnaposto contenuto 6"/>
+          <p:cNvSpPr>
+            <a:spLocks noGrp="1"/>
+          </p:cNvSpPr>
+          <p:nvPr>
+            <p:ph sz="half" idx="1"/>
+          </p:nvPr>
+        </p:nvSpPr>
+        <p:spPr/>
+        <p:txBody>
+          <a:bodyPr/>
+          <a:lstStyle/>
+          <a:p>
+            <a:r>
+              <a:rPr lang="en-GB" dirty="0" err="1" smtClean="0"/>
+              <a:t>Inserire</a:t>
+            </a:r>
+            <a:r>
+              <a:rPr lang="en-GB" dirty="0" smtClean="0"/>
               <a:t> </a:t>
             </a:r>
             <a:r>
-              <a:rPr lang="en-GB" sz="3200" dirty="0" err="1"/>
-              <a:t>ed</a:t>
-            </a:r>
-            <a:r>
-              <a:rPr lang="en-GB" sz="3200" dirty="0"/>
+              <a:rPr lang="en-GB" dirty="0" err="1" smtClean="0"/>
+              <a:t>grafico</a:t>
+            </a:r>
+            <a:r>
+              <a:rPr lang="en-GB" dirty="0" smtClean="0"/>
               <a:t> </a:t>
             </a:r>
             <a:r>
-              <a:rPr lang="en-GB" sz="3200" dirty="0" err="1"/>
-              <a:t>esecuzione</a:t>
-            </a:r>
-            <a:r>
-              <a:rPr lang="en-GB" sz="3200" dirty="0"/>
-              <a:t> di test per </a:t>
-            </a:r>
-            <a:r>
-              <a:rPr lang="en-GB" sz="3200" dirty="0" err="1"/>
-              <a:t>Javascript</a:t>
-            </a:r>
-            <a:endParaRPr lang="en-GB" sz="3200" dirty="0"/>
-          </a:p>
-        </p:txBody>
-      </p:sp>
-      <p:pic>
-        <p:nvPicPr>
-          <p:cNvPr id="5" name="Immagine 4"/>
-          <p:cNvPicPr>
-            <a:picLocks noChangeAspect="1"/>
-          </p:cNvPicPr>
-          <p:nvPr/>
-        </p:nvPicPr>
-        <p:blipFill>
-          <a:blip r:embed="rId2">
-            <a:extLst>
-              <a:ext uri="{28A0092B-C50C-407E-A947-70E740481C1C}">
-                <a14:useLocalDpi xmlns:a14="http://schemas.microsoft.com/office/drawing/2010/main" val="0"/>
-              </a:ext>
-            </a:extLst>
-          </a:blip>
-          <a:stretch>
-            <a:fillRect/>
-          </a:stretch>
-        </p:blipFill>
-        <p:spPr>
-          <a:xfrm>
-            <a:off x="2450494" y="3376023"/>
-            <a:ext cx="8086343" cy="1718151"/>
-          </a:xfrm>
-          <a:prstGeom prst="rect">
-            <a:avLst/>
-          </a:prstGeom>
-        </p:spPr>
-      </p:pic>
+              <a:rPr lang="en-GB" dirty="0" err="1" smtClean="0"/>
+              <a:t>requisiti</a:t>
+            </a:r>
+            <a:r>
+              <a:rPr lang="en-GB" dirty="0" smtClean="0"/>
+              <a:t> qui</a:t>
+            </a:r>
+            <a:endParaRPr lang="it-IT" dirty="0"/>
+          </a:p>
+        </p:txBody>
+      </p:sp>
+      <p:sp>
+        <p:nvSpPr>
+          <p:cNvPr id="8" name="Segnaposto contenuto 7"/>
+          <p:cNvSpPr>
+            <a:spLocks noGrp="1"/>
+          </p:cNvSpPr>
+          <p:nvPr>
+            <p:ph sz="half" idx="2"/>
+          </p:nvPr>
+        </p:nvSpPr>
+        <p:spPr/>
+        <p:txBody>
+          <a:bodyPr/>
+          <a:lstStyle/>
+          <a:p>
+            <a:r>
+              <a:rPr lang="it-IT" dirty="0" smtClean="0"/>
+              <a:t>X% dei requisiti obbligatori soddisfatti</a:t>
+            </a:r>
+          </a:p>
+          <a:p>
+            <a:endParaRPr lang="it-IT" dirty="0" smtClean="0"/>
+          </a:p>
+          <a:p>
+            <a:r>
+              <a:rPr lang="it-IT" dirty="0" smtClean="0"/>
+              <a:t>X% dei requisiti desiderabili soddisfatti</a:t>
+            </a:r>
+          </a:p>
+          <a:p>
+            <a:endParaRPr lang="it-IT" dirty="0" smtClean="0"/>
+          </a:p>
+          <a:p>
+            <a:r>
+              <a:rPr lang="it-IT" dirty="0" smtClean="0"/>
+              <a:t>X% dei requisiti facoltativi soddisfatti</a:t>
+            </a:r>
+            <a:endParaRPr lang="it-IT" dirty="0"/>
+          </a:p>
+        </p:txBody>
+      </p:sp>
       <p:sp>
         <p:nvSpPr>
           <p:cNvPr id="6" name="Segnaposto numero diapositiva 5"/>
@@ -11056,14 +7949,18 @@
               <a:rPr lang="en-GB" smtClean="0"/>
               <a:t>7</a:t>
             </a:fld>
-            <a:endParaRPr lang="en-GB"/>
+            <a:r>
+              <a:rPr lang="en-GB" dirty="0" smtClean="0"/>
+              <a:t>/13</a:t>
+            </a:r>
+            <a:endParaRPr lang="en-GB" dirty="0"/>
           </a:p>
         </p:txBody>
       </p:sp>
     </p:spTree>
     <p:extLst>
       <p:ext uri="{BB962C8B-B14F-4D97-AF65-F5344CB8AC3E}">
-        <p14:creationId xmlns:p14="http://schemas.microsoft.com/office/powerpoint/2010/main" val="427003261"/>
+        <p14:creationId xmlns:p14="http://schemas.microsoft.com/office/powerpoint/2010/main" val="1442786980"/>
       </p:ext>
     </p:extLst>
   </p:cSld>
@@ -11105,8 +8002,8 @@
         </p:nvSpPr>
         <p:spPr>
           <a:xfrm>
-            <a:off x="1484310" y="169198"/>
-            <a:ext cx="10018713" cy="1752599"/>
+            <a:off x="1484310" y="179363"/>
+            <a:ext cx="10018713" cy="1017653"/>
           </a:xfrm>
         </p:spPr>
         <p:txBody>
@@ -11117,23 +8014,16 @@
           <a:p>
             <a:pPr algn="ctr"/>
             <a:r>
-              <a:rPr lang="en-GB" sz="6000" dirty="0" err="1" smtClean="0"/>
-              <a:t>Risultati</a:t>
-            </a:r>
-            <a:r>
               <a:rPr lang="en-GB" sz="6000" dirty="0" smtClean="0"/>
-              <a:t> </a:t>
-            </a:r>
-            <a:r>
-              <a:rPr lang="en-GB" sz="6000" dirty="0"/>
-              <a:t>test</a:t>
-            </a:r>
-          </a:p>
-        </p:txBody>
-      </p:sp>
-      <p:sp>
-        <p:nvSpPr>
-          <p:cNvPr id="4" name="Segnaposto numero diapositiva 3"/>
+              <a:t>Test - 1</a:t>
+            </a:r>
+            <a:endParaRPr lang="en-GB" sz="6000" dirty="0"/>
+          </a:p>
+        </p:txBody>
+      </p:sp>
+      <p:sp>
+        <p:nvSpPr>
+          <p:cNvPr id="6" name="Segnaposto numero diapositiva 5"/>
           <p:cNvSpPr>
             <a:spLocks noGrp="1"/>
           </p:cNvSpPr>
@@ -11150,28 +8040,38 @@
               <a:rPr lang="en-GB" smtClean="0"/>
               <a:t>8</a:t>
             </a:fld>
-            <a:endParaRPr lang="en-GB"/>
+            <a:r>
+              <a:rPr lang="en-GB" dirty="0" smtClean="0"/>
+              <a:t>/13</a:t>
+            </a:r>
+            <a:endParaRPr lang="en-GB" dirty="0"/>
           </a:p>
         </p:txBody>
       </p:sp>
       <p:pic>
         <p:nvPicPr>
-          <p:cNvPr id="7" name="Immagine 6"/>
+          <p:cNvPr id="8" name="Immagine 7"/>
           <p:cNvPicPr>
             <a:picLocks noChangeAspect="1"/>
           </p:cNvPicPr>
           <p:nvPr/>
         </p:nvPicPr>
         <p:blipFill>
-          <a:blip r:embed="rId2"/>
+          <a:blip r:embed="rId2">
+            <a:extLst>
+              <a:ext uri="{28A0092B-C50C-407E-A947-70E740481C1C}">
+                <a14:useLocalDpi xmlns:a14="http://schemas.microsoft.com/office/drawing/2010/main" val="0"/>
+              </a:ext>
+            </a:extLst>
+          </a:blip>
           <a:stretch>
             <a:fillRect/>
           </a:stretch>
         </p:blipFill>
         <p:spPr>
           <a:xfrm>
-            <a:off x="2950366" y="1485329"/>
-            <a:ext cx="7086600" cy="3784600"/>
+            <a:off x="2739782" y="1548709"/>
+            <a:ext cx="7531100" cy="4038600"/>
           </a:xfrm>
           <a:prstGeom prst="rect">
             <a:avLst/>
@@ -11181,7 +8081,7 @@
     </p:spTree>
     <p:extLst>
       <p:ext uri="{BB962C8B-B14F-4D97-AF65-F5344CB8AC3E}">
-        <p14:creationId xmlns:p14="http://schemas.microsoft.com/office/powerpoint/2010/main" val="1457368695"/>
+        <p14:creationId xmlns:p14="http://schemas.microsoft.com/office/powerpoint/2010/main" val="427003261"/>
       </p:ext>
     </p:extLst>
   </p:cSld>
@@ -11195,204 +8095,6 @@
 </file>
 
 <file path=ppt/theme/theme1.xml><?xml version="1.0" encoding="utf-8"?>
-<a:theme xmlns:a="http://schemas.openxmlformats.org/drawingml/2006/main" name="1_Ritaglio">
-  <a:themeElements>
-    <a:clrScheme name="Ritaglio">
-      <a:dk1>
-        <a:sysClr val="windowText" lastClr="000000"/>
-      </a:dk1>
-      <a:lt1>
-        <a:sysClr val="window" lastClr="FFFFFF"/>
-      </a:lt1>
-      <a:dk2>
-        <a:srgbClr val="1A2E40"/>
-      </a:dk2>
-      <a:lt2>
-        <a:srgbClr val="EBE7DD"/>
-      </a:lt2>
-      <a:accent1>
-        <a:srgbClr val="69A1AB"/>
-      </a:accent1>
-      <a:accent2>
-        <a:srgbClr val="F2C418"/>
-      </a:accent2>
-      <a:accent3>
-        <a:srgbClr val="87492C"/>
-      </a:accent3>
-      <a:accent4>
-        <a:srgbClr val="4A845E"/>
-      </a:accent4>
-      <a:accent5>
-        <a:srgbClr val="DC9528"/>
-      </a:accent5>
-      <a:accent6>
-        <a:srgbClr val="9A5D78"/>
-      </a:accent6>
-      <a:hlink>
-        <a:srgbClr val="66C8E3"/>
-      </a:hlink>
-      <a:folHlink>
-        <a:srgbClr val="B162A1"/>
-      </a:folHlink>
-    </a:clrScheme>
-    <a:fontScheme name="Ritaglio">
-      <a:majorFont>
-        <a:latin typeface="Franklin Gothic Book" panose="020B0503020102020204"/>
-        <a:ea typeface=""/>
-        <a:cs typeface=""/>
-      </a:majorFont>
-      <a:minorFont>
-        <a:latin typeface="Franklin Gothic Book" panose="020B0503020102020204"/>
-        <a:ea typeface=""/>
-        <a:cs typeface=""/>
-      </a:minorFont>
-    </a:fontScheme>
-    <a:fmtScheme name="Ritaglio">
-      <a:fillStyleLst>
-        <a:solidFill>
-          <a:schemeClr val="phClr"/>
-        </a:solidFill>
-        <a:gradFill rotWithShape="1">
-          <a:gsLst>
-            <a:gs pos="0">
-              <a:schemeClr val="phClr">
-                <a:tint val="67000"/>
-                <a:satMod val="105000"/>
-                <a:lumMod val="110000"/>
-              </a:schemeClr>
-            </a:gs>
-            <a:gs pos="50000">
-              <a:schemeClr val="phClr">
-                <a:tint val="73000"/>
-                <a:satMod val="103000"/>
-                <a:lumMod val="105000"/>
-              </a:schemeClr>
-            </a:gs>
-            <a:gs pos="100000">
-              <a:schemeClr val="phClr">
-                <a:tint val="81000"/>
-                <a:satMod val="109000"/>
-                <a:lumMod val="105000"/>
-              </a:schemeClr>
-            </a:gs>
-          </a:gsLst>
-          <a:lin ang="5400000" scaled="0"/>
-        </a:gradFill>
-        <a:gradFill rotWithShape="1">
-          <a:gsLst>
-            <a:gs pos="0">
-              <a:schemeClr val="phClr">
-                <a:tint val="94000"/>
-                <a:satMod val="103000"/>
-                <a:lumMod val="102000"/>
-              </a:schemeClr>
-            </a:gs>
-            <a:gs pos="50000">
-              <a:schemeClr val="phClr">
-                <a:shade val="100000"/>
-                <a:satMod val="110000"/>
-                <a:lumMod val="100000"/>
-              </a:schemeClr>
-            </a:gs>
-            <a:gs pos="100000">
-              <a:schemeClr val="phClr">
-                <a:shade val="78000"/>
-                <a:satMod val="120000"/>
-                <a:lumMod val="99000"/>
-              </a:schemeClr>
-            </a:gs>
-          </a:gsLst>
-          <a:lin ang="5400000" scaled="0"/>
-        </a:gradFill>
-      </a:fillStyleLst>
-      <a:lnStyleLst>
-        <a:ln w="6350" cap="flat" cmpd="sng" algn="in">
-          <a:solidFill>
-            <a:schemeClr val="phClr"/>
-          </a:solidFill>
-          <a:prstDash val="solid"/>
-        </a:ln>
-        <a:ln w="34925" cap="flat" cmpd="sng" algn="in">
-          <a:solidFill>
-            <a:schemeClr val="phClr"/>
-          </a:solidFill>
-          <a:prstDash val="solid"/>
-        </a:ln>
-        <a:ln w="19050" cap="flat" cmpd="sng" algn="in">
-          <a:solidFill>
-            <a:schemeClr val="phClr"/>
-          </a:solidFill>
-          <a:prstDash val="solid"/>
-        </a:ln>
-      </a:lnStyleLst>
-      <a:effectStyleLst>
-        <a:effectStyle>
-          <a:effectLst/>
-        </a:effectStyle>
-        <a:effectStyle>
-          <a:effectLst/>
-        </a:effectStyle>
-        <a:effectStyle>
-          <a:effectLst>
-            <a:outerShdw blurRad="57150" dist="19050" dir="5400000" algn="ctr" rotWithShape="0">
-              <a:srgbClr val="000000">
-                <a:alpha val="35000"/>
-              </a:srgbClr>
-            </a:outerShdw>
-          </a:effectLst>
-        </a:effectStyle>
-      </a:effectStyleLst>
-      <a:bgFillStyleLst>
-        <a:solidFill>
-          <a:schemeClr val="phClr"/>
-        </a:solidFill>
-        <a:solidFill>
-          <a:schemeClr val="phClr">
-            <a:tint val="95000"/>
-            <a:satMod val="170000"/>
-          </a:schemeClr>
-        </a:solidFill>
-        <a:gradFill rotWithShape="1">
-          <a:gsLst>
-            <a:gs pos="0">
-              <a:schemeClr val="phClr">
-                <a:tint val="93000"/>
-                <a:shade val="98000"/>
-                <a:satMod val="150000"/>
-                <a:lumMod val="102000"/>
-              </a:schemeClr>
-            </a:gs>
-            <a:gs pos="50000">
-              <a:schemeClr val="phClr">
-                <a:tint val="98000"/>
-                <a:shade val="90000"/>
-                <a:satMod val="130000"/>
-                <a:lumMod val="103000"/>
-              </a:schemeClr>
-            </a:gs>
-            <a:gs pos="100000">
-              <a:schemeClr val="phClr">
-                <a:shade val="63000"/>
-                <a:satMod val="120000"/>
-              </a:schemeClr>
-            </a:gs>
-          </a:gsLst>
-          <a:lin ang="5400000" scaled="0"/>
-        </a:gradFill>
-      </a:bgFillStyleLst>
-    </a:fmtScheme>
-  </a:themeElements>
-  <a:objectDefaults/>
-  <a:extraClrSchemeLst/>
-  <a:extLst>
-    <a:ext uri="{05A4C25C-085E-4340-85A3-A5531E510DB2}">
-      <thm15:themeFamily xmlns:thm15="http://schemas.microsoft.com/office/thememl/2012/main" name="Crop" id="{EC9488ED-E761-4D60-9AC4-764D1FE2C171}" vid="{17F9D331-421E-442F-B033-AF5B21A44854}"/>
-    </a:ext>
-  </a:extLst>
-</a:theme>
-</file>
-
-<file path=ppt/theme/theme2.xml><?xml version="1.0" encoding="utf-8"?>
 <a:theme xmlns:a="http://schemas.openxmlformats.org/drawingml/2006/main" name="Ritaglio">
   <a:themeElements>
     <a:clrScheme name="Ritaglio">
@@ -11590,7 +8292,7 @@
 </a:theme>
 </file>
 
-<file path=ppt/theme/theme3.xml><?xml version="1.0" encoding="utf-8"?>
+<file path=ppt/theme/theme2.xml><?xml version="1.0" encoding="utf-8"?>
 <a:theme xmlns:a="http://schemas.openxmlformats.org/drawingml/2006/main" name="Tema di Office">
   <a:themeElements>
     <a:clrScheme name="Office">
